--- a/clases/Cap03_Mejoramiento_Espacio/presentations/IMG03_Histogramas.pptx
+++ b/clases/Cap03_Mejoramiento_Espacio/presentations/IMG03_Histogramas.pptx
@@ -225,7 +225,7 @@
             <a:fld id="{F14E9589-7AAA-4AB6-B000-D241955E3CEB}" type="datetimeFigureOut">
               <a:rPr lang="en-US" smtClean="0"/>
               <a:pPr/>
-              <a:t>7/26/19</a:t>
+              <a:t>9/6/21</a:t>
             </a:fld>
             <a:endParaRPr lang="en-US"/>
           </a:p>
@@ -1547,7 +1547,7 @@
             <a:fld id="{47F4E713-0B4D-43FC-B3C6-08305E8BB356}" type="datetimeFigureOut">
               <a:rPr lang="es-CL" smtClean="0"/>
               <a:pPr/>
-              <a:t>26-07-19</a:t>
+              <a:t>06-09-21</a:t>
             </a:fld>
             <a:endParaRPr lang="es-CL"/>
           </a:p>
@@ -1714,7 +1714,7 @@
             <a:fld id="{47F4E713-0B4D-43FC-B3C6-08305E8BB356}" type="datetimeFigureOut">
               <a:rPr lang="es-CL" smtClean="0"/>
               <a:pPr/>
-              <a:t>26-07-19</a:t>
+              <a:t>06-09-21</a:t>
             </a:fld>
             <a:endParaRPr lang="es-CL"/>
           </a:p>
@@ -1891,7 +1891,7 @@
             <a:fld id="{47F4E713-0B4D-43FC-B3C6-08305E8BB356}" type="datetimeFigureOut">
               <a:rPr lang="es-CL" smtClean="0"/>
               <a:pPr/>
-              <a:t>26-07-19</a:t>
+              <a:t>06-09-21</a:t>
             </a:fld>
             <a:endParaRPr lang="es-CL"/>
           </a:p>
@@ -2058,7 +2058,7 @@
             <a:fld id="{47F4E713-0B4D-43FC-B3C6-08305E8BB356}" type="datetimeFigureOut">
               <a:rPr lang="es-CL" smtClean="0"/>
               <a:pPr/>
-              <a:t>26-07-19</a:t>
+              <a:t>06-09-21</a:t>
             </a:fld>
             <a:endParaRPr lang="es-CL"/>
           </a:p>
@@ -2301,7 +2301,7 @@
             <a:fld id="{47F4E713-0B4D-43FC-B3C6-08305E8BB356}" type="datetimeFigureOut">
               <a:rPr lang="es-CL" smtClean="0"/>
               <a:pPr/>
-              <a:t>26-07-19</a:t>
+              <a:t>06-09-21</a:t>
             </a:fld>
             <a:endParaRPr lang="es-CL"/>
           </a:p>
@@ -2586,7 +2586,7 @@
             <a:fld id="{47F4E713-0B4D-43FC-B3C6-08305E8BB356}" type="datetimeFigureOut">
               <a:rPr lang="es-CL" smtClean="0"/>
               <a:pPr/>
-              <a:t>26-07-19</a:t>
+              <a:t>06-09-21</a:t>
             </a:fld>
             <a:endParaRPr lang="es-CL"/>
           </a:p>
@@ -3005,7 +3005,7 @@
             <a:fld id="{47F4E713-0B4D-43FC-B3C6-08305E8BB356}" type="datetimeFigureOut">
               <a:rPr lang="es-CL" smtClean="0"/>
               <a:pPr/>
-              <a:t>26-07-19</a:t>
+              <a:t>06-09-21</a:t>
             </a:fld>
             <a:endParaRPr lang="es-CL"/>
           </a:p>
@@ -3120,7 +3120,7 @@
             <a:fld id="{47F4E713-0B4D-43FC-B3C6-08305E8BB356}" type="datetimeFigureOut">
               <a:rPr lang="es-CL" smtClean="0"/>
               <a:pPr/>
-              <a:t>26-07-19</a:t>
+              <a:t>06-09-21</a:t>
             </a:fld>
             <a:endParaRPr lang="es-CL"/>
           </a:p>
@@ -3212,7 +3212,7 @@
             <a:fld id="{47F4E713-0B4D-43FC-B3C6-08305E8BB356}" type="datetimeFigureOut">
               <a:rPr lang="es-CL" smtClean="0"/>
               <a:pPr/>
-              <a:t>26-07-19</a:t>
+              <a:t>06-09-21</a:t>
             </a:fld>
             <a:endParaRPr lang="es-CL"/>
           </a:p>
@@ -3486,7 +3486,7 @@
             <a:fld id="{47F4E713-0B4D-43FC-B3C6-08305E8BB356}" type="datetimeFigureOut">
               <a:rPr lang="es-CL" smtClean="0"/>
               <a:pPr/>
-              <a:t>26-07-19</a:t>
+              <a:t>06-09-21</a:t>
             </a:fld>
             <a:endParaRPr lang="es-CL"/>
           </a:p>
@@ -3736,7 +3736,7 @@
             <a:fld id="{47F4E713-0B4D-43FC-B3C6-08305E8BB356}" type="datetimeFigureOut">
               <a:rPr lang="es-CL" smtClean="0"/>
               <a:pPr/>
-              <a:t>26-07-19</a:t>
+              <a:t>06-09-21</a:t>
             </a:fld>
             <a:endParaRPr lang="es-CL"/>
           </a:p>
@@ -3946,7 +3946,7 @@
             <a:fld id="{47F4E713-0B4D-43FC-B3C6-08305E8BB356}" type="datetimeFigureOut">
               <a:rPr lang="es-CL" smtClean="0"/>
               <a:pPr/>
-              <a:t>26-07-19</a:t>
+              <a:t>06-09-21</a:t>
             </a:fld>
             <a:endParaRPr lang="es-CL"/>
           </a:p>
@@ -15091,237 +15091,42 @@
           </a:p>
         </p:txBody>
       </p:sp>
-      <p:sp>
-        <p:nvSpPr>
-          <p:cNvPr id="5" name="TextBox 4"/>
-          <p:cNvSpPr txBox="1"/>
-          <p:nvPr/>
-        </p:nvSpPr>
-        <p:spPr>
-          <a:xfrm>
-            <a:off x="354836" y="4052242"/>
-            <a:ext cx="4612852" cy="2554545"/>
-          </a:xfrm>
-          <a:prstGeom prst="rect">
-            <a:avLst/>
-          </a:prstGeom>
-          <a:solidFill>
-            <a:schemeClr val="accent6">
-              <a:lumMod val="60000"/>
-              <a:lumOff val="40000"/>
-            </a:schemeClr>
-          </a:solidFill>
-        </p:spPr>
-        <p:txBody>
-          <a:bodyPr wrap="square" rtlCol="0">
-            <a:spAutoFit/>
-          </a:bodyPr>
-          <a:lstStyle/>
-          <a:p>
-            <a:r>
-              <a:rPr lang="en-US" sz="1600" dirty="0">
-                <a:latin typeface="Courier"/>
-                <a:cs typeface="Courier"/>
-              </a:rPr>
-              <a:t>% X input image </a:t>
-            </a:r>
-          </a:p>
-          <a:p>
-            <a:r>
-              <a:rPr lang="en-US" sz="1600" dirty="0">
-                <a:latin typeface="Courier"/>
-                <a:cs typeface="Courier"/>
-              </a:rPr>
-              <a:t>% (grayvalues: 0,1, ... 255) </a:t>
-            </a:r>
-          </a:p>
-          <a:p>
-            <a:r>
-              <a:rPr lang="en-US" sz="1600" dirty="0">
-                <a:latin typeface="Courier"/>
-                <a:cs typeface="Courier"/>
-              </a:rPr>
-              <a:t>% h output histogram</a:t>
-            </a:r>
-          </a:p>
-          <a:p>
-            <a:r>
-              <a:rPr lang="en-US" sz="1600" dirty="0">
-                <a:latin typeface="Courier"/>
-                <a:cs typeface="Courier"/>
-              </a:rPr>
-              <a:t>[N,M] = size(X); </a:t>
-            </a:r>
-          </a:p>
-          <a:p>
-            <a:r>
-              <a:rPr lang="en-US" sz="1600" dirty="0">
-                <a:latin typeface="Courier"/>
-                <a:cs typeface="Courier"/>
-              </a:rPr>
-              <a:t>h = zeros(256,1);</a:t>
-            </a:r>
-          </a:p>
-          <a:p>
-            <a:r>
-              <a:rPr lang="en-US" sz="1600" dirty="0">
-                <a:latin typeface="Courier"/>
-                <a:cs typeface="Courier"/>
-              </a:rPr>
-              <a:t>for </a:t>
-            </a:r>
-            <a:r>
-              <a:rPr lang="en-US" sz="1600" dirty="0" err="1">
-                <a:latin typeface="Courier"/>
-                <a:cs typeface="Courier"/>
-              </a:rPr>
-              <a:t>i</a:t>
-            </a:r>
-            <a:r>
-              <a:rPr lang="en-US" sz="1600" dirty="0">
-                <a:latin typeface="Courier"/>
-                <a:cs typeface="Courier"/>
-              </a:rPr>
-              <a:t>=1:N</a:t>
-            </a:r>
-          </a:p>
-          <a:p>
-            <a:r>
-              <a:rPr lang="en-US" sz="1600" dirty="0">
-                <a:latin typeface="Courier"/>
-                <a:cs typeface="Courier"/>
-              </a:rPr>
-              <a:t>  for j=1:M</a:t>
-            </a:r>
-          </a:p>
-          <a:p>
-            <a:r>
-              <a:rPr lang="en-US" sz="1600" dirty="0">
-                <a:latin typeface="Courier"/>
-                <a:cs typeface="Courier"/>
-              </a:rPr>
-              <a:t>    h(X(</a:t>
-            </a:r>
-            <a:r>
-              <a:rPr lang="en-US" sz="1600" dirty="0" err="1">
-                <a:latin typeface="Courier"/>
-                <a:cs typeface="Courier"/>
-              </a:rPr>
-              <a:t>i,j</a:t>
-            </a:r>
-            <a:r>
-              <a:rPr lang="en-US" sz="1600" dirty="0">
-                <a:latin typeface="Courier"/>
-                <a:cs typeface="Courier"/>
-              </a:rPr>
-              <a:t>)+1) = h(X(</a:t>
-            </a:r>
-            <a:r>
-              <a:rPr lang="en-US" sz="1600" dirty="0" err="1">
-                <a:latin typeface="Courier"/>
-                <a:cs typeface="Courier"/>
-              </a:rPr>
-              <a:t>i,j</a:t>
-            </a:r>
-            <a:r>
-              <a:rPr lang="en-US" sz="1600" dirty="0">
-                <a:latin typeface="Courier"/>
-                <a:cs typeface="Courier"/>
-              </a:rPr>
-              <a:t>)+1) + 1;</a:t>
-            </a:r>
-          </a:p>
-          <a:p>
-            <a:r>
-              <a:rPr lang="en-US" sz="1600" dirty="0">
-                <a:latin typeface="Courier"/>
-                <a:cs typeface="Courier"/>
-              </a:rPr>
-              <a:t>  end</a:t>
-            </a:r>
-          </a:p>
-          <a:p>
-            <a:r>
-              <a:rPr lang="en-US" sz="1600" dirty="0">
-                <a:latin typeface="Courier"/>
-                <a:cs typeface="Courier"/>
-              </a:rPr>
-              <a:t>end</a:t>
-            </a:r>
-          </a:p>
-        </p:txBody>
-      </p:sp>
-      <p:sp>
-        <p:nvSpPr>
-          <p:cNvPr id="11" name="TextBox 10"/>
-          <p:cNvSpPr txBox="1"/>
-          <p:nvPr/>
-        </p:nvSpPr>
-        <p:spPr>
-          <a:xfrm>
-            <a:off x="5643024" y="6016016"/>
-            <a:ext cx="2524148" cy="584776"/>
-          </a:xfrm>
-          <a:prstGeom prst="rect">
-            <a:avLst/>
-          </a:prstGeom>
-          <a:solidFill>
-            <a:schemeClr val="accent6">
-              <a:lumMod val="60000"/>
-              <a:lumOff val="40000"/>
-            </a:schemeClr>
-          </a:solidFill>
-        </p:spPr>
-        <p:txBody>
-          <a:bodyPr wrap="none" rtlCol="0">
-            <a:spAutoFit/>
-          </a:bodyPr>
-          <a:lstStyle/>
-          <a:p>
-            <a:r>
-              <a:rPr lang="en-US" sz="1600" dirty="0">
-                <a:latin typeface="Courier"/>
-                <a:cs typeface="Courier"/>
-              </a:rPr>
-              <a:t>% Command in </a:t>
-            </a:r>
-            <a:r>
-              <a:rPr lang="en-US" sz="1600" dirty="0" err="1">
-                <a:latin typeface="Courier"/>
-                <a:cs typeface="Courier"/>
-              </a:rPr>
-              <a:t>Matlab</a:t>
-            </a:r>
-            <a:endParaRPr lang="en-US" sz="1600" dirty="0">
-              <a:latin typeface="Courier"/>
-              <a:cs typeface="Courier"/>
-            </a:endParaRPr>
-          </a:p>
-          <a:p>
-            <a:r>
-              <a:rPr lang="en-US" sz="1600" dirty="0">
-                <a:latin typeface="Courier"/>
-                <a:cs typeface="Courier"/>
-              </a:rPr>
-              <a:t>h = </a:t>
-            </a:r>
-            <a:r>
-              <a:rPr lang="en-US" sz="1600" dirty="0" err="1">
-                <a:latin typeface="Courier"/>
-                <a:cs typeface="Courier"/>
-              </a:rPr>
-              <a:t>imhist</a:t>
-            </a:r>
-            <a:r>
-              <a:rPr lang="en-US" sz="1600" dirty="0">
-                <a:latin typeface="Courier"/>
-                <a:cs typeface="Courier"/>
-              </a:rPr>
-              <a:t>(X);</a:t>
-            </a:r>
-          </a:p>
-        </p:txBody>
-      </p:sp>
+      <p:pic>
+        <p:nvPicPr>
+          <p:cNvPr id="12" name="Picture 11">
+            <a:extLst>
+              <a:ext uri="{FF2B5EF4-FFF2-40B4-BE49-F238E27FC236}">
+                <a16:creationId xmlns:a16="http://schemas.microsoft.com/office/drawing/2014/main" id="{05698F67-3132-8C4D-8AC4-971299B50029}"/>
+              </a:ext>
+            </a:extLst>
+          </p:cNvPr>
+          <p:cNvPicPr>
+            <a:picLocks noChangeAspect="1"/>
+          </p:cNvPicPr>
+          <p:nvPr/>
+        </p:nvPicPr>
+        <p:blipFill>
+          <a:blip r:embed="rId5">
+            <a:extLst>
+              <a:ext uri="{28A0092B-C50C-407E-A947-70E740481C1C}">
+                <a14:useLocalDpi xmlns:a14="http://schemas.microsoft.com/office/drawing/2010/main" val="0"/>
+              </a:ext>
+            </a:extLst>
+          </a:blip>
+          <a:stretch>
+            <a:fillRect/>
+          </a:stretch>
+        </p:blipFill>
+        <p:spPr>
+          <a:xfrm>
+            <a:off x="2640042" y="146881"/>
+            <a:ext cx="3873500" cy="3327400"/>
+          </a:xfrm>
+          <a:prstGeom prst="rect">
+            <a:avLst/>
+          </a:prstGeom>
+        </p:spPr>
+      </p:pic>
     </p:spTree>
     <p:extLst>
       <p:ext uri="{BB962C8B-B14F-4D97-AF65-F5344CB8AC3E}">
@@ -15353,7 +15158,7 @@
                             </p:stCondLst>
                             <p:childTnLst>
                               <p:par>
-                                <p:cTn id="5" presetID="1" presetClass="entr" presetSubtype="0" fill="hold" grpId="0" nodeType="clickEffect">
+                                <p:cTn id="5" presetID="55" presetClass="entr" presetSubtype="0" fill="hold" nodeType="clickEffect">
                                   <p:stCondLst>
                                     <p:cond delay="0"/>
                                   </p:stCondLst>
@@ -15366,7 +15171,7 @@
                                           </p:stCondLst>
                                         </p:cTn>
                                         <p:tgtEl>
-                                          <p:spTgt spid="5"/>
+                                          <p:spTgt spid="12"/>
                                         </p:tgtEl>
                                         <p:attrNameLst>
                                           <p:attrName>style.visibility</p:attrName>
@@ -15376,51 +15181,60 @@
                                         <p:strVal val="visible"/>
                                       </p:to>
                                     </p:set>
-                                  </p:childTnLst>
-                                </p:cTn>
-                              </p:par>
-                            </p:childTnLst>
-                          </p:cTn>
-                        </p:par>
-                      </p:childTnLst>
-                    </p:cTn>
-                  </p:par>
-                  <p:par>
-                    <p:cTn id="7" fill="hold">
-                      <p:stCondLst>
-                        <p:cond delay="indefinite"/>
-                      </p:stCondLst>
-                      <p:childTnLst>
-                        <p:par>
-                          <p:cTn id="8" fill="hold">
-                            <p:stCondLst>
-                              <p:cond delay="0"/>
-                            </p:stCondLst>
-                            <p:childTnLst>
-                              <p:par>
-                                <p:cTn id="9" presetID="1" presetClass="entr" presetSubtype="0" fill="hold" grpId="0" nodeType="clickEffect">
-                                  <p:stCondLst>
-                                    <p:cond delay="0"/>
-                                  </p:stCondLst>
-                                  <p:childTnLst>
-                                    <p:set>
+                                    <p:anim calcmode="lin" valueType="num">
                                       <p:cBhvr>
-                                        <p:cTn id="10" dur="1" fill="hold">
-                                          <p:stCondLst>
-                                            <p:cond delay="0"/>
-                                          </p:stCondLst>
-                                        </p:cTn>
+                                        <p:cTn id="7" dur="1000" fill="hold"/>
                                         <p:tgtEl>
-                                          <p:spTgt spid="11"/>
+                                          <p:spTgt spid="12"/>
                                         </p:tgtEl>
                                         <p:attrNameLst>
-                                          <p:attrName>style.visibility</p:attrName>
+                                          <p:attrName>ppt_w</p:attrName>
                                         </p:attrNameLst>
                                       </p:cBhvr>
-                                      <p:to>
-                                        <p:strVal val="visible"/>
-                                      </p:to>
-                                    </p:set>
+                                      <p:tavLst>
+                                        <p:tav tm="0">
+                                          <p:val>
+                                            <p:strVal val="#ppt_w*0.70"/>
+                                          </p:val>
+                                        </p:tav>
+                                        <p:tav tm="100000">
+                                          <p:val>
+                                            <p:strVal val="#ppt_w"/>
+                                          </p:val>
+                                        </p:tav>
+                                      </p:tavLst>
+                                    </p:anim>
+                                    <p:anim calcmode="lin" valueType="num">
+                                      <p:cBhvr>
+                                        <p:cTn id="8" dur="1000" fill="hold"/>
+                                        <p:tgtEl>
+                                          <p:spTgt spid="12"/>
+                                        </p:tgtEl>
+                                        <p:attrNameLst>
+                                          <p:attrName>ppt_h</p:attrName>
+                                        </p:attrNameLst>
+                                      </p:cBhvr>
+                                      <p:tavLst>
+                                        <p:tav tm="0">
+                                          <p:val>
+                                            <p:strVal val="#ppt_h"/>
+                                          </p:val>
+                                        </p:tav>
+                                        <p:tav tm="100000">
+                                          <p:val>
+                                            <p:strVal val="#ppt_h"/>
+                                          </p:val>
+                                        </p:tav>
+                                      </p:tavLst>
+                                    </p:anim>
+                                    <p:animEffect transition="in" filter="fade">
+                                      <p:cBhvr>
+                                        <p:cTn id="9" dur="1000"/>
+                                        <p:tgtEl>
+                                          <p:spTgt spid="12"/>
+                                        </p:tgtEl>
+                                      </p:cBhvr>
+                                    </p:animEffect>
                                   </p:childTnLst>
                                 </p:cTn>
                               </p:par>
@@ -15451,10 +15265,6 @@
         </p:cTn>
       </p:par>
     </p:tnLst>
-    <p:bldLst>
-      <p:bldP spid="5" grpId="0" animBg="1"/>
-      <p:bldP spid="11" grpId="0" animBg="1"/>
-    </p:bldLst>
   </p:timing>
 </p:sld>
 </file>
@@ -17307,7 +17117,10 @@
             <a:avLst/>
           </a:prstGeom>
           <a:solidFill>
-            <a:schemeClr val="bg1"/>
+            <a:schemeClr val="accent6">
+              <a:lumMod val="60000"/>
+              <a:lumOff val="40000"/>
+            </a:schemeClr>
           </a:solidFill>
           <a:ln>
             <a:solidFill>
@@ -17355,7 +17168,10 @@
             <a:avLst/>
           </a:prstGeom>
           <a:solidFill>
-            <a:schemeClr val="bg1"/>
+            <a:schemeClr val="accent6">
+              <a:lumMod val="60000"/>
+              <a:lumOff val="40000"/>
+            </a:schemeClr>
           </a:solidFill>
           <a:ln>
             <a:solidFill>
@@ -17847,7 +17663,10 @@
             <a:avLst/>
           </a:prstGeom>
           <a:solidFill>
-            <a:schemeClr val="bg1"/>
+            <a:schemeClr val="accent6">
+              <a:lumMod val="60000"/>
+              <a:lumOff val="40000"/>
+            </a:schemeClr>
           </a:solidFill>
           <a:ln>
             <a:solidFill>
@@ -18981,9 +18800,940 @@
           </a:p>
         </p:txBody>
       </p:sp>
+      <p:sp>
+        <p:nvSpPr>
+          <p:cNvPr id="39" name="38 Rectángulo"/>
+          <p:cNvSpPr/>
+          <p:nvPr/>
+        </p:nvSpPr>
+        <p:spPr>
+          <a:xfrm>
+            <a:off x="571472" y="3429000"/>
+            <a:ext cx="428628" cy="500066"/>
+          </a:xfrm>
+          <a:prstGeom prst="rect">
+            <a:avLst/>
+          </a:prstGeom>
+          <a:solidFill>
+            <a:schemeClr val="tx1">
+              <a:lumMod val="75000"/>
+              <a:lumOff val="25000"/>
+            </a:schemeClr>
+          </a:solidFill>
+          <a:ln>
+            <a:solidFill>
+              <a:schemeClr val="bg1">
+                <a:lumMod val="85000"/>
+              </a:schemeClr>
+            </a:solidFill>
+          </a:ln>
+        </p:spPr>
+        <p:style>
+          <a:lnRef idx="2">
+            <a:schemeClr val="accent1">
+              <a:shade val="50000"/>
+            </a:schemeClr>
+          </a:lnRef>
+          <a:fillRef idx="1">
+            <a:schemeClr val="accent1"/>
+          </a:fillRef>
+          <a:effectRef idx="0">
+            <a:schemeClr val="accent1"/>
+          </a:effectRef>
+          <a:fontRef idx="minor">
+            <a:schemeClr val="lt1"/>
+          </a:fontRef>
+        </p:style>
+        <p:txBody>
+          <a:bodyPr rtlCol="0" anchor="ctr"/>
+          <a:lstStyle/>
+          <a:p>
+            <a:pPr algn="ctr"/>
+            <a:endParaRPr lang="es-CL"/>
+          </a:p>
+        </p:txBody>
+      </p:sp>
+      <p:sp>
+        <p:nvSpPr>
+          <p:cNvPr id="40" name="39 Rectángulo"/>
+          <p:cNvSpPr/>
+          <p:nvPr/>
+        </p:nvSpPr>
+        <p:spPr>
+          <a:xfrm>
+            <a:off x="2714612" y="3929066"/>
+            <a:ext cx="428628" cy="500066"/>
+          </a:xfrm>
+          <a:prstGeom prst="rect">
+            <a:avLst/>
+          </a:prstGeom>
+          <a:solidFill>
+            <a:schemeClr val="tx1">
+              <a:lumMod val="85000"/>
+              <a:lumOff val="15000"/>
+            </a:schemeClr>
+          </a:solidFill>
+          <a:ln>
+            <a:solidFill>
+              <a:schemeClr val="bg1">
+                <a:lumMod val="85000"/>
+              </a:schemeClr>
+            </a:solidFill>
+          </a:ln>
+        </p:spPr>
+        <p:style>
+          <a:lnRef idx="2">
+            <a:schemeClr val="accent1">
+              <a:shade val="50000"/>
+            </a:schemeClr>
+          </a:lnRef>
+          <a:fillRef idx="1">
+            <a:schemeClr val="accent1"/>
+          </a:fillRef>
+          <a:effectRef idx="0">
+            <a:schemeClr val="accent1"/>
+          </a:effectRef>
+          <a:fontRef idx="minor">
+            <a:schemeClr val="lt1"/>
+          </a:fontRef>
+        </p:style>
+        <p:txBody>
+          <a:bodyPr rtlCol="0" anchor="ctr"/>
+          <a:lstStyle/>
+          <a:p>
+            <a:pPr algn="ctr"/>
+            <a:endParaRPr lang="es-CL"/>
+          </a:p>
+        </p:txBody>
+      </p:sp>
+      <p:sp>
+        <p:nvSpPr>
+          <p:cNvPr id="41" name="40 Rectángulo"/>
+          <p:cNvSpPr/>
+          <p:nvPr/>
+        </p:nvSpPr>
+        <p:spPr>
+          <a:xfrm>
+            <a:off x="571472" y="3929066"/>
+            <a:ext cx="428628" cy="500066"/>
+          </a:xfrm>
+          <a:prstGeom prst="rect">
+            <a:avLst/>
+          </a:prstGeom>
+          <a:solidFill>
+            <a:schemeClr val="tx1">
+              <a:lumMod val="85000"/>
+              <a:lumOff val="15000"/>
+            </a:schemeClr>
+          </a:solidFill>
+          <a:ln>
+            <a:solidFill>
+              <a:schemeClr val="bg1">
+                <a:lumMod val="85000"/>
+              </a:schemeClr>
+            </a:solidFill>
+          </a:ln>
+        </p:spPr>
+        <p:style>
+          <a:lnRef idx="2">
+            <a:schemeClr val="accent1">
+              <a:shade val="50000"/>
+            </a:schemeClr>
+          </a:lnRef>
+          <a:fillRef idx="1">
+            <a:schemeClr val="accent1"/>
+          </a:fillRef>
+          <a:effectRef idx="0">
+            <a:schemeClr val="accent1"/>
+          </a:effectRef>
+          <a:fontRef idx="minor">
+            <a:schemeClr val="lt1"/>
+          </a:fontRef>
+        </p:style>
+        <p:txBody>
+          <a:bodyPr rtlCol="0" anchor="ctr"/>
+          <a:lstStyle/>
+          <a:p>
+            <a:pPr algn="ctr"/>
+            <a:endParaRPr lang="es-CL"/>
+          </a:p>
+        </p:txBody>
+      </p:sp>
       <p:grpSp>
         <p:nvGrpSpPr>
-          <p:cNvPr id="87" name="86 Grupo"/>
+          <p:cNvPr id="88" name="87 Grupo"/>
+          <p:cNvGrpSpPr/>
+          <p:nvPr/>
+        </p:nvGrpSpPr>
+        <p:grpSpPr>
+          <a:xfrm>
+            <a:off x="4071934" y="2428868"/>
+            <a:ext cx="428628" cy="1500198"/>
+            <a:chOff x="3643306" y="2428868"/>
+            <a:chExt cx="428628" cy="1500198"/>
+          </a:xfrm>
+        </p:grpSpPr>
+        <p:sp>
+          <p:nvSpPr>
+            <p:cNvPr id="112" name="111 Rectángulo"/>
+            <p:cNvSpPr/>
+            <p:nvPr/>
+          </p:nvSpPr>
+          <p:spPr>
+            <a:xfrm>
+              <a:off x="3643306" y="2428868"/>
+              <a:ext cx="428628" cy="500066"/>
+            </a:xfrm>
+            <a:prstGeom prst="rect">
+              <a:avLst/>
+            </a:prstGeom>
+            <a:solidFill>
+              <a:schemeClr val="bg1"/>
+            </a:solidFill>
+            <a:ln>
+              <a:solidFill>
+                <a:schemeClr val="bg1">
+                  <a:lumMod val="85000"/>
+                </a:schemeClr>
+              </a:solidFill>
+            </a:ln>
+          </p:spPr>
+          <p:style>
+            <a:lnRef idx="2">
+              <a:schemeClr val="accent1">
+                <a:shade val="50000"/>
+              </a:schemeClr>
+            </a:lnRef>
+            <a:fillRef idx="1">
+              <a:schemeClr val="accent1"/>
+            </a:fillRef>
+            <a:effectRef idx="0">
+              <a:schemeClr val="accent1"/>
+            </a:effectRef>
+            <a:fontRef idx="minor">
+              <a:schemeClr val="lt1"/>
+            </a:fontRef>
+          </p:style>
+          <p:txBody>
+            <a:bodyPr rtlCol="0" anchor="ctr"/>
+            <a:lstStyle/>
+            <a:p>
+              <a:pPr algn="ctr"/>
+              <a:endParaRPr lang="es-CL"/>
+            </a:p>
+          </p:txBody>
+        </p:sp>
+        <p:sp>
+          <p:nvSpPr>
+            <p:cNvPr id="113" name="112 Rectángulo"/>
+            <p:cNvSpPr/>
+            <p:nvPr/>
+          </p:nvSpPr>
+          <p:spPr>
+            <a:xfrm>
+              <a:off x="3643306" y="2928934"/>
+              <a:ext cx="428628" cy="500066"/>
+            </a:xfrm>
+            <a:prstGeom prst="rect">
+              <a:avLst/>
+            </a:prstGeom>
+            <a:solidFill>
+              <a:schemeClr val="bg1"/>
+            </a:solidFill>
+            <a:ln>
+              <a:solidFill>
+                <a:schemeClr val="bg1">
+                  <a:lumMod val="85000"/>
+                </a:schemeClr>
+              </a:solidFill>
+            </a:ln>
+          </p:spPr>
+          <p:style>
+            <a:lnRef idx="2">
+              <a:schemeClr val="accent1">
+                <a:shade val="50000"/>
+              </a:schemeClr>
+            </a:lnRef>
+            <a:fillRef idx="1">
+              <a:schemeClr val="accent1"/>
+            </a:fillRef>
+            <a:effectRef idx="0">
+              <a:schemeClr val="accent1"/>
+            </a:effectRef>
+            <a:fontRef idx="minor">
+              <a:schemeClr val="lt1"/>
+            </a:fontRef>
+          </p:style>
+          <p:txBody>
+            <a:bodyPr rtlCol="0" anchor="ctr"/>
+            <a:lstStyle/>
+            <a:p>
+              <a:pPr algn="ctr"/>
+              <a:endParaRPr lang="es-CL"/>
+            </a:p>
+          </p:txBody>
+        </p:sp>
+        <p:sp>
+          <p:nvSpPr>
+            <p:cNvPr id="123" name="122 Rectángulo"/>
+            <p:cNvSpPr/>
+            <p:nvPr/>
+          </p:nvSpPr>
+          <p:spPr>
+            <a:xfrm>
+              <a:off x="3643306" y="3429000"/>
+              <a:ext cx="428628" cy="500066"/>
+            </a:xfrm>
+            <a:prstGeom prst="rect">
+              <a:avLst/>
+            </a:prstGeom>
+            <a:solidFill>
+              <a:schemeClr val="bg1"/>
+            </a:solidFill>
+            <a:ln>
+              <a:solidFill>
+                <a:schemeClr val="bg1">
+                  <a:lumMod val="85000"/>
+                </a:schemeClr>
+              </a:solidFill>
+            </a:ln>
+          </p:spPr>
+          <p:style>
+            <a:lnRef idx="2">
+              <a:schemeClr val="accent1">
+                <a:shade val="50000"/>
+              </a:schemeClr>
+            </a:lnRef>
+            <a:fillRef idx="1">
+              <a:schemeClr val="accent1"/>
+            </a:fillRef>
+            <a:effectRef idx="0">
+              <a:schemeClr val="accent1"/>
+            </a:effectRef>
+            <a:fontRef idx="minor">
+              <a:schemeClr val="lt1"/>
+            </a:fontRef>
+          </p:style>
+          <p:txBody>
+            <a:bodyPr rtlCol="0" anchor="ctr"/>
+            <a:lstStyle/>
+            <a:p>
+              <a:pPr algn="ctr"/>
+              <a:endParaRPr lang="es-CL"/>
+            </a:p>
+          </p:txBody>
+        </p:sp>
+      </p:grpSp>
+      <p:sp>
+        <p:nvSpPr>
+          <p:cNvPr id="22" name="21 Rectángulo"/>
+          <p:cNvSpPr/>
+          <p:nvPr/>
+        </p:nvSpPr>
+        <p:spPr>
+          <a:xfrm>
+            <a:off x="3643306" y="3929066"/>
+            <a:ext cx="428628" cy="500066"/>
+          </a:xfrm>
+          <a:prstGeom prst="rect">
+            <a:avLst/>
+          </a:prstGeom>
+          <a:solidFill>
+            <a:schemeClr val="bg1"/>
+          </a:solidFill>
+          <a:ln>
+            <a:solidFill>
+              <a:schemeClr val="tx1"/>
+            </a:solidFill>
+          </a:ln>
+        </p:spPr>
+        <p:style>
+          <a:lnRef idx="2">
+            <a:schemeClr val="accent1">
+              <a:shade val="50000"/>
+            </a:schemeClr>
+          </a:lnRef>
+          <a:fillRef idx="1">
+            <a:schemeClr val="accent1"/>
+          </a:fillRef>
+          <a:effectRef idx="0">
+            <a:schemeClr val="accent1"/>
+          </a:effectRef>
+          <a:fontRef idx="minor">
+            <a:schemeClr val="lt1"/>
+          </a:fontRef>
+        </p:style>
+        <p:txBody>
+          <a:bodyPr rtlCol="0" anchor="ctr"/>
+          <a:lstStyle/>
+          <a:p>
+            <a:pPr algn="ctr"/>
+            <a:endParaRPr lang="es-CL"/>
+          </a:p>
+        </p:txBody>
+      </p:sp>
+      <p:sp>
+        <p:nvSpPr>
+          <p:cNvPr id="23" name="22 Rectángulo"/>
+          <p:cNvSpPr/>
+          <p:nvPr/>
+        </p:nvSpPr>
+        <p:spPr>
+          <a:xfrm>
+            <a:off x="4071934" y="3929066"/>
+            <a:ext cx="428628" cy="500066"/>
+          </a:xfrm>
+          <a:prstGeom prst="rect">
+            <a:avLst/>
+          </a:prstGeom>
+          <a:solidFill>
+            <a:schemeClr val="bg1">
+              <a:lumMod val="95000"/>
+            </a:schemeClr>
+          </a:solidFill>
+          <a:ln>
+            <a:solidFill>
+              <a:schemeClr val="tx1"/>
+            </a:solidFill>
+          </a:ln>
+        </p:spPr>
+        <p:style>
+          <a:lnRef idx="2">
+            <a:schemeClr val="accent1">
+              <a:shade val="50000"/>
+            </a:schemeClr>
+          </a:lnRef>
+          <a:fillRef idx="1">
+            <a:schemeClr val="accent1"/>
+          </a:fillRef>
+          <a:effectRef idx="0">
+            <a:schemeClr val="accent1"/>
+          </a:effectRef>
+          <a:fontRef idx="minor">
+            <a:schemeClr val="lt1"/>
+          </a:fontRef>
+        </p:style>
+        <p:txBody>
+          <a:bodyPr rtlCol="0" anchor="ctr"/>
+          <a:lstStyle/>
+          <a:p>
+            <a:pPr algn="ctr"/>
+            <a:endParaRPr lang="es-CL"/>
+          </a:p>
+        </p:txBody>
+      </p:sp>
+      <p:sp>
+        <p:nvSpPr>
+          <p:cNvPr id="24" name="23 Rectángulo"/>
+          <p:cNvSpPr/>
+          <p:nvPr/>
+        </p:nvSpPr>
+        <p:spPr>
+          <a:xfrm>
+            <a:off x="4500562" y="3929066"/>
+            <a:ext cx="428628" cy="500066"/>
+          </a:xfrm>
+          <a:prstGeom prst="rect">
+            <a:avLst/>
+          </a:prstGeom>
+          <a:solidFill>
+            <a:schemeClr val="bg1">
+              <a:lumMod val="85000"/>
+            </a:schemeClr>
+          </a:solidFill>
+          <a:ln>
+            <a:solidFill>
+              <a:schemeClr val="tx1"/>
+            </a:solidFill>
+          </a:ln>
+        </p:spPr>
+        <p:style>
+          <a:lnRef idx="2">
+            <a:schemeClr val="accent1">
+              <a:shade val="50000"/>
+            </a:schemeClr>
+          </a:lnRef>
+          <a:fillRef idx="1">
+            <a:schemeClr val="accent1"/>
+          </a:fillRef>
+          <a:effectRef idx="0">
+            <a:schemeClr val="accent1"/>
+          </a:effectRef>
+          <a:fontRef idx="minor">
+            <a:schemeClr val="lt1"/>
+          </a:fontRef>
+        </p:style>
+        <p:txBody>
+          <a:bodyPr rtlCol="0" anchor="ctr"/>
+          <a:lstStyle/>
+          <a:p>
+            <a:pPr algn="ctr"/>
+            <a:endParaRPr lang="es-CL"/>
+          </a:p>
+        </p:txBody>
+      </p:sp>
+      <p:sp>
+        <p:nvSpPr>
+          <p:cNvPr id="25" name="24 Rectángulo"/>
+          <p:cNvSpPr/>
+          <p:nvPr/>
+        </p:nvSpPr>
+        <p:spPr>
+          <a:xfrm>
+            <a:off x="4929190" y="3929066"/>
+            <a:ext cx="428628" cy="500066"/>
+          </a:xfrm>
+          <a:prstGeom prst="rect">
+            <a:avLst/>
+          </a:prstGeom>
+          <a:solidFill>
+            <a:schemeClr val="bg1">
+              <a:lumMod val="75000"/>
+            </a:schemeClr>
+          </a:solidFill>
+          <a:ln>
+            <a:solidFill>
+              <a:schemeClr val="tx1"/>
+            </a:solidFill>
+          </a:ln>
+        </p:spPr>
+        <p:style>
+          <a:lnRef idx="2">
+            <a:schemeClr val="accent1">
+              <a:shade val="50000"/>
+            </a:schemeClr>
+          </a:lnRef>
+          <a:fillRef idx="1">
+            <a:schemeClr val="accent1"/>
+          </a:fillRef>
+          <a:effectRef idx="0">
+            <a:schemeClr val="accent1"/>
+          </a:effectRef>
+          <a:fontRef idx="minor">
+            <a:schemeClr val="lt1"/>
+          </a:fontRef>
+        </p:style>
+        <p:txBody>
+          <a:bodyPr rtlCol="0" anchor="ctr"/>
+          <a:lstStyle/>
+          <a:p>
+            <a:pPr algn="ctr"/>
+            <a:endParaRPr lang="es-CL"/>
+          </a:p>
+        </p:txBody>
+      </p:sp>
+      <p:sp>
+        <p:nvSpPr>
+          <p:cNvPr id="26" name="25 Rectángulo"/>
+          <p:cNvSpPr/>
+          <p:nvPr/>
+        </p:nvSpPr>
+        <p:spPr>
+          <a:xfrm>
+            <a:off x="5357818" y="3929066"/>
+            <a:ext cx="428628" cy="500066"/>
+          </a:xfrm>
+          <a:prstGeom prst="rect">
+            <a:avLst/>
+          </a:prstGeom>
+          <a:solidFill>
+            <a:schemeClr val="bg1">
+              <a:lumMod val="65000"/>
+            </a:schemeClr>
+          </a:solidFill>
+          <a:ln>
+            <a:solidFill>
+              <a:schemeClr val="tx1"/>
+            </a:solidFill>
+          </a:ln>
+        </p:spPr>
+        <p:style>
+          <a:lnRef idx="2">
+            <a:schemeClr val="accent1">
+              <a:shade val="50000"/>
+            </a:schemeClr>
+          </a:lnRef>
+          <a:fillRef idx="1">
+            <a:schemeClr val="accent1"/>
+          </a:fillRef>
+          <a:effectRef idx="0">
+            <a:schemeClr val="accent1"/>
+          </a:effectRef>
+          <a:fontRef idx="minor">
+            <a:schemeClr val="lt1"/>
+          </a:fontRef>
+        </p:style>
+        <p:txBody>
+          <a:bodyPr rtlCol="0" anchor="ctr"/>
+          <a:lstStyle/>
+          <a:p>
+            <a:pPr algn="ctr"/>
+            <a:endParaRPr lang="es-CL"/>
+          </a:p>
+        </p:txBody>
+      </p:sp>
+      <p:sp>
+        <p:nvSpPr>
+          <p:cNvPr id="27" name="26 Rectángulo"/>
+          <p:cNvSpPr/>
+          <p:nvPr/>
+        </p:nvSpPr>
+        <p:spPr>
+          <a:xfrm>
+            <a:off x="5786446" y="3929066"/>
+            <a:ext cx="428628" cy="500066"/>
+          </a:xfrm>
+          <a:prstGeom prst="rect">
+            <a:avLst/>
+          </a:prstGeom>
+          <a:solidFill>
+            <a:schemeClr val="bg1">
+              <a:lumMod val="50000"/>
+            </a:schemeClr>
+          </a:solidFill>
+          <a:ln>
+            <a:solidFill>
+              <a:schemeClr val="tx1"/>
+            </a:solidFill>
+          </a:ln>
+        </p:spPr>
+        <p:style>
+          <a:lnRef idx="2">
+            <a:schemeClr val="accent1">
+              <a:shade val="50000"/>
+            </a:schemeClr>
+          </a:lnRef>
+          <a:fillRef idx="1">
+            <a:schemeClr val="accent1"/>
+          </a:fillRef>
+          <a:effectRef idx="0">
+            <a:schemeClr val="accent1"/>
+          </a:effectRef>
+          <a:fontRef idx="minor">
+            <a:schemeClr val="lt1"/>
+          </a:fontRef>
+        </p:style>
+        <p:txBody>
+          <a:bodyPr rtlCol="0" anchor="ctr"/>
+          <a:lstStyle/>
+          <a:p>
+            <a:pPr algn="ctr"/>
+            <a:endParaRPr lang="es-CL"/>
+          </a:p>
+        </p:txBody>
+      </p:sp>
+      <p:sp>
+        <p:nvSpPr>
+          <p:cNvPr id="28" name="27 Rectángulo"/>
+          <p:cNvSpPr/>
+          <p:nvPr/>
+        </p:nvSpPr>
+        <p:spPr>
+          <a:xfrm>
+            <a:off x="6215074" y="3929066"/>
+            <a:ext cx="428628" cy="500066"/>
+          </a:xfrm>
+          <a:prstGeom prst="rect">
+            <a:avLst/>
+          </a:prstGeom>
+          <a:solidFill>
+            <a:schemeClr val="tx1">
+              <a:lumMod val="50000"/>
+              <a:lumOff val="50000"/>
+            </a:schemeClr>
+          </a:solidFill>
+          <a:ln>
+            <a:solidFill>
+              <a:schemeClr val="tx1"/>
+            </a:solidFill>
+          </a:ln>
+        </p:spPr>
+        <p:style>
+          <a:lnRef idx="2">
+            <a:schemeClr val="accent1">
+              <a:shade val="50000"/>
+            </a:schemeClr>
+          </a:lnRef>
+          <a:fillRef idx="1">
+            <a:schemeClr val="accent1"/>
+          </a:fillRef>
+          <a:effectRef idx="0">
+            <a:schemeClr val="accent1"/>
+          </a:effectRef>
+          <a:fontRef idx="minor">
+            <a:schemeClr val="lt1"/>
+          </a:fontRef>
+        </p:style>
+        <p:txBody>
+          <a:bodyPr rtlCol="0" anchor="ctr"/>
+          <a:lstStyle/>
+          <a:p>
+            <a:pPr algn="ctr"/>
+            <a:endParaRPr lang="es-CL"/>
+          </a:p>
+        </p:txBody>
+      </p:sp>
+      <p:sp>
+        <p:nvSpPr>
+          <p:cNvPr id="29" name="28 Rectángulo"/>
+          <p:cNvSpPr/>
+          <p:nvPr/>
+        </p:nvSpPr>
+        <p:spPr>
+          <a:xfrm>
+            <a:off x="6643702" y="3929066"/>
+            <a:ext cx="428628" cy="500066"/>
+          </a:xfrm>
+          <a:prstGeom prst="rect">
+            <a:avLst/>
+          </a:prstGeom>
+          <a:solidFill>
+            <a:schemeClr val="tx1">
+              <a:lumMod val="65000"/>
+              <a:lumOff val="35000"/>
+            </a:schemeClr>
+          </a:solidFill>
+          <a:ln>
+            <a:solidFill>
+              <a:schemeClr val="tx1"/>
+            </a:solidFill>
+          </a:ln>
+        </p:spPr>
+        <p:style>
+          <a:lnRef idx="2">
+            <a:schemeClr val="accent1">
+              <a:shade val="50000"/>
+            </a:schemeClr>
+          </a:lnRef>
+          <a:fillRef idx="1">
+            <a:schemeClr val="accent1"/>
+          </a:fillRef>
+          <a:effectRef idx="0">
+            <a:schemeClr val="accent1"/>
+          </a:effectRef>
+          <a:fontRef idx="minor">
+            <a:schemeClr val="lt1"/>
+          </a:fontRef>
+        </p:style>
+        <p:txBody>
+          <a:bodyPr rtlCol="0" anchor="ctr"/>
+          <a:lstStyle/>
+          <a:p>
+            <a:pPr algn="ctr"/>
+            <a:endParaRPr lang="es-CL"/>
+          </a:p>
+        </p:txBody>
+      </p:sp>
+      <p:sp>
+        <p:nvSpPr>
+          <p:cNvPr id="30" name="29 Rectángulo"/>
+          <p:cNvSpPr/>
+          <p:nvPr/>
+        </p:nvSpPr>
+        <p:spPr>
+          <a:xfrm>
+            <a:off x="7072330" y="3929066"/>
+            <a:ext cx="428628" cy="500066"/>
+          </a:xfrm>
+          <a:prstGeom prst="rect">
+            <a:avLst/>
+          </a:prstGeom>
+          <a:solidFill>
+            <a:schemeClr val="tx1">
+              <a:lumMod val="75000"/>
+              <a:lumOff val="25000"/>
+            </a:schemeClr>
+          </a:solidFill>
+          <a:ln>
+            <a:solidFill>
+              <a:schemeClr val="tx1"/>
+            </a:solidFill>
+          </a:ln>
+        </p:spPr>
+        <p:style>
+          <a:lnRef idx="2">
+            <a:schemeClr val="accent1">
+              <a:shade val="50000"/>
+            </a:schemeClr>
+          </a:lnRef>
+          <a:fillRef idx="1">
+            <a:schemeClr val="accent1"/>
+          </a:fillRef>
+          <a:effectRef idx="0">
+            <a:schemeClr val="accent1"/>
+          </a:effectRef>
+          <a:fontRef idx="minor">
+            <a:schemeClr val="lt1"/>
+          </a:fontRef>
+        </p:style>
+        <p:txBody>
+          <a:bodyPr rtlCol="0" anchor="ctr"/>
+          <a:lstStyle/>
+          <a:p>
+            <a:pPr algn="ctr"/>
+            <a:endParaRPr lang="es-CL"/>
+          </a:p>
+        </p:txBody>
+      </p:sp>
+      <p:sp>
+        <p:nvSpPr>
+          <p:cNvPr id="31" name="30 Rectángulo"/>
+          <p:cNvSpPr/>
+          <p:nvPr/>
+        </p:nvSpPr>
+        <p:spPr>
+          <a:xfrm>
+            <a:off x="7500958" y="3929066"/>
+            <a:ext cx="428628" cy="500066"/>
+          </a:xfrm>
+          <a:prstGeom prst="rect">
+            <a:avLst/>
+          </a:prstGeom>
+          <a:solidFill>
+            <a:schemeClr val="tx1">
+              <a:lumMod val="85000"/>
+              <a:lumOff val="15000"/>
+            </a:schemeClr>
+          </a:solidFill>
+          <a:ln>
+            <a:solidFill>
+              <a:schemeClr val="tx1"/>
+            </a:solidFill>
+          </a:ln>
+        </p:spPr>
+        <p:style>
+          <a:lnRef idx="2">
+            <a:schemeClr val="accent1">
+              <a:shade val="50000"/>
+            </a:schemeClr>
+          </a:lnRef>
+          <a:fillRef idx="1">
+            <a:schemeClr val="accent1"/>
+          </a:fillRef>
+          <a:effectRef idx="0">
+            <a:schemeClr val="accent1"/>
+          </a:effectRef>
+          <a:fontRef idx="minor">
+            <a:schemeClr val="lt1"/>
+          </a:fontRef>
+        </p:style>
+        <p:txBody>
+          <a:bodyPr rtlCol="0" anchor="ctr"/>
+          <a:lstStyle/>
+          <a:p>
+            <a:pPr algn="ctr"/>
+            <a:endParaRPr lang="es-CL"/>
+          </a:p>
+        </p:txBody>
+      </p:sp>
+      <p:sp>
+        <p:nvSpPr>
+          <p:cNvPr id="32" name="31 Rectángulo"/>
+          <p:cNvSpPr/>
+          <p:nvPr/>
+        </p:nvSpPr>
+        <p:spPr>
+          <a:xfrm>
+            <a:off x="7929586" y="3929066"/>
+            <a:ext cx="428628" cy="500066"/>
+          </a:xfrm>
+          <a:prstGeom prst="rect">
+            <a:avLst/>
+          </a:prstGeom>
+          <a:solidFill>
+            <a:schemeClr val="tx1">
+              <a:lumMod val="95000"/>
+              <a:lumOff val="5000"/>
+            </a:schemeClr>
+          </a:solidFill>
+          <a:ln>
+            <a:solidFill>
+              <a:schemeClr val="tx1"/>
+            </a:solidFill>
+          </a:ln>
+        </p:spPr>
+        <p:style>
+          <a:lnRef idx="2">
+            <a:schemeClr val="accent1">
+              <a:shade val="50000"/>
+            </a:schemeClr>
+          </a:lnRef>
+          <a:fillRef idx="1">
+            <a:schemeClr val="accent1"/>
+          </a:fillRef>
+          <a:effectRef idx="0">
+            <a:schemeClr val="accent1"/>
+          </a:effectRef>
+          <a:fontRef idx="minor">
+            <a:schemeClr val="lt1"/>
+          </a:fontRef>
+        </p:style>
+        <p:txBody>
+          <a:bodyPr rtlCol="0" anchor="ctr"/>
+          <a:lstStyle/>
+          <a:p>
+            <a:pPr algn="ctr"/>
+            <a:endParaRPr lang="es-CL"/>
+          </a:p>
+        </p:txBody>
+      </p:sp>
+      <p:sp>
+        <p:nvSpPr>
+          <p:cNvPr id="33" name="32 Rectángulo"/>
+          <p:cNvSpPr/>
+          <p:nvPr/>
+        </p:nvSpPr>
+        <p:spPr>
+          <a:xfrm>
+            <a:off x="8358214" y="3929066"/>
+            <a:ext cx="428628" cy="500066"/>
+          </a:xfrm>
+          <a:prstGeom prst="rect">
+            <a:avLst/>
+          </a:prstGeom>
+          <a:solidFill>
+            <a:schemeClr val="tx1"/>
+          </a:solidFill>
+          <a:ln>
+            <a:solidFill>
+              <a:schemeClr val="tx1"/>
+            </a:solidFill>
+          </a:ln>
+        </p:spPr>
+        <p:style>
+          <a:lnRef idx="2">
+            <a:schemeClr val="accent1">
+              <a:shade val="50000"/>
+            </a:schemeClr>
+          </a:lnRef>
+          <a:fillRef idx="1">
+            <a:schemeClr val="accent1"/>
+          </a:fillRef>
+          <a:effectRef idx="0">
+            <a:schemeClr val="accent1"/>
+          </a:effectRef>
+          <a:fontRef idx="minor">
+            <a:schemeClr val="lt1"/>
+          </a:fontRef>
+        </p:style>
+        <p:txBody>
+          <a:bodyPr rtlCol="0" anchor="ctr"/>
+          <a:lstStyle/>
+          <a:p>
+            <a:pPr algn="ctr"/>
+            <a:endParaRPr lang="es-CL"/>
+          </a:p>
+        </p:txBody>
+      </p:sp>
+      <p:grpSp>
+        <p:nvGrpSpPr>
+          <p:cNvPr id="67" name="86 Grupo">
+            <a:extLst>
+              <a:ext uri="{FF2B5EF4-FFF2-40B4-BE49-F238E27FC236}">
+                <a16:creationId xmlns:a16="http://schemas.microsoft.com/office/drawing/2014/main" id="{9528466F-9DD1-044A-BD01-ED1E22EA05A0}"/>
+              </a:ext>
+            </a:extLst>
+          </p:cNvPr>
           <p:cNvGrpSpPr/>
           <p:nvPr/>
         </p:nvGrpSpPr>
@@ -19002,7 +19752,13 @@
         </p:grpSpPr>
         <p:sp>
           <p:nvSpPr>
-            <p:cNvPr id="13" name="12 Rectángulo"/>
+            <p:cNvPr id="68" name="12 Rectángulo">
+              <a:extLst>
+                <a:ext uri="{FF2B5EF4-FFF2-40B4-BE49-F238E27FC236}">
+                  <a16:creationId xmlns:a16="http://schemas.microsoft.com/office/drawing/2014/main" id="{17829A3D-82A3-9144-8FD8-5DB64254E175}"/>
+                </a:ext>
+              </a:extLst>
+            </p:cNvPr>
             <p:cNvSpPr/>
             <p:nvPr/>
           </p:nvSpPr>
@@ -19050,7 +19806,13 @@
         </p:sp>
         <p:sp>
           <p:nvSpPr>
-            <p:cNvPr id="14" name="13 Rectángulo"/>
+            <p:cNvPr id="69" name="13 Rectángulo">
+              <a:extLst>
+                <a:ext uri="{FF2B5EF4-FFF2-40B4-BE49-F238E27FC236}">
+                  <a16:creationId xmlns:a16="http://schemas.microsoft.com/office/drawing/2014/main" id="{7BD4DBF3-94F2-6540-A3C1-D50CDC56DA96}"/>
+                </a:ext>
+              </a:extLst>
+            </p:cNvPr>
             <p:cNvSpPr/>
             <p:nvPr/>
           </p:nvSpPr>
@@ -19098,7 +19860,13 @@
         </p:sp>
         <p:sp>
           <p:nvSpPr>
-            <p:cNvPr id="38" name="37 Rectángulo"/>
+            <p:cNvPr id="70" name="37 Rectángulo">
+              <a:extLst>
+                <a:ext uri="{FF2B5EF4-FFF2-40B4-BE49-F238E27FC236}">
+                  <a16:creationId xmlns:a16="http://schemas.microsoft.com/office/drawing/2014/main" id="{B0063E83-0031-004D-B90C-B8945C0F208E}"/>
+                </a:ext>
+              </a:extLst>
+            </p:cNvPr>
             <p:cNvSpPr/>
             <p:nvPr/>
           </p:nvSpPr>
@@ -19145,931 +19913,6 @@
           </p:txBody>
         </p:sp>
       </p:grpSp>
-      <p:sp>
-        <p:nvSpPr>
-          <p:cNvPr id="39" name="38 Rectángulo"/>
-          <p:cNvSpPr/>
-          <p:nvPr/>
-        </p:nvSpPr>
-        <p:spPr>
-          <a:xfrm>
-            <a:off x="571472" y="3429000"/>
-            <a:ext cx="428628" cy="500066"/>
-          </a:xfrm>
-          <a:prstGeom prst="rect">
-            <a:avLst/>
-          </a:prstGeom>
-          <a:solidFill>
-            <a:schemeClr val="tx1">
-              <a:lumMod val="75000"/>
-              <a:lumOff val="25000"/>
-            </a:schemeClr>
-          </a:solidFill>
-          <a:ln>
-            <a:solidFill>
-              <a:schemeClr val="bg1">
-                <a:lumMod val="85000"/>
-              </a:schemeClr>
-            </a:solidFill>
-          </a:ln>
-        </p:spPr>
-        <p:style>
-          <a:lnRef idx="2">
-            <a:schemeClr val="accent1">
-              <a:shade val="50000"/>
-            </a:schemeClr>
-          </a:lnRef>
-          <a:fillRef idx="1">
-            <a:schemeClr val="accent1"/>
-          </a:fillRef>
-          <a:effectRef idx="0">
-            <a:schemeClr val="accent1"/>
-          </a:effectRef>
-          <a:fontRef idx="minor">
-            <a:schemeClr val="lt1"/>
-          </a:fontRef>
-        </p:style>
-        <p:txBody>
-          <a:bodyPr rtlCol="0" anchor="ctr"/>
-          <a:lstStyle/>
-          <a:p>
-            <a:pPr algn="ctr"/>
-            <a:endParaRPr lang="es-CL"/>
-          </a:p>
-        </p:txBody>
-      </p:sp>
-      <p:sp>
-        <p:nvSpPr>
-          <p:cNvPr id="40" name="39 Rectángulo"/>
-          <p:cNvSpPr/>
-          <p:nvPr/>
-        </p:nvSpPr>
-        <p:spPr>
-          <a:xfrm>
-            <a:off x="2714612" y="3929066"/>
-            <a:ext cx="428628" cy="500066"/>
-          </a:xfrm>
-          <a:prstGeom prst="rect">
-            <a:avLst/>
-          </a:prstGeom>
-          <a:solidFill>
-            <a:schemeClr val="tx1">
-              <a:lumMod val="85000"/>
-              <a:lumOff val="15000"/>
-            </a:schemeClr>
-          </a:solidFill>
-          <a:ln>
-            <a:solidFill>
-              <a:schemeClr val="bg1">
-                <a:lumMod val="85000"/>
-              </a:schemeClr>
-            </a:solidFill>
-          </a:ln>
-        </p:spPr>
-        <p:style>
-          <a:lnRef idx="2">
-            <a:schemeClr val="accent1">
-              <a:shade val="50000"/>
-            </a:schemeClr>
-          </a:lnRef>
-          <a:fillRef idx="1">
-            <a:schemeClr val="accent1"/>
-          </a:fillRef>
-          <a:effectRef idx="0">
-            <a:schemeClr val="accent1"/>
-          </a:effectRef>
-          <a:fontRef idx="minor">
-            <a:schemeClr val="lt1"/>
-          </a:fontRef>
-        </p:style>
-        <p:txBody>
-          <a:bodyPr rtlCol="0" anchor="ctr"/>
-          <a:lstStyle/>
-          <a:p>
-            <a:pPr algn="ctr"/>
-            <a:endParaRPr lang="es-CL"/>
-          </a:p>
-        </p:txBody>
-      </p:sp>
-      <p:sp>
-        <p:nvSpPr>
-          <p:cNvPr id="41" name="40 Rectángulo"/>
-          <p:cNvSpPr/>
-          <p:nvPr/>
-        </p:nvSpPr>
-        <p:spPr>
-          <a:xfrm>
-            <a:off x="571472" y="3929066"/>
-            <a:ext cx="428628" cy="500066"/>
-          </a:xfrm>
-          <a:prstGeom prst="rect">
-            <a:avLst/>
-          </a:prstGeom>
-          <a:solidFill>
-            <a:schemeClr val="tx1">
-              <a:lumMod val="85000"/>
-              <a:lumOff val="15000"/>
-            </a:schemeClr>
-          </a:solidFill>
-          <a:ln>
-            <a:solidFill>
-              <a:schemeClr val="bg1">
-                <a:lumMod val="85000"/>
-              </a:schemeClr>
-            </a:solidFill>
-          </a:ln>
-        </p:spPr>
-        <p:style>
-          <a:lnRef idx="2">
-            <a:schemeClr val="accent1">
-              <a:shade val="50000"/>
-            </a:schemeClr>
-          </a:lnRef>
-          <a:fillRef idx="1">
-            <a:schemeClr val="accent1"/>
-          </a:fillRef>
-          <a:effectRef idx="0">
-            <a:schemeClr val="accent1"/>
-          </a:effectRef>
-          <a:fontRef idx="minor">
-            <a:schemeClr val="lt1"/>
-          </a:fontRef>
-        </p:style>
-        <p:txBody>
-          <a:bodyPr rtlCol="0" anchor="ctr"/>
-          <a:lstStyle/>
-          <a:p>
-            <a:pPr algn="ctr"/>
-            <a:endParaRPr lang="es-CL"/>
-          </a:p>
-        </p:txBody>
-      </p:sp>
-      <p:grpSp>
-        <p:nvGrpSpPr>
-          <p:cNvPr id="88" name="87 Grupo"/>
-          <p:cNvGrpSpPr/>
-          <p:nvPr/>
-        </p:nvGrpSpPr>
-        <p:grpSpPr>
-          <a:xfrm>
-            <a:off x="4071934" y="2428868"/>
-            <a:ext cx="428628" cy="1500198"/>
-            <a:chOff x="3643306" y="2428868"/>
-            <a:chExt cx="428628" cy="1500198"/>
-          </a:xfrm>
-        </p:grpSpPr>
-        <p:sp>
-          <p:nvSpPr>
-            <p:cNvPr id="112" name="111 Rectángulo"/>
-            <p:cNvSpPr/>
-            <p:nvPr/>
-          </p:nvSpPr>
-          <p:spPr>
-            <a:xfrm>
-              <a:off x="3643306" y="2428868"/>
-              <a:ext cx="428628" cy="500066"/>
-            </a:xfrm>
-            <a:prstGeom prst="rect">
-              <a:avLst/>
-            </a:prstGeom>
-            <a:solidFill>
-              <a:schemeClr val="bg1"/>
-            </a:solidFill>
-            <a:ln>
-              <a:solidFill>
-                <a:schemeClr val="bg1">
-                  <a:lumMod val="85000"/>
-                </a:schemeClr>
-              </a:solidFill>
-            </a:ln>
-          </p:spPr>
-          <p:style>
-            <a:lnRef idx="2">
-              <a:schemeClr val="accent1">
-                <a:shade val="50000"/>
-              </a:schemeClr>
-            </a:lnRef>
-            <a:fillRef idx="1">
-              <a:schemeClr val="accent1"/>
-            </a:fillRef>
-            <a:effectRef idx="0">
-              <a:schemeClr val="accent1"/>
-            </a:effectRef>
-            <a:fontRef idx="minor">
-              <a:schemeClr val="lt1"/>
-            </a:fontRef>
-          </p:style>
-          <p:txBody>
-            <a:bodyPr rtlCol="0" anchor="ctr"/>
-            <a:lstStyle/>
-            <a:p>
-              <a:pPr algn="ctr"/>
-              <a:endParaRPr lang="es-CL"/>
-            </a:p>
-          </p:txBody>
-        </p:sp>
-        <p:sp>
-          <p:nvSpPr>
-            <p:cNvPr id="113" name="112 Rectángulo"/>
-            <p:cNvSpPr/>
-            <p:nvPr/>
-          </p:nvSpPr>
-          <p:spPr>
-            <a:xfrm>
-              <a:off x="3643306" y="2928934"/>
-              <a:ext cx="428628" cy="500066"/>
-            </a:xfrm>
-            <a:prstGeom prst="rect">
-              <a:avLst/>
-            </a:prstGeom>
-            <a:solidFill>
-              <a:schemeClr val="bg1"/>
-            </a:solidFill>
-            <a:ln>
-              <a:solidFill>
-                <a:schemeClr val="bg1">
-                  <a:lumMod val="85000"/>
-                </a:schemeClr>
-              </a:solidFill>
-            </a:ln>
-          </p:spPr>
-          <p:style>
-            <a:lnRef idx="2">
-              <a:schemeClr val="accent1">
-                <a:shade val="50000"/>
-              </a:schemeClr>
-            </a:lnRef>
-            <a:fillRef idx="1">
-              <a:schemeClr val="accent1"/>
-            </a:fillRef>
-            <a:effectRef idx="0">
-              <a:schemeClr val="accent1"/>
-            </a:effectRef>
-            <a:fontRef idx="minor">
-              <a:schemeClr val="lt1"/>
-            </a:fontRef>
-          </p:style>
-          <p:txBody>
-            <a:bodyPr rtlCol="0" anchor="ctr"/>
-            <a:lstStyle/>
-            <a:p>
-              <a:pPr algn="ctr"/>
-              <a:endParaRPr lang="es-CL"/>
-            </a:p>
-          </p:txBody>
-        </p:sp>
-        <p:sp>
-          <p:nvSpPr>
-            <p:cNvPr id="123" name="122 Rectángulo"/>
-            <p:cNvSpPr/>
-            <p:nvPr/>
-          </p:nvSpPr>
-          <p:spPr>
-            <a:xfrm>
-              <a:off x="3643306" y="3429000"/>
-              <a:ext cx="428628" cy="500066"/>
-            </a:xfrm>
-            <a:prstGeom prst="rect">
-              <a:avLst/>
-            </a:prstGeom>
-            <a:solidFill>
-              <a:schemeClr val="bg1"/>
-            </a:solidFill>
-            <a:ln>
-              <a:solidFill>
-                <a:schemeClr val="bg1">
-                  <a:lumMod val="85000"/>
-                </a:schemeClr>
-              </a:solidFill>
-            </a:ln>
-          </p:spPr>
-          <p:style>
-            <a:lnRef idx="2">
-              <a:schemeClr val="accent1">
-                <a:shade val="50000"/>
-              </a:schemeClr>
-            </a:lnRef>
-            <a:fillRef idx="1">
-              <a:schemeClr val="accent1"/>
-            </a:fillRef>
-            <a:effectRef idx="0">
-              <a:schemeClr val="accent1"/>
-            </a:effectRef>
-            <a:fontRef idx="minor">
-              <a:schemeClr val="lt1"/>
-            </a:fontRef>
-          </p:style>
-          <p:txBody>
-            <a:bodyPr rtlCol="0" anchor="ctr"/>
-            <a:lstStyle/>
-            <a:p>
-              <a:pPr algn="ctr"/>
-              <a:endParaRPr lang="es-CL"/>
-            </a:p>
-          </p:txBody>
-        </p:sp>
-      </p:grpSp>
-      <p:sp>
-        <p:nvSpPr>
-          <p:cNvPr id="22" name="21 Rectángulo"/>
-          <p:cNvSpPr/>
-          <p:nvPr/>
-        </p:nvSpPr>
-        <p:spPr>
-          <a:xfrm>
-            <a:off x="3643306" y="3929066"/>
-            <a:ext cx="428628" cy="500066"/>
-          </a:xfrm>
-          <a:prstGeom prst="rect">
-            <a:avLst/>
-          </a:prstGeom>
-          <a:solidFill>
-            <a:schemeClr val="bg1"/>
-          </a:solidFill>
-          <a:ln>
-            <a:solidFill>
-              <a:schemeClr val="tx1"/>
-            </a:solidFill>
-          </a:ln>
-        </p:spPr>
-        <p:style>
-          <a:lnRef idx="2">
-            <a:schemeClr val="accent1">
-              <a:shade val="50000"/>
-            </a:schemeClr>
-          </a:lnRef>
-          <a:fillRef idx="1">
-            <a:schemeClr val="accent1"/>
-          </a:fillRef>
-          <a:effectRef idx="0">
-            <a:schemeClr val="accent1"/>
-          </a:effectRef>
-          <a:fontRef idx="minor">
-            <a:schemeClr val="lt1"/>
-          </a:fontRef>
-        </p:style>
-        <p:txBody>
-          <a:bodyPr rtlCol="0" anchor="ctr"/>
-          <a:lstStyle/>
-          <a:p>
-            <a:pPr algn="ctr"/>
-            <a:endParaRPr lang="es-CL"/>
-          </a:p>
-        </p:txBody>
-      </p:sp>
-      <p:sp>
-        <p:nvSpPr>
-          <p:cNvPr id="23" name="22 Rectángulo"/>
-          <p:cNvSpPr/>
-          <p:nvPr/>
-        </p:nvSpPr>
-        <p:spPr>
-          <a:xfrm>
-            <a:off x="4071934" y="3929066"/>
-            <a:ext cx="428628" cy="500066"/>
-          </a:xfrm>
-          <a:prstGeom prst="rect">
-            <a:avLst/>
-          </a:prstGeom>
-          <a:solidFill>
-            <a:schemeClr val="bg1">
-              <a:lumMod val="95000"/>
-            </a:schemeClr>
-          </a:solidFill>
-          <a:ln>
-            <a:solidFill>
-              <a:schemeClr val="tx1"/>
-            </a:solidFill>
-          </a:ln>
-        </p:spPr>
-        <p:style>
-          <a:lnRef idx="2">
-            <a:schemeClr val="accent1">
-              <a:shade val="50000"/>
-            </a:schemeClr>
-          </a:lnRef>
-          <a:fillRef idx="1">
-            <a:schemeClr val="accent1"/>
-          </a:fillRef>
-          <a:effectRef idx="0">
-            <a:schemeClr val="accent1"/>
-          </a:effectRef>
-          <a:fontRef idx="minor">
-            <a:schemeClr val="lt1"/>
-          </a:fontRef>
-        </p:style>
-        <p:txBody>
-          <a:bodyPr rtlCol="0" anchor="ctr"/>
-          <a:lstStyle/>
-          <a:p>
-            <a:pPr algn="ctr"/>
-            <a:endParaRPr lang="es-CL"/>
-          </a:p>
-        </p:txBody>
-      </p:sp>
-      <p:sp>
-        <p:nvSpPr>
-          <p:cNvPr id="24" name="23 Rectángulo"/>
-          <p:cNvSpPr/>
-          <p:nvPr/>
-        </p:nvSpPr>
-        <p:spPr>
-          <a:xfrm>
-            <a:off x="4500562" y="3929066"/>
-            <a:ext cx="428628" cy="500066"/>
-          </a:xfrm>
-          <a:prstGeom prst="rect">
-            <a:avLst/>
-          </a:prstGeom>
-          <a:solidFill>
-            <a:schemeClr val="bg1">
-              <a:lumMod val="85000"/>
-            </a:schemeClr>
-          </a:solidFill>
-          <a:ln>
-            <a:solidFill>
-              <a:schemeClr val="tx1"/>
-            </a:solidFill>
-          </a:ln>
-        </p:spPr>
-        <p:style>
-          <a:lnRef idx="2">
-            <a:schemeClr val="accent1">
-              <a:shade val="50000"/>
-            </a:schemeClr>
-          </a:lnRef>
-          <a:fillRef idx="1">
-            <a:schemeClr val="accent1"/>
-          </a:fillRef>
-          <a:effectRef idx="0">
-            <a:schemeClr val="accent1"/>
-          </a:effectRef>
-          <a:fontRef idx="minor">
-            <a:schemeClr val="lt1"/>
-          </a:fontRef>
-        </p:style>
-        <p:txBody>
-          <a:bodyPr rtlCol="0" anchor="ctr"/>
-          <a:lstStyle/>
-          <a:p>
-            <a:pPr algn="ctr"/>
-            <a:endParaRPr lang="es-CL"/>
-          </a:p>
-        </p:txBody>
-      </p:sp>
-      <p:sp>
-        <p:nvSpPr>
-          <p:cNvPr id="25" name="24 Rectángulo"/>
-          <p:cNvSpPr/>
-          <p:nvPr/>
-        </p:nvSpPr>
-        <p:spPr>
-          <a:xfrm>
-            <a:off x="4929190" y="3929066"/>
-            <a:ext cx="428628" cy="500066"/>
-          </a:xfrm>
-          <a:prstGeom prst="rect">
-            <a:avLst/>
-          </a:prstGeom>
-          <a:solidFill>
-            <a:schemeClr val="bg1">
-              <a:lumMod val="75000"/>
-            </a:schemeClr>
-          </a:solidFill>
-          <a:ln>
-            <a:solidFill>
-              <a:schemeClr val="tx1"/>
-            </a:solidFill>
-          </a:ln>
-        </p:spPr>
-        <p:style>
-          <a:lnRef idx="2">
-            <a:schemeClr val="accent1">
-              <a:shade val="50000"/>
-            </a:schemeClr>
-          </a:lnRef>
-          <a:fillRef idx="1">
-            <a:schemeClr val="accent1"/>
-          </a:fillRef>
-          <a:effectRef idx="0">
-            <a:schemeClr val="accent1"/>
-          </a:effectRef>
-          <a:fontRef idx="minor">
-            <a:schemeClr val="lt1"/>
-          </a:fontRef>
-        </p:style>
-        <p:txBody>
-          <a:bodyPr rtlCol="0" anchor="ctr"/>
-          <a:lstStyle/>
-          <a:p>
-            <a:pPr algn="ctr"/>
-            <a:endParaRPr lang="es-CL"/>
-          </a:p>
-        </p:txBody>
-      </p:sp>
-      <p:sp>
-        <p:nvSpPr>
-          <p:cNvPr id="26" name="25 Rectángulo"/>
-          <p:cNvSpPr/>
-          <p:nvPr/>
-        </p:nvSpPr>
-        <p:spPr>
-          <a:xfrm>
-            <a:off x="5357818" y="3929066"/>
-            <a:ext cx="428628" cy="500066"/>
-          </a:xfrm>
-          <a:prstGeom prst="rect">
-            <a:avLst/>
-          </a:prstGeom>
-          <a:solidFill>
-            <a:schemeClr val="bg1">
-              <a:lumMod val="65000"/>
-            </a:schemeClr>
-          </a:solidFill>
-          <a:ln>
-            <a:solidFill>
-              <a:schemeClr val="tx1"/>
-            </a:solidFill>
-          </a:ln>
-        </p:spPr>
-        <p:style>
-          <a:lnRef idx="2">
-            <a:schemeClr val="accent1">
-              <a:shade val="50000"/>
-            </a:schemeClr>
-          </a:lnRef>
-          <a:fillRef idx="1">
-            <a:schemeClr val="accent1"/>
-          </a:fillRef>
-          <a:effectRef idx="0">
-            <a:schemeClr val="accent1"/>
-          </a:effectRef>
-          <a:fontRef idx="minor">
-            <a:schemeClr val="lt1"/>
-          </a:fontRef>
-        </p:style>
-        <p:txBody>
-          <a:bodyPr rtlCol="0" anchor="ctr"/>
-          <a:lstStyle/>
-          <a:p>
-            <a:pPr algn="ctr"/>
-            <a:endParaRPr lang="es-CL"/>
-          </a:p>
-        </p:txBody>
-      </p:sp>
-      <p:sp>
-        <p:nvSpPr>
-          <p:cNvPr id="27" name="26 Rectángulo"/>
-          <p:cNvSpPr/>
-          <p:nvPr/>
-        </p:nvSpPr>
-        <p:spPr>
-          <a:xfrm>
-            <a:off x="5786446" y="3929066"/>
-            <a:ext cx="428628" cy="500066"/>
-          </a:xfrm>
-          <a:prstGeom prst="rect">
-            <a:avLst/>
-          </a:prstGeom>
-          <a:solidFill>
-            <a:schemeClr val="bg1">
-              <a:lumMod val="50000"/>
-            </a:schemeClr>
-          </a:solidFill>
-          <a:ln>
-            <a:solidFill>
-              <a:schemeClr val="tx1"/>
-            </a:solidFill>
-          </a:ln>
-        </p:spPr>
-        <p:style>
-          <a:lnRef idx="2">
-            <a:schemeClr val="accent1">
-              <a:shade val="50000"/>
-            </a:schemeClr>
-          </a:lnRef>
-          <a:fillRef idx="1">
-            <a:schemeClr val="accent1"/>
-          </a:fillRef>
-          <a:effectRef idx="0">
-            <a:schemeClr val="accent1"/>
-          </a:effectRef>
-          <a:fontRef idx="minor">
-            <a:schemeClr val="lt1"/>
-          </a:fontRef>
-        </p:style>
-        <p:txBody>
-          <a:bodyPr rtlCol="0" anchor="ctr"/>
-          <a:lstStyle/>
-          <a:p>
-            <a:pPr algn="ctr"/>
-            <a:endParaRPr lang="es-CL"/>
-          </a:p>
-        </p:txBody>
-      </p:sp>
-      <p:sp>
-        <p:nvSpPr>
-          <p:cNvPr id="28" name="27 Rectángulo"/>
-          <p:cNvSpPr/>
-          <p:nvPr/>
-        </p:nvSpPr>
-        <p:spPr>
-          <a:xfrm>
-            <a:off x="6215074" y="3929066"/>
-            <a:ext cx="428628" cy="500066"/>
-          </a:xfrm>
-          <a:prstGeom prst="rect">
-            <a:avLst/>
-          </a:prstGeom>
-          <a:solidFill>
-            <a:schemeClr val="tx1">
-              <a:lumMod val="50000"/>
-              <a:lumOff val="50000"/>
-            </a:schemeClr>
-          </a:solidFill>
-          <a:ln>
-            <a:solidFill>
-              <a:schemeClr val="tx1"/>
-            </a:solidFill>
-          </a:ln>
-        </p:spPr>
-        <p:style>
-          <a:lnRef idx="2">
-            <a:schemeClr val="accent1">
-              <a:shade val="50000"/>
-            </a:schemeClr>
-          </a:lnRef>
-          <a:fillRef idx="1">
-            <a:schemeClr val="accent1"/>
-          </a:fillRef>
-          <a:effectRef idx="0">
-            <a:schemeClr val="accent1"/>
-          </a:effectRef>
-          <a:fontRef idx="minor">
-            <a:schemeClr val="lt1"/>
-          </a:fontRef>
-        </p:style>
-        <p:txBody>
-          <a:bodyPr rtlCol="0" anchor="ctr"/>
-          <a:lstStyle/>
-          <a:p>
-            <a:pPr algn="ctr"/>
-            <a:endParaRPr lang="es-CL"/>
-          </a:p>
-        </p:txBody>
-      </p:sp>
-      <p:sp>
-        <p:nvSpPr>
-          <p:cNvPr id="29" name="28 Rectángulo"/>
-          <p:cNvSpPr/>
-          <p:nvPr/>
-        </p:nvSpPr>
-        <p:spPr>
-          <a:xfrm>
-            <a:off x="6643702" y="3929066"/>
-            <a:ext cx="428628" cy="500066"/>
-          </a:xfrm>
-          <a:prstGeom prst="rect">
-            <a:avLst/>
-          </a:prstGeom>
-          <a:solidFill>
-            <a:schemeClr val="tx1">
-              <a:lumMod val="65000"/>
-              <a:lumOff val="35000"/>
-            </a:schemeClr>
-          </a:solidFill>
-          <a:ln>
-            <a:solidFill>
-              <a:schemeClr val="tx1"/>
-            </a:solidFill>
-          </a:ln>
-        </p:spPr>
-        <p:style>
-          <a:lnRef idx="2">
-            <a:schemeClr val="accent1">
-              <a:shade val="50000"/>
-            </a:schemeClr>
-          </a:lnRef>
-          <a:fillRef idx="1">
-            <a:schemeClr val="accent1"/>
-          </a:fillRef>
-          <a:effectRef idx="0">
-            <a:schemeClr val="accent1"/>
-          </a:effectRef>
-          <a:fontRef idx="minor">
-            <a:schemeClr val="lt1"/>
-          </a:fontRef>
-        </p:style>
-        <p:txBody>
-          <a:bodyPr rtlCol="0" anchor="ctr"/>
-          <a:lstStyle/>
-          <a:p>
-            <a:pPr algn="ctr"/>
-            <a:endParaRPr lang="es-CL"/>
-          </a:p>
-        </p:txBody>
-      </p:sp>
-      <p:sp>
-        <p:nvSpPr>
-          <p:cNvPr id="30" name="29 Rectángulo"/>
-          <p:cNvSpPr/>
-          <p:nvPr/>
-        </p:nvSpPr>
-        <p:spPr>
-          <a:xfrm>
-            <a:off x="7072330" y="3929066"/>
-            <a:ext cx="428628" cy="500066"/>
-          </a:xfrm>
-          <a:prstGeom prst="rect">
-            <a:avLst/>
-          </a:prstGeom>
-          <a:solidFill>
-            <a:schemeClr val="tx1">
-              <a:lumMod val="75000"/>
-              <a:lumOff val="25000"/>
-            </a:schemeClr>
-          </a:solidFill>
-          <a:ln>
-            <a:solidFill>
-              <a:schemeClr val="tx1"/>
-            </a:solidFill>
-          </a:ln>
-        </p:spPr>
-        <p:style>
-          <a:lnRef idx="2">
-            <a:schemeClr val="accent1">
-              <a:shade val="50000"/>
-            </a:schemeClr>
-          </a:lnRef>
-          <a:fillRef idx="1">
-            <a:schemeClr val="accent1"/>
-          </a:fillRef>
-          <a:effectRef idx="0">
-            <a:schemeClr val="accent1"/>
-          </a:effectRef>
-          <a:fontRef idx="minor">
-            <a:schemeClr val="lt1"/>
-          </a:fontRef>
-        </p:style>
-        <p:txBody>
-          <a:bodyPr rtlCol="0" anchor="ctr"/>
-          <a:lstStyle/>
-          <a:p>
-            <a:pPr algn="ctr"/>
-            <a:endParaRPr lang="es-CL"/>
-          </a:p>
-        </p:txBody>
-      </p:sp>
-      <p:sp>
-        <p:nvSpPr>
-          <p:cNvPr id="31" name="30 Rectángulo"/>
-          <p:cNvSpPr/>
-          <p:nvPr/>
-        </p:nvSpPr>
-        <p:spPr>
-          <a:xfrm>
-            <a:off x="7500958" y="3929066"/>
-            <a:ext cx="428628" cy="500066"/>
-          </a:xfrm>
-          <a:prstGeom prst="rect">
-            <a:avLst/>
-          </a:prstGeom>
-          <a:solidFill>
-            <a:schemeClr val="tx1">
-              <a:lumMod val="85000"/>
-              <a:lumOff val="15000"/>
-            </a:schemeClr>
-          </a:solidFill>
-          <a:ln>
-            <a:solidFill>
-              <a:schemeClr val="tx1"/>
-            </a:solidFill>
-          </a:ln>
-        </p:spPr>
-        <p:style>
-          <a:lnRef idx="2">
-            <a:schemeClr val="accent1">
-              <a:shade val="50000"/>
-            </a:schemeClr>
-          </a:lnRef>
-          <a:fillRef idx="1">
-            <a:schemeClr val="accent1"/>
-          </a:fillRef>
-          <a:effectRef idx="0">
-            <a:schemeClr val="accent1"/>
-          </a:effectRef>
-          <a:fontRef idx="minor">
-            <a:schemeClr val="lt1"/>
-          </a:fontRef>
-        </p:style>
-        <p:txBody>
-          <a:bodyPr rtlCol="0" anchor="ctr"/>
-          <a:lstStyle/>
-          <a:p>
-            <a:pPr algn="ctr"/>
-            <a:endParaRPr lang="es-CL"/>
-          </a:p>
-        </p:txBody>
-      </p:sp>
-      <p:sp>
-        <p:nvSpPr>
-          <p:cNvPr id="32" name="31 Rectángulo"/>
-          <p:cNvSpPr/>
-          <p:nvPr/>
-        </p:nvSpPr>
-        <p:spPr>
-          <a:xfrm>
-            <a:off x="7929586" y="3929066"/>
-            <a:ext cx="428628" cy="500066"/>
-          </a:xfrm>
-          <a:prstGeom prst="rect">
-            <a:avLst/>
-          </a:prstGeom>
-          <a:solidFill>
-            <a:schemeClr val="tx1">
-              <a:lumMod val="95000"/>
-              <a:lumOff val="5000"/>
-            </a:schemeClr>
-          </a:solidFill>
-          <a:ln>
-            <a:solidFill>
-              <a:schemeClr val="tx1"/>
-            </a:solidFill>
-          </a:ln>
-        </p:spPr>
-        <p:style>
-          <a:lnRef idx="2">
-            <a:schemeClr val="accent1">
-              <a:shade val="50000"/>
-            </a:schemeClr>
-          </a:lnRef>
-          <a:fillRef idx="1">
-            <a:schemeClr val="accent1"/>
-          </a:fillRef>
-          <a:effectRef idx="0">
-            <a:schemeClr val="accent1"/>
-          </a:effectRef>
-          <a:fontRef idx="minor">
-            <a:schemeClr val="lt1"/>
-          </a:fontRef>
-        </p:style>
-        <p:txBody>
-          <a:bodyPr rtlCol="0" anchor="ctr"/>
-          <a:lstStyle/>
-          <a:p>
-            <a:pPr algn="ctr"/>
-            <a:endParaRPr lang="es-CL"/>
-          </a:p>
-        </p:txBody>
-      </p:sp>
-      <p:sp>
-        <p:nvSpPr>
-          <p:cNvPr id="33" name="32 Rectángulo"/>
-          <p:cNvSpPr/>
-          <p:nvPr/>
-        </p:nvSpPr>
-        <p:spPr>
-          <a:xfrm>
-            <a:off x="8358214" y="3929066"/>
-            <a:ext cx="428628" cy="500066"/>
-          </a:xfrm>
-          <a:prstGeom prst="rect">
-            <a:avLst/>
-          </a:prstGeom>
-          <a:solidFill>
-            <a:schemeClr val="tx1"/>
-          </a:solidFill>
-          <a:ln>
-            <a:solidFill>
-              <a:schemeClr val="tx1"/>
-            </a:solidFill>
-          </a:ln>
-        </p:spPr>
-        <p:style>
-          <a:lnRef idx="2">
-            <a:schemeClr val="accent1">
-              <a:shade val="50000"/>
-            </a:schemeClr>
-          </a:lnRef>
-          <a:fillRef idx="1">
-            <a:schemeClr val="accent1"/>
-          </a:fillRef>
-          <a:effectRef idx="0">
-            <a:schemeClr val="accent1"/>
-          </a:effectRef>
-          <a:fontRef idx="minor">
-            <a:schemeClr val="lt1"/>
-          </a:fontRef>
-        </p:style>
-        <p:txBody>
-          <a:bodyPr rtlCol="0" anchor="ctr"/>
-          <a:lstStyle/>
-          <a:p>
-            <a:pPr algn="ctr"/>
-            <a:endParaRPr lang="es-CL"/>
-          </a:p>
-        </p:txBody>
-      </p:sp>
     </p:spTree>
     <p:extLst>
       <p:ext uri="{BB962C8B-B14F-4D97-AF65-F5344CB8AC3E}">
@@ -20110,7 +19953,7 @@
                                       <p:cBhvr>
                                         <p:cTn id="6" dur="2000" fill="hold"/>
                                         <p:tgtEl>
-                                          <p:spTgt spid="87"/>
+                                          <p:spTgt spid="67"/>
                                         </p:tgtEl>
                                         <p:attrNameLst>
                                           <p:attrName>ppt_x</p:attrName>
@@ -20140,7 +19983,7 @@
                                       <p:cBhvr>
                                         <p:cTn id="9" dur="500"/>
                                         <p:tgtEl>
-                                          <p:spTgt spid="87"/>
+                                          <p:spTgt spid="67"/>
                                         </p:tgtEl>
                                       </p:cBhvr>
                                     </p:animEffect>
@@ -20152,7 +19995,7 @@
                                           </p:stCondLst>
                                         </p:cTn>
                                         <p:tgtEl>
-                                          <p:spTgt spid="87"/>
+                                          <p:spTgt spid="67"/>
                                         </p:tgtEl>
                                         <p:attrNameLst>
                                           <p:attrName>style.visibility</p:attrName>
@@ -20416,6 +20259,57 @@
             <a:avLst/>
           </a:prstGeom>
           <a:solidFill>
+            <a:schemeClr val="accent6">
+              <a:lumMod val="60000"/>
+              <a:lumOff val="40000"/>
+            </a:schemeClr>
+          </a:solidFill>
+          <a:ln>
+            <a:solidFill>
+              <a:schemeClr val="tx1"/>
+            </a:solidFill>
+          </a:ln>
+        </p:spPr>
+        <p:style>
+          <a:lnRef idx="2">
+            <a:schemeClr val="accent1">
+              <a:shade val="50000"/>
+            </a:schemeClr>
+          </a:lnRef>
+          <a:fillRef idx="1">
+            <a:schemeClr val="accent1"/>
+          </a:fillRef>
+          <a:effectRef idx="0">
+            <a:schemeClr val="accent1"/>
+          </a:effectRef>
+          <a:fontRef idx="minor">
+            <a:schemeClr val="lt1"/>
+          </a:fontRef>
+        </p:style>
+        <p:txBody>
+          <a:bodyPr rtlCol="0" anchor="ctr"/>
+          <a:lstStyle/>
+          <a:p>
+            <a:pPr algn="ctr"/>
+            <a:endParaRPr lang="es-CL"/>
+          </a:p>
+        </p:txBody>
+      </p:sp>
+      <p:sp>
+        <p:nvSpPr>
+          <p:cNvPr id="46" name="45 Rectángulo"/>
+          <p:cNvSpPr/>
+          <p:nvPr/>
+        </p:nvSpPr>
+        <p:spPr>
+          <a:xfrm>
+            <a:off x="1000100" y="2928934"/>
+            <a:ext cx="428628" cy="500066"/>
+          </a:xfrm>
+          <a:prstGeom prst="rect">
+            <a:avLst/>
+          </a:prstGeom>
+          <a:solidFill>
             <a:schemeClr val="bg1"/>
           </a:solidFill>
           <a:ln>
@@ -20451,13 +20345,64 @@
       </p:sp>
       <p:sp>
         <p:nvSpPr>
-          <p:cNvPr id="46" name="45 Rectángulo"/>
-          <p:cNvSpPr/>
-          <p:nvPr/>
-        </p:nvSpPr>
-        <p:spPr>
-          <a:xfrm>
-            <a:off x="1000100" y="2928934"/>
+          <p:cNvPr id="47" name="46 Rectángulo"/>
+          <p:cNvSpPr/>
+          <p:nvPr/>
+        </p:nvSpPr>
+        <p:spPr>
+          <a:xfrm>
+            <a:off x="1428728" y="2928934"/>
+            <a:ext cx="428628" cy="500066"/>
+          </a:xfrm>
+          <a:prstGeom prst="rect">
+            <a:avLst/>
+          </a:prstGeom>
+          <a:solidFill>
+            <a:schemeClr val="accent6">
+              <a:lumMod val="60000"/>
+              <a:lumOff val="40000"/>
+            </a:schemeClr>
+          </a:solidFill>
+          <a:ln>
+            <a:solidFill>
+              <a:schemeClr val="tx1"/>
+            </a:solidFill>
+          </a:ln>
+        </p:spPr>
+        <p:style>
+          <a:lnRef idx="2">
+            <a:schemeClr val="accent1">
+              <a:shade val="50000"/>
+            </a:schemeClr>
+          </a:lnRef>
+          <a:fillRef idx="1">
+            <a:schemeClr val="accent1"/>
+          </a:fillRef>
+          <a:effectRef idx="0">
+            <a:schemeClr val="accent1"/>
+          </a:effectRef>
+          <a:fontRef idx="minor">
+            <a:schemeClr val="lt1"/>
+          </a:fontRef>
+        </p:style>
+        <p:txBody>
+          <a:bodyPr rtlCol="0" anchor="ctr"/>
+          <a:lstStyle/>
+          <a:p>
+            <a:pPr algn="ctr"/>
+            <a:endParaRPr lang="es-CL"/>
+          </a:p>
+        </p:txBody>
+      </p:sp>
+      <p:sp>
+        <p:nvSpPr>
+          <p:cNvPr id="48" name="47 Rectángulo"/>
+          <p:cNvSpPr/>
+          <p:nvPr/>
+        </p:nvSpPr>
+        <p:spPr>
+          <a:xfrm>
+            <a:off x="1857356" y="2928934"/>
             <a:ext cx="428628" cy="500066"/>
           </a:xfrm>
           <a:prstGeom prst="rect">
@@ -20499,13 +20444,13 @@
       </p:sp>
       <p:sp>
         <p:nvSpPr>
-          <p:cNvPr id="47" name="46 Rectángulo"/>
-          <p:cNvSpPr/>
-          <p:nvPr/>
-        </p:nvSpPr>
-        <p:spPr>
-          <a:xfrm>
-            <a:off x="1428728" y="2928934"/>
+          <p:cNvPr id="49" name="48 Rectángulo"/>
+          <p:cNvSpPr/>
+          <p:nvPr/>
+        </p:nvSpPr>
+        <p:spPr>
+          <a:xfrm>
+            <a:off x="2285984" y="2928934"/>
             <a:ext cx="428628" cy="500066"/>
           </a:xfrm>
           <a:prstGeom prst="rect">
@@ -20547,13 +20492,13 @@
       </p:sp>
       <p:sp>
         <p:nvSpPr>
-          <p:cNvPr id="48" name="47 Rectángulo"/>
-          <p:cNvSpPr/>
-          <p:nvPr/>
-        </p:nvSpPr>
-        <p:spPr>
-          <a:xfrm>
-            <a:off x="1857356" y="2928934"/>
+          <p:cNvPr id="50" name="49 Rectángulo"/>
+          <p:cNvSpPr/>
+          <p:nvPr/>
+        </p:nvSpPr>
+        <p:spPr>
+          <a:xfrm>
+            <a:off x="1000100" y="3429000"/>
             <a:ext cx="428628" cy="500066"/>
           </a:xfrm>
           <a:prstGeom prst="rect">
@@ -20595,20 +20540,23 @@
       </p:sp>
       <p:sp>
         <p:nvSpPr>
-          <p:cNvPr id="49" name="48 Rectángulo"/>
-          <p:cNvSpPr/>
-          <p:nvPr/>
-        </p:nvSpPr>
-        <p:spPr>
-          <a:xfrm>
-            <a:off x="2285984" y="2928934"/>
-            <a:ext cx="428628" cy="500066"/>
-          </a:xfrm>
-          <a:prstGeom prst="rect">
-            <a:avLst/>
-          </a:prstGeom>
-          <a:solidFill>
-            <a:schemeClr val="bg1"/>
+          <p:cNvPr id="51" name="50 Rectángulo"/>
+          <p:cNvSpPr/>
+          <p:nvPr/>
+        </p:nvSpPr>
+        <p:spPr>
+          <a:xfrm>
+            <a:off x="1428728" y="3429000"/>
+            <a:ext cx="428628" cy="500066"/>
+          </a:xfrm>
+          <a:prstGeom prst="rect">
+            <a:avLst/>
+          </a:prstGeom>
+          <a:solidFill>
+            <a:schemeClr val="accent6">
+              <a:lumMod val="60000"/>
+              <a:lumOff val="40000"/>
+            </a:schemeClr>
           </a:solidFill>
           <a:ln>
             <a:solidFill>
@@ -20643,102 +20591,6 @@
       </p:sp>
       <p:sp>
         <p:nvSpPr>
-          <p:cNvPr id="50" name="49 Rectángulo"/>
-          <p:cNvSpPr/>
-          <p:nvPr/>
-        </p:nvSpPr>
-        <p:spPr>
-          <a:xfrm>
-            <a:off x="1000100" y="3429000"/>
-            <a:ext cx="428628" cy="500066"/>
-          </a:xfrm>
-          <a:prstGeom prst="rect">
-            <a:avLst/>
-          </a:prstGeom>
-          <a:solidFill>
-            <a:schemeClr val="bg1"/>
-          </a:solidFill>
-          <a:ln>
-            <a:solidFill>
-              <a:schemeClr val="tx1"/>
-            </a:solidFill>
-          </a:ln>
-        </p:spPr>
-        <p:style>
-          <a:lnRef idx="2">
-            <a:schemeClr val="accent1">
-              <a:shade val="50000"/>
-            </a:schemeClr>
-          </a:lnRef>
-          <a:fillRef idx="1">
-            <a:schemeClr val="accent1"/>
-          </a:fillRef>
-          <a:effectRef idx="0">
-            <a:schemeClr val="accent1"/>
-          </a:effectRef>
-          <a:fontRef idx="minor">
-            <a:schemeClr val="lt1"/>
-          </a:fontRef>
-        </p:style>
-        <p:txBody>
-          <a:bodyPr rtlCol="0" anchor="ctr"/>
-          <a:lstStyle/>
-          <a:p>
-            <a:pPr algn="ctr"/>
-            <a:endParaRPr lang="es-CL"/>
-          </a:p>
-        </p:txBody>
-      </p:sp>
-      <p:sp>
-        <p:nvSpPr>
-          <p:cNvPr id="51" name="50 Rectángulo"/>
-          <p:cNvSpPr/>
-          <p:nvPr/>
-        </p:nvSpPr>
-        <p:spPr>
-          <a:xfrm>
-            <a:off x="1428728" y="3429000"/>
-            <a:ext cx="428628" cy="500066"/>
-          </a:xfrm>
-          <a:prstGeom prst="rect">
-            <a:avLst/>
-          </a:prstGeom>
-          <a:solidFill>
-            <a:schemeClr val="bg1"/>
-          </a:solidFill>
-          <a:ln>
-            <a:solidFill>
-              <a:schemeClr val="tx1"/>
-            </a:solidFill>
-          </a:ln>
-        </p:spPr>
-        <p:style>
-          <a:lnRef idx="2">
-            <a:schemeClr val="accent1">
-              <a:shade val="50000"/>
-            </a:schemeClr>
-          </a:lnRef>
-          <a:fillRef idx="1">
-            <a:schemeClr val="accent1"/>
-          </a:fillRef>
-          <a:effectRef idx="0">
-            <a:schemeClr val="accent1"/>
-          </a:effectRef>
-          <a:fontRef idx="minor">
-            <a:schemeClr val="lt1"/>
-          </a:fontRef>
-        </p:style>
-        <p:txBody>
-          <a:bodyPr rtlCol="0" anchor="ctr"/>
-          <a:lstStyle/>
-          <a:p>
-            <a:pPr algn="ctr"/>
-            <a:endParaRPr lang="es-CL"/>
-          </a:p>
-        </p:txBody>
-      </p:sp>
-      <p:sp>
-        <p:nvSpPr>
           <p:cNvPr id="52" name="51 Rectángulo"/>
           <p:cNvSpPr/>
           <p:nvPr/>
@@ -20752,7 +20604,10 @@
             <a:avLst/>
           </a:prstGeom>
           <a:solidFill>
-            <a:schemeClr val="bg1"/>
+            <a:schemeClr val="accent6">
+              <a:lumMod val="60000"/>
+              <a:lumOff val="40000"/>
+            </a:schemeClr>
           </a:solidFill>
           <a:ln>
             <a:solidFill>
@@ -21100,6 +20955,57 @@
             <a:avLst/>
           </a:prstGeom>
           <a:solidFill>
+            <a:schemeClr val="accent6">
+              <a:lumMod val="60000"/>
+              <a:lumOff val="40000"/>
+            </a:schemeClr>
+          </a:solidFill>
+          <a:ln>
+            <a:solidFill>
+              <a:schemeClr val="tx1"/>
+            </a:solidFill>
+          </a:ln>
+        </p:spPr>
+        <p:style>
+          <a:lnRef idx="2">
+            <a:schemeClr val="accent1">
+              <a:shade val="50000"/>
+            </a:schemeClr>
+          </a:lnRef>
+          <a:fillRef idx="1">
+            <a:schemeClr val="accent1"/>
+          </a:fillRef>
+          <a:effectRef idx="0">
+            <a:schemeClr val="accent1"/>
+          </a:effectRef>
+          <a:fontRef idx="minor">
+            <a:schemeClr val="lt1"/>
+          </a:fontRef>
+        </p:style>
+        <p:txBody>
+          <a:bodyPr rtlCol="0" anchor="ctr"/>
+          <a:lstStyle/>
+          <a:p>
+            <a:pPr algn="ctr"/>
+            <a:endParaRPr lang="es-CL"/>
+          </a:p>
+        </p:txBody>
+      </p:sp>
+      <p:sp>
+        <p:nvSpPr>
+          <p:cNvPr id="60" name="59 Rectángulo"/>
+          <p:cNvSpPr/>
+          <p:nvPr/>
+        </p:nvSpPr>
+        <p:spPr>
+          <a:xfrm>
+            <a:off x="2714612" y="2928934"/>
+            <a:ext cx="428628" cy="500066"/>
+          </a:xfrm>
+          <a:prstGeom prst="rect">
+            <a:avLst/>
+          </a:prstGeom>
+          <a:solidFill>
             <a:schemeClr val="bg1"/>
           </a:solidFill>
           <a:ln>
@@ -21135,13 +21041,13 @@
       </p:sp>
       <p:sp>
         <p:nvSpPr>
-          <p:cNvPr id="60" name="59 Rectángulo"/>
-          <p:cNvSpPr/>
-          <p:nvPr/>
-        </p:nvSpPr>
-        <p:spPr>
-          <a:xfrm>
-            <a:off x="2714612" y="2928934"/>
+          <p:cNvPr id="61" name="60 Rectángulo"/>
+          <p:cNvSpPr/>
+          <p:nvPr/>
+        </p:nvSpPr>
+        <p:spPr>
+          <a:xfrm>
+            <a:off x="571472" y="2928934"/>
             <a:ext cx="428628" cy="500066"/>
           </a:xfrm>
           <a:prstGeom prst="rect">
@@ -21183,54 +21089,6 @@
       </p:sp>
       <p:sp>
         <p:nvSpPr>
-          <p:cNvPr id="61" name="60 Rectángulo"/>
-          <p:cNvSpPr/>
-          <p:nvPr/>
-        </p:nvSpPr>
-        <p:spPr>
-          <a:xfrm>
-            <a:off x="571472" y="2928934"/>
-            <a:ext cx="428628" cy="500066"/>
-          </a:xfrm>
-          <a:prstGeom prst="rect">
-            <a:avLst/>
-          </a:prstGeom>
-          <a:solidFill>
-            <a:schemeClr val="bg1"/>
-          </a:solidFill>
-          <a:ln>
-            <a:solidFill>
-              <a:schemeClr val="tx1"/>
-            </a:solidFill>
-          </a:ln>
-        </p:spPr>
-        <p:style>
-          <a:lnRef idx="2">
-            <a:schemeClr val="accent1">
-              <a:shade val="50000"/>
-            </a:schemeClr>
-          </a:lnRef>
-          <a:fillRef idx="1">
-            <a:schemeClr val="accent1"/>
-          </a:fillRef>
-          <a:effectRef idx="0">
-            <a:schemeClr val="accent1"/>
-          </a:effectRef>
-          <a:fontRef idx="minor">
-            <a:schemeClr val="lt1"/>
-          </a:fontRef>
-        </p:style>
-        <p:txBody>
-          <a:bodyPr rtlCol="0" anchor="ctr"/>
-          <a:lstStyle/>
-          <a:p>
-            <a:pPr algn="ctr"/>
-            <a:endParaRPr lang="es-CL"/>
-          </a:p>
-        </p:txBody>
-      </p:sp>
-      <p:sp>
-        <p:nvSpPr>
           <p:cNvPr id="62" name="61 Rectángulo"/>
           <p:cNvSpPr/>
           <p:nvPr/>
@@ -21244,7 +21102,10 @@
             <a:avLst/>
           </a:prstGeom>
           <a:solidFill>
-            <a:schemeClr val="bg1"/>
+            <a:schemeClr val="accent6">
+              <a:lumMod val="60000"/>
+              <a:lumOff val="40000"/>
+            </a:schemeClr>
           </a:solidFill>
           <a:ln>
             <a:solidFill>
@@ -22116,177 +21977,6 @@
           </a:p>
         </p:txBody>
       </p:sp>
-      <p:grpSp>
-        <p:nvGrpSpPr>
-          <p:cNvPr id="127" name="126 Grupo"/>
-          <p:cNvGrpSpPr/>
-          <p:nvPr/>
-        </p:nvGrpSpPr>
-        <p:grpSpPr>
-          <a:xfrm>
-            <a:off x="571472" y="2428868"/>
-            <a:ext cx="2143140" cy="1000132"/>
-            <a:chOff x="571472" y="2428868"/>
-            <a:chExt cx="2143140" cy="1000132"/>
-          </a:xfrm>
-        </p:grpSpPr>
-        <p:sp>
-          <p:nvSpPr>
-            <p:cNvPr id="7" name="6 Rectángulo"/>
-            <p:cNvSpPr/>
-            <p:nvPr/>
-          </p:nvSpPr>
-          <p:spPr>
-            <a:xfrm>
-              <a:off x="2285984" y="2428868"/>
-              <a:ext cx="428628" cy="500066"/>
-            </a:xfrm>
-            <a:prstGeom prst="rect">
-              <a:avLst/>
-            </a:prstGeom>
-            <a:solidFill>
-              <a:schemeClr val="bg1">
-                <a:lumMod val="75000"/>
-              </a:schemeClr>
-            </a:solidFill>
-            <a:ln>
-              <a:solidFill>
-                <a:schemeClr val="bg1">
-                  <a:lumMod val="85000"/>
-                </a:schemeClr>
-              </a:solidFill>
-            </a:ln>
-          </p:spPr>
-          <p:style>
-            <a:lnRef idx="2">
-              <a:schemeClr val="accent1">
-                <a:shade val="50000"/>
-              </a:schemeClr>
-            </a:lnRef>
-            <a:fillRef idx="1">
-              <a:schemeClr val="accent1"/>
-            </a:fillRef>
-            <a:effectRef idx="0">
-              <a:schemeClr val="accent1"/>
-            </a:effectRef>
-            <a:fontRef idx="minor">
-              <a:schemeClr val="lt1"/>
-            </a:fontRef>
-          </p:style>
-          <p:txBody>
-            <a:bodyPr rtlCol="0" anchor="ctr"/>
-            <a:lstStyle/>
-            <a:p>
-              <a:pPr algn="ctr"/>
-              <a:endParaRPr lang="es-CL"/>
-            </a:p>
-          </p:txBody>
-        </p:sp>
-        <p:sp>
-          <p:nvSpPr>
-            <p:cNvPr id="9" name="8 Rectángulo"/>
-            <p:cNvSpPr/>
-            <p:nvPr/>
-          </p:nvSpPr>
-          <p:spPr>
-            <a:xfrm>
-              <a:off x="1428728" y="2928934"/>
-              <a:ext cx="428628" cy="500066"/>
-            </a:xfrm>
-            <a:prstGeom prst="rect">
-              <a:avLst/>
-            </a:prstGeom>
-            <a:solidFill>
-              <a:schemeClr val="bg1">
-                <a:lumMod val="75000"/>
-              </a:schemeClr>
-            </a:solidFill>
-            <a:ln>
-              <a:solidFill>
-                <a:schemeClr val="bg1">
-                  <a:lumMod val="85000"/>
-                </a:schemeClr>
-              </a:solidFill>
-            </a:ln>
-          </p:spPr>
-          <p:style>
-            <a:lnRef idx="2">
-              <a:schemeClr val="accent1">
-                <a:shade val="50000"/>
-              </a:schemeClr>
-            </a:lnRef>
-            <a:fillRef idx="1">
-              <a:schemeClr val="accent1"/>
-            </a:fillRef>
-            <a:effectRef idx="0">
-              <a:schemeClr val="accent1"/>
-            </a:effectRef>
-            <a:fontRef idx="minor">
-              <a:schemeClr val="lt1"/>
-            </a:fontRef>
-          </p:style>
-          <p:txBody>
-            <a:bodyPr rtlCol="0" anchor="ctr"/>
-            <a:lstStyle/>
-            <a:p>
-              <a:pPr algn="ctr"/>
-              <a:endParaRPr lang="es-CL"/>
-            </a:p>
-          </p:txBody>
-        </p:sp>
-        <p:sp>
-          <p:nvSpPr>
-            <p:cNvPr id="35" name="34 Rectángulo"/>
-            <p:cNvSpPr/>
-            <p:nvPr/>
-          </p:nvSpPr>
-          <p:spPr>
-            <a:xfrm>
-              <a:off x="571472" y="2428868"/>
-              <a:ext cx="428628" cy="500066"/>
-            </a:xfrm>
-            <a:prstGeom prst="rect">
-              <a:avLst/>
-            </a:prstGeom>
-            <a:solidFill>
-              <a:schemeClr val="bg1">
-                <a:lumMod val="75000"/>
-              </a:schemeClr>
-            </a:solidFill>
-            <a:ln>
-              <a:solidFill>
-                <a:schemeClr val="bg1">
-                  <a:lumMod val="85000"/>
-                </a:schemeClr>
-              </a:solidFill>
-            </a:ln>
-          </p:spPr>
-          <p:style>
-            <a:lnRef idx="2">
-              <a:schemeClr val="accent1">
-                <a:shade val="50000"/>
-              </a:schemeClr>
-            </a:lnRef>
-            <a:fillRef idx="1">
-              <a:schemeClr val="accent1"/>
-            </a:fillRef>
-            <a:effectRef idx="0">
-              <a:schemeClr val="accent1"/>
-            </a:effectRef>
-            <a:fontRef idx="minor">
-              <a:schemeClr val="lt1"/>
-            </a:fontRef>
-          </p:style>
-          <p:txBody>
-            <a:bodyPr rtlCol="0" anchor="ctr"/>
-            <a:lstStyle/>
-            <a:p>
-              <a:pPr algn="ctr"/>
-              <a:endParaRPr lang="es-CL"/>
-            </a:p>
-          </p:txBody>
-        </p:sp>
-      </p:grpSp>
       <p:sp>
         <p:nvSpPr>
           <p:cNvPr id="36" name="35 Rectángulo"/>
@@ -23474,6 +23164,201 @@
           </a:p>
         </p:txBody>
       </p:sp>
+      <p:grpSp>
+        <p:nvGrpSpPr>
+          <p:cNvPr id="67" name="126 Grupo">
+            <a:extLst>
+              <a:ext uri="{FF2B5EF4-FFF2-40B4-BE49-F238E27FC236}">
+                <a16:creationId xmlns:a16="http://schemas.microsoft.com/office/drawing/2014/main" id="{CFB3F8C3-BEC2-6D4D-8075-01249C236B63}"/>
+              </a:ext>
+            </a:extLst>
+          </p:cNvPr>
+          <p:cNvGrpSpPr/>
+          <p:nvPr/>
+        </p:nvGrpSpPr>
+        <p:grpSpPr>
+          <a:xfrm>
+            <a:off x="571472" y="2428868"/>
+            <a:ext cx="2143140" cy="1000132"/>
+            <a:chOff x="571472" y="2428868"/>
+            <a:chExt cx="2143140" cy="1000132"/>
+          </a:xfrm>
+        </p:grpSpPr>
+        <p:sp>
+          <p:nvSpPr>
+            <p:cNvPr id="68" name="6 Rectángulo">
+              <a:extLst>
+                <a:ext uri="{FF2B5EF4-FFF2-40B4-BE49-F238E27FC236}">
+                  <a16:creationId xmlns:a16="http://schemas.microsoft.com/office/drawing/2014/main" id="{CABED704-8C68-2D47-95DE-F42F8089CC61}"/>
+                </a:ext>
+              </a:extLst>
+            </p:cNvPr>
+            <p:cNvSpPr/>
+            <p:nvPr/>
+          </p:nvSpPr>
+          <p:spPr>
+            <a:xfrm>
+              <a:off x="2285984" y="2428868"/>
+              <a:ext cx="428628" cy="500066"/>
+            </a:xfrm>
+            <a:prstGeom prst="rect">
+              <a:avLst/>
+            </a:prstGeom>
+            <a:solidFill>
+              <a:schemeClr val="bg1">
+                <a:lumMod val="75000"/>
+              </a:schemeClr>
+            </a:solidFill>
+            <a:ln>
+              <a:solidFill>
+                <a:schemeClr val="bg1">
+                  <a:lumMod val="85000"/>
+                </a:schemeClr>
+              </a:solidFill>
+            </a:ln>
+          </p:spPr>
+          <p:style>
+            <a:lnRef idx="2">
+              <a:schemeClr val="accent1">
+                <a:shade val="50000"/>
+              </a:schemeClr>
+            </a:lnRef>
+            <a:fillRef idx="1">
+              <a:schemeClr val="accent1"/>
+            </a:fillRef>
+            <a:effectRef idx="0">
+              <a:schemeClr val="accent1"/>
+            </a:effectRef>
+            <a:fontRef idx="minor">
+              <a:schemeClr val="lt1"/>
+            </a:fontRef>
+          </p:style>
+          <p:txBody>
+            <a:bodyPr rtlCol="0" anchor="ctr"/>
+            <a:lstStyle/>
+            <a:p>
+              <a:pPr algn="ctr"/>
+              <a:endParaRPr lang="es-CL"/>
+            </a:p>
+          </p:txBody>
+        </p:sp>
+        <p:sp>
+          <p:nvSpPr>
+            <p:cNvPr id="69" name="8 Rectángulo">
+              <a:extLst>
+                <a:ext uri="{FF2B5EF4-FFF2-40B4-BE49-F238E27FC236}">
+                  <a16:creationId xmlns:a16="http://schemas.microsoft.com/office/drawing/2014/main" id="{FF5DB301-55C6-F649-AE95-A959899D8956}"/>
+                </a:ext>
+              </a:extLst>
+            </p:cNvPr>
+            <p:cNvSpPr/>
+            <p:nvPr/>
+          </p:nvSpPr>
+          <p:spPr>
+            <a:xfrm>
+              <a:off x="1428728" y="2928934"/>
+              <a:ext cx="428628" cy="500066"/>
+            </a:xfrm>
+            <a:prstGeom prst="rect">
+              <a:avLst/>
+            </a:prstGeom>
+            <a:solidFill>
+              <a:schemeClr val="bg1">
+                <a:lumMod val="75000"/>
+              </a:schemeClr>
+            </a:solidFill>
+            <a:ln>
+              <a:solidFill>
+                <a:schemeClr val="bg1">
+                  <a:lumMod val="85000"/>
+                </a:schemeClr>
+              </a:solidFill>
+            </a:ln>
+          </p:spPr>
+          <p:style>
+            <a:lnRef idx="2">
+              <a:schemeClr val="accent1">
+                <a:shade val="50000"/>
+              </a:schemeClr>
+            </a:lnRef>
+            <a:fillRef idx="1">
+              <a:schemeClr val="accent1"/>
+            </a:fillRef>
+            <a:effectRef idx="0">
+              <a:schemeClr val="accent1"/>
+            </a:effectRef>
+            <a:fontRef idx="minor">
+              <a:schemeClr val="lt1"/>
+            </a:fontRef>
+          </p:style>
+          <p:txBody>
+            <a:bodyPr rtlCol="0" anchor="ctr"/>
+            <a:lstStyle/>
+            <a:p>
+              <a:pPr algn="ctr"/>
+              <a:endParaRPr lang="es-CL"/>
+            </a:p>
+          </p:txBody>
+        </p:sp>
+        <p:sp>
+          <p:nvSpPr>
+            <p:cNvPr id="70" name="34 Rectángulo">
+              <a:extLst>
+                <a:ext uri="{FF2B5EF4-FFF2-40B4-BE49-F238E27FC236}">
+                  <a16:creationId xmlns:a16="http://schemas.microsoft.com/office/drawing/2014/main" id="{08C8E735-EE31-CC48-B6D2-DFF883110FC8}"/>
+                </a:ext>
+              </a:extLst>
+            </p:cNvPr>
+            <p:cNvSpPr/>
+            <p:nvPr/>
+          </p:nvSpPr>
+          <p:spPr>
+            <a:xfrm>
+              <a:off x="571472" y="2428868"/>
+              <a:ext cx="428628" cy="500066"/>
+            </a:xfrm>
+            <a:prstGeom prst="rect">
+              <a:avLst/>
+            </a:prstGeom>
+            <a:solidFill>
+              <a:schemeClr val="bg1">
+                <a:lumMod val="75000"/>
+              </a:schemeClr>
+            </a:solidFill>
+            <a:ln>
+              <a:solidFill>
+                <a:schemeClr val="bg1">
+                  <a:lumMod val="85000"/>
+                </a:schemeClr>
+              </a:solidFill>
+            </a:ln>
+          </p:spPr>
+          <p:style>
+            <a:lnRef idx="2">
+              <a:schemeClr val="accent1">
+                <a:shade val="50000"/>
+              </a:schemeClr>
+            </a:lnRef>
+            <a:fillRef idx="1">
+              <a:schemeClr val="accent1"/>
+            </a:fillRef>
+            <a:effectRef idx="0">
+              <a:schemeClr val="accent1"/>
+            </a:effectRef>
+            <a:fontRef idx="minor">
+              <a:schemeClr val="lt1"/>
+            </a:fontRef>
+          </p:style>
+          <p:txBody>
+            <a:bodyPr rtlCol="0" anchor="ctr"/>
+            <a:lstStyle/>
+            <a:p>
+              <a:pPr algn="ctr"/>
+              <a:endParaRPr lang="es-CL"/>
+            </a:p>
+          </p:txBody>
+        </p:sp>
+      </p:grpSp>
     </p:spTree>
     <p:extLst>
       <p:ext uri="{BB962C8B-B14F-4D97-AF65-F5344CB8AC3E}">
@@ -23514,7 +23399,7 @@
                                       <p:cBhvr>
                                         <p:cTn id="6" dur="2000" fill="hold"/>
                                         <p:tgtEl>
-                                          <p:spTgt spid="127"/>
+                                          <p:spTgt spid="67"/>
                                         </p:tgtEl>
                                         <p:attrNameLst>
                                           <p:attrName>ppt_x</p:attrName>
@@ -23544,7 +23429,7 @@
                                       <p:cBhvr>
                                         <p:cTn id="9" dur="500"/>
                                         <p:tgtEl>
-                                          <p:spTgt spid="127"/>
+                                          <p:spTgt spid="67"/>
                                         </p:tgtEl>
                                       </p:cBhvr>
                                     </p:animEffect>
@@ -23556,7 +23441,7 @@
                                           </p:stCondLst>
                                         </p:cTn>
                                         <p:tgtEl>
-                                          <p:spTgt spid="127"/>
+                                          <p:spTgt spid="67"/>
                                         </p:tgtEl>
                                         <p:attrNameLst>
                                           <p:attrName>style.visibility</p:attrName>
@@ -23676,6 +23561,57 @@
             <a:avLst/>
           </a:prstGeom>
           <a:solidFill>
+            <a:schemeClr val="accent6">
+              <a:lumMod val="60000"/>
+              <a:lumOff val="40000"/>
+            </a:schemeClr>
+          </a:solidFill>
+          <a:ln>
+            <a:solidFill>
+              <a:schemeClr val="tx1"/>
+            </a:solidFill>
+          </a:ln>
+        </p:spPr>
+        <p:style>
+          <a:lnRef idx="2">
+            <a:schemeClr val="accent1">
+              <a:shade val="50000"/>
+            </a:schemeClr>
+          </a:lnRef>
+          <a:fillRef idx="1">
+            <a:schemeClr val="accent1"/>
+          </a:fillRef>
+          <a:effectRef idx="0">
+            <a:schemeClr val="accent1"/>
+          </a:effectRef>
+          <a:fontRef idx="minor">
+            <a:schemeClr val="lt1"/>
+          </a:fontRef>
+        </p:style>
+        <p:txBody>
+          <a:bodyPr rtlCol="0" anchor="ctr"/>
+          <a:lstStyle/>
+          <a:p>
+            <a:pPr algn="ctr"/>
+            <a:endParaRPr lang="es-CL"/>
+          </a:p>
+        </p:txBody>
+      </p:sp>
+      <p:sp>
+        <p:nvSpPr>
+          <p:cNvPr id="43" name="42 Rectángulo"/>
+          <p:cNvSpPr/>
+          <p:nvPr/>
+        </p:nvSpPr>
+        <p:spPr>
+          <a:xfrm>
+            <a:off x="1428728" y="2428868"/>
+            <a:ext cx="428628" cy="500066"/>
+          </a:xfrm>
+          <a:prstGeom prst="rect">
+            <a:avLst/>
+          </a:prstGeom>
+          <a:solidFill>
             <a:schemeClr val="bg1"/>
           </a:solidFill>
           <a:ln>
@@ -23711,13 +23647,217 @@
       </p:sp>
       <p:sp>
         <p:nvSpPr>
-          <p:cNvPr id="43" name="42 Rectángulo"/>
-          <p:cNvSpPr/>
-          <p:nvPr/>
-        </p:nvSpPr>
-        <p:spPr>
-          <a:xfrm>
-            <a:off x="1428728" y="2428868"/>
+          <p:cNvPr id="44" name="43 Rectángulo"/>
+          <p:cNvSpPr/>
+          <p:nvPr/>
+        </p:nvSpPr>
+        <p:spPr>
+          <a:xfrm>
+            <a:off x="1857356" y="2428868"/>
+            <a:ext cx="428628" cy="500066"/>
+          </a:xfrm>
+          <a:prstGeom prst="rect">
+            <a:avLst/>
+          </a:prstGeom>
+          <a:solidFill>
+            <a:schemeClr val="accent6">
+              <a:lumMod val="60000"/>
+              <a:lumOff val="40000"/>
+            </a:schemeClr>
+          </a:solidFill>
+          <a:ln>
+            <a:solidFill>
+              <a:schemeClr val="tx1"/>
+            </a:solidFill>
+          </a:ln>
+        </p:spPr>
+        <p:style>
+          <a:lnRef idx="2">
+            <a:schemeClr val="accent1">
+              <a:shade val="50000"/>
+            </a:schemeClr>
+          </a:lnRef>
+          <a:fillRef idx="1">
+            <a:schemeClr val="accent1"/>
+          </a:fillRef>
+          <a:effectRef idx="0">
+            <a:schemeClr val="accent1"/>
+          </a:effectRef>
+          <a:fontRef idx="minor">
+            <a:schemeClr val="lt1"/>
+          </a:fontRef>
+        </p:style>
+        <p:txBody>
+          <a:bodyPr rtlCol="0" anchor="ctr"/>
+          <a:lstStyle/>
+          <a:p>
+            <a:pPr algn="ctr"/>
+            <a:endParaRPr lang="es-CL"/>
+          </a:p>
+        </p:txBody>
+      </p:sp>
+      <p:sp>
+        <p:nvSpPr>
+          <p:cNvPr id="45" name="44 Rectángulo"/>
+          <p:cNvSpPr/>
+          <p:nvPr/>
+        </p:nvSpPr>
+        <p:spPr>
+          <a:xfrm>
+            <a:off x="2285984" y="2428868"/>
+            <a:ext cx="428628" cy="500066"/>
+          </a:xfrm>
+          <a:prstGeom prst="rect">
+            <a:avLst/>
+          </a:prstGeom>
+          <a:solidFill>
+            <a:schemeClr val="accent6">
+              <a:lumMod val="60000"/>
+              <a:lumOff val="40000"/>
+            </a:schemeClr>
+          </a:solidFill>
+          <a:ln>
+            <a:solidFill>
+              <a:schemeClr val="tx1"/>
+            </a:solidFill>
+          </a:ln>
+        </p:spPr>
+        <p:style>
+          <a:lnRef idx="2">
+            <a:schemeClr val="accent1">
+              <a:shade val="50000"/>
+            </a:schemeClr>
+          </a:lnRef>
+          <a:fillRef idx="1">
+            <a:schemeClr val="accent1"/>
+          </a:fillRef>
+          <a:effectRef idx="0">
+            <a:schemeClr val="accent1"/>
+          </a:effectRef>
+          <a:fontRef idx="minor">
+            <a:schemeClr val="lt1"/>
+          </a:fontRef>
+        </p:style>
+        <p:txBody>
+          <a:bodyPr rtlCol="0" anchor="ctr"/>
+          <a:lstStyle/>
+          <a:p>
+            <a:pPr algn="ctr"/>
+            <a:endParaRPr lang="es-CL"/>
+          </a:p>
+        </p:txBody>
+      </p:sp>
+      <p:sp>
+        <p:nvSpPr>
+          <p:cNvPr id="46" name="45 Rectángulo"/>
+          <p:cNvSpPr/>
+          <p:nvPr/>
+        </p:nvSpPr>
+        <p:spPr>
+          <a:xfrm>
+            <a:off x="1000100" y="2928934"/>
+            <a:ext cx="428628" cy="500066"/>
+          </a:xfrm>
+          <a:prstGeom prst="rect">
+            <a:avLst/>
+          </a:prstGeom>
+          <a:solidFill>
+            <a:schemeClr val="accent6">
+              <a:lumMod val="60000"/>
+              <a:lumOff val="40000"/>
+            </a:schemeClr>
+          </a:solidFill>
+          <a:ln>
+            <a:solidFill>
+              <a:schemeClr val="tx1"/>
+            </a:solidFill>
+          </a:ln>
+        </p:spPr>
+        <p:style>
+          <a:lnRef idx="2">
+            <a:schemeClr val="accent1">
+              <a:shade val="50000"/>
+            </a:schemeClr>
+          </a:lnRef>
+          <a:fillRef idx="1">
+            <a:schemeClr val="accent1"/>
+          </a:fillRef>
+          <a:effectRef idx="0">
+            <a:schemeClr val="accent1"/>
+          </a:effectRef>
+          <a:fontRef idx="minor">
+            <a:schemeClr val="lt1"/>
+          </a:fontRef>
+        </p:style>
+        <p:txBody>
+          <a:bodyPr rtlCol="0" anchor="ctr"/>
+          <a:lstStyle/>
+          <a:p>
+            <a:pPr algn="ctr"/>
+            <a:endParaRPr lang="es-CL"/>
+          </a:p>
+        </p:txBody>
+      </p:sp>
+      <p:sp>
+        <p:nvSpPr>
+          <p:cNvPr id="47" name="46 Rectángulo"/>
+          <p:cNvSpPr/>
+          <p:nvPr/>
+        </p:nvSpPr>
+        <p:spPr>
+          <a:xfrm>
+            <a:off x="1428728" y="2928934"/>
+            <a:ext cx="428628" cy="500066"/>
+          </a:xfrm>
+          <a:prstGeom prst="rect">
+            <a:avLst/>
+          </a:prstGeom>
+          <a:solidFill>
+            <a:schemeClr val="accent6">
+              <a:lumMod val="60000"/>
+              <a:lumOff val="40000"/>
+            </a:schemeClr>
+          </a:solidFill>
+          <a:ln>
+            <a:solidFill>
+              <a:schemeClr val="tx1"/>
+            </a:solidFill>
+          </a:ln>
+        </p:spPr>
+        <p:style>
+          <a:lnRef idx="2">
+            <a:schemeClr val="accent1">
+              <a:shade val="50000"/>
+            </a:schemeClr>
+          </a:lnRef>
+          <a:fillRef idx="1">
+            <a:schemeClr val="accent1"/>
+          </a:fillRef>
+          <a:effectRef idx="0">
+            <a:schemeClr val="accent1"/>
+          </a:effectRef>
+          <a:fontRef idx="minor">
+            <a:schemeClr val="lt1"/>
+          </a:fontRef>
+        </p:style>
+        <p:txBody>
+          <a:bodyPr rtlCol="0" anchor="ctr"/>
+          <a:lstStyle/>
+          <a:p>
+            <a:pPr algn="ctr"/>
+            <a:endParaRPr lang="es-CL"/>
+          </a:p>
+        </p:txBody>
+      </p:sp>
+      <p:sp>
+        <p:nvSpPr>
+          <p:cNvPr id="48" name="47 Rectángulo"/>
+          <p:cNvSpPr/>
+          <p:nvPr/>
+        </p:nvSpPr>
+        <p:spPr>
+          <a:xfrm>
+            <a:off x="1857356" y="2928934"/>
             <a:ext cx="428628" cy="500066"/>
           </a:xfrm>
           <a:prstGeom prst="rect">
@@ -23759,13 +23899,13 @@
       </p:sp>
       <p:sp>
         <p:nvSpPr>
-          <p:cNvPr id="44" name="43 Rectángulo"/>
-          <p:cNvSpPr/>
-          <p:nvPr/>
-        </p:nvSpPr>
-        <p:spPr>
-          <a:xfrm>
-            <a:off x="1857356" y="2428868"/>
+          <p:cNvPr id="49" name="48 Rectángulo"/>
+          <p:cNvSpPr/>
+          <p:nvPr/>
+        </p:nvSpPr>
+        <p:spPr>
+          <a:xfrm>
+            <a:off x="2285984" y="2928934"/>
             <a:ext cx="428628" cy="500066"/>
           </a:xfrm>
           <a:prstGeom prst="rect">
@@ -23807,20 +23947,23 @@
       </p:sp>
       <p:sp>
         <p:nvSpPr>
-          <p:cNvPr id="45" name="44 Rectángulo"/>
-          <p:cNvSpPr/>
-          <p:nvPr/>
-        </p:nvSpPr>
-        <p:spPr>
-          <a:xfrm>
-            <a:off x="2285984" y="2428868"/>
-            <a:ext cx="428628" cy="500066"/>
-          </a:xfrm>
-          <a:prstGeom prst="rect">
-            <a:avLst/>
-          </a:prstGeom>
-          <a:solidFill>
-            <a:schemeClr val="bg1"/>
+          <p:cNvPr id="50" name="49 Rectángulo"/>
+          <p:cNvSpPr/>
+          <p:nvPr/>
+        </p:nvSpPr>
+        <p:spPr>
+          <a:xfrm>
+            <a:off x="1000100" y="3429000"/>
+            <a:ext cx="428628" cy="500066"/>
+          </a:xfrm>
+          <a:prstGeom prst="rect">
+            <a:avLst/>
+          </a:prstGeom>
+          <a:solidFill>
+            <a:schemeClr val="accent6">
+              <a:lumMod val="60000"/>
+              <a:lumOff val="40000"/>
+            </a:schemeClr>
           </a:solidFill>
           <a:ln>
             <a:solidFill>
@@ -23855,20 +23998,23 @@
       </p:sp>
       <p:sp>
         <p:nvSpPr>
-          <p:cNvPr id="46" name="45 Rectángulo"/>
-          <p:cNvSpPr/>
-          <p:nvPr/>
-        </p:nvSpPr>
-        <p:spPr>
-          <a:xfrm>
-            <a:off x="1000100" y="2928934"/>
-            <a:ext cx="428628" cy="500066"/>
-          </a:xfrm>
-          <a:prstGeom prst="rect">
-            <a:avLst/>
-          </a:prstGeom>
-          <a:solidFill>
-            <a:schemeClr val="bg1"/>
+          <p:cNvPr id="51" name="50 Rectángulo"/>
+          <p:cNvSpPr/>
+          <p:nvPr/>
+        </p:nvSpPr>
+        <p:spPr>
+          <a:xfrm>
+            <a:off x="1428728" y="3429000"/>
+            <a:ext cx="428628" cy="500066"/>
+          </a:xfrm>
+          <a:prstGeom prst="rect">
+            <a:avLst/>
+          </a:prstGeom>
+          <a:solidFill>
+            <a:schemeClr val="accent6">
+              <a:lumMod val="60000"/>
+              <a:lumOff val="40000"/>
+            </a:schemeClr>
           </a:solidFill>
           <a:ln>
             <a:solidFill>
@@ -23903,246 +24049,6 @@
       </p:sp>
       <p:sp>
         <p:nvSpPr>
-          <p:cNvPr id="47" name="46 Rectángulo"/>
-          <p:cNvSpPr/>
-          <p:nvPr/>
-        </p:nvSpPr>
-        <p:spPr>
-          <a:xfrm>
-            <a:off x="1428728" y="2928934"/>
-            <a:ext cx="428628" cy="500066"/>
-          </a:xfrm>
-          <a:prstGeom prst="rect">
-            <a:avLst/>
-          </a:prstGeom>
-          <a:solidFill>
-            <a:schemeClr val="bg1"/>
-          </a:solidFill>
-          <a:ln>
-            <a:solidFill>
-              <a:schemeClr val="tx1"/>
-            </a:solidFill>
-          </a:ln>
-        </p:spPr>
-        <p:style>
-          <a:lnRef idx="2">
-            <a:schemeClr val="accent1">
-              <a:shade val="50000"/>
-            </a:schemeClr>
-          </a:lnRef>
-          <a:fillRef idx="1">
-            <a:schemeClr val="accent1"/>
-          </a:fillRef>
-          <a:effectRef idx="0">
-            <a:schemeClr val="accent1"/>
-          </a:effectRef>
-          <a:fontRef idx="minor">
-            <a:schemeClr val="lt1"/>
-          </a:fontRef>
-        </p:style>
-        <p:txBody>
-          <a:bodyPr rtlCol="0" anchor="ctr"/>
-          <a:lstStyle/>
-          <a:p>
-            <a:pPr algn="ctr"/>
-            <a:endParaRPr lang="es-CL"/>
-          </a:p>
-        </p:txBody>
-      </p:sp>
-      <p:sp>
-        <p:nvSpPr>
-          <p:cNvPr id="48" name="47 Rectángulo"/>
-          <p:cNvSpPr/>
-          <p:nvPr/>
-        </p:nvSpPr>
-        <p:spPr>
-          <a:xfrm>
-            <a:off x="1857356" y="2928934"/>
-            <a:ext cx="428628" cy="500066"/>
-          </a:xfrm>
-          <a:prstGeom prst="rect">
-            <a:avLst/>
-          </a:prstGeom>
-          <a:solidFill>
-            <a:schemeClr val="bg1"/>
-          </a:solidFill>
-          <a:ln>
-            <a:solidFill>
-              <a:schemeClr val="tx1"/>
-            </a:solidFill>
-          </a:ln>
-        </p:spPr>
-        <p:style>
-          <a:lnRef idx="2">
-            <a:schemeClr val="accent1">
-              <a:shade val="50000"/>
-            </a:schemeClr>
-          </a:lnRef>
-          <a:fillRef idx="1">
-            <a:schemeClr val="accent1"/>
-          </a:fillRef>
-          <a:effectRef idx="0">
-            <a:schemeClr val="accent1"/>
-          </a:effectRef>
-          <a:fontRef idx="minor">
-            <a:schemeClr val="lt1"/>
-          </a:fontRef>
-        </p:style>
-        <p:txBody>
-          <a:bodyPr rtlCol="0" anchor="ctr"/>
-          <a:lstStyle/>
-          <a:p>
-            <a:pPr algn="ctr"/>
-            <a:endParaRPr lang="es-CL"/>
-          </a:p>
-        </p:txBody>
-      </p:sp>
-      <p:sp>
-        <p:nvSpPr>
-          <p:cNvPr id="49" name="48 Rectángulo"/>
-          <p:cNvSpPr/>
-          <p:nvPr/>
-        </p:nvSpPr>
-        <p:spPr>
-          <a:xfrm>
-            <a:off x="2285984" y="2928934"/>
-            <a:ext cx="428628" cy="500066"/>
-          </a:xfrm>
-          <a:prstGeom prst="rect">
-            <a:avLst/>
-          </a:prstGeom>
-          <a:solidFill>
-            <a:schemeClr val="bg1"/>
-          </a:solidFill>
-          <a:ln>
-            <a:solidFill>
-              <a:schemeClr val="tx1"/>
-            </a:solidFill>
-          </a:ln>
-        </p:spPr>
-        <p:style>
-          <a:lnRef idx="2">
-            <a:schemeClr val="accent1">
-              <a:shade val="50000"/>
-            </a:schemeClr>
-          </a:lnRef>
-          <a:fillRef idx="1">
-            <a:schemeClr val="accent1"/>
-          </a:fillRef>
-          <a:effectRef idx="0">
-            <a:schemeClr val="accent1"/>
-          </a:effectRef>
-          <a:fontRef idx="minor">
-            <a:schemeClr val="lt1"/>
-          </a:fontRef>
-        </p:style>
-        <p:txBody>
-          <a:bodyPr rtlCol="0" anchor="ctr"/>
-          <a:lstStyle/>
-          <a:p>
-            <a:pPr algn="ctr"/>
-            <a:endParaRPr lang="es-CL"/>
-          </a:p>
-        </p:txBody>
-      </p:sp>
-      <p:sp>
-        <p:nvSpPr>
-          <p:cNvPr id="50" name="49 Rectángulo"/>
-          <p:cNvSpPr/>
-          <p:nvPr/>
-        </p:nvSpPr>
-        <p:spPr>
-          <a:xfrm>
-            <a:off x="1000100" y="3429000"/>
-            <a:ext cx="428628" cy="500066"/>
-          </a:xfrm>
-          <a:prstGeom prst="rect">
-            <a:avLst/>
-          </a:prstGeom>
-          <a:solidFill>
-            <a:schemeClr val="bg1"/>
-          </a:solidFill>
-          <a:ln>
-            <a:solidFill>
-              <a:schemeClr val="tx1"/>
-            </a:solidFill>
-          </a:ln>
-        </p:spPr>
-        <p:style>
-          <a:lnRef idx="2">
-            <a:schemeClr val="accent1">
-              <a:shade val="50000"/>
-            </a:schemeClr>
-          </a:lnRef>
-          <a:fillRef idx="1">
-            <a:schemeClr val="accent1"/>
-          </a:fillRef>
-          <a:effectRef idx="0">
-            <a:schemeClr val="accent1"/>
-          </a:effectRef>
-          <a:fontRef idx="minor">
-            <a:schemeClr val="lt1"/>
-          </a:fontRef>
-        </p:style>
-        <p:txBody>
-          <a:bodyPr rtlCol="0" anchor="ctr"/>
-          <a:lstStyle/>
-          <a:p>
-            <a:pPr algn="ctr"/>
-            <a:endParaRPr lang="es-CL"/>
-          </a:p>
-        </p:txBody>
-      </p:sp>
-      <p:sp>
-        <p:nvSpPr>
-          <p:cNvPr id="51" name="50 Rectángulo"/>
-          <p:cNvSpPr/>
-          <p:nvPr/>
-        </p:nvSpPr>
-        <p:spPr>
-          <a:xfrm>
-            <a:off x="1428728" y="3429000"/>
-            <a:ext cx="428628" cy="500066"/>
-          </a:xfrm>
-          <a:prstGeom prst="rect">
-            <a:avLst/>
-          </a:prstGeom>
-          <a:solidFill>
-            <a:schemeClr val="bg1"/>
-          </a:solidFill>
-          <a:ln>
-            <a:solidFill>
-              <a:schemeClr val="tx1"/>
-            </a:solidFill>
-          </a:ln>
-        </p:spPr>
-        <p:style>
-          <a:lnRef idx="2">
-            <a:schemeClr val="accent1">
-              <a:shade val="50000"/>
-            </a:schemeClr>
-          </a:lnRef>
-          <a:fillRef idx="1">
-            <a:schemeClr val="accent1"/>
-          </a:fillRef>
-          <a:effectRef idx="0">
-            <a:schemeClr val="accent1"/>
-          </a:effectRef>
-          <a:fontRef idx="minor">
-            <a:schemeClr val="lt1"/>
-          </a:fontRef>
-        </p:style>
-        <p:txBody>
-          <a:bodyPr rtlCol="0" anchor="ctr"/>
-          <a:lstStyle/>
-          <a:p>
-            <a:pPr algn="ctr"/>
-            <a:endParaRPr lang="es-CL"/>
-          </a:p>
-        </p:txBody>
-      </p:sp>
-      <p:sp>
-        <p:nvSpPr>
           <p:cNvPr id="52" name="51 Rectángulo"/>
           <p:cNvSpPr/>
           <p:nvPr/>
@@ -24156,7 +24062,10 @@
             <a:avLst/>
           </a:prstGeom>
           <a:solidFill>
-            <a:schemeClr val="bg1"/>
+            <a:schemeClr val="accent6">
+              <a:lumMod val="60000"/>
+              <a:lumOff val="40000"/>
+            </a:schemeClr>
           </a:solidFill>
           <a:ln>
             <a:solidFill>
@@ -24456,6 +24365,108 @@
             <a:avLst/>
           </a:prstGeom>
           <a:solidFill>
+            <a:schemeClr val="accent6">
+              <a:lumMod val="60000"/>
+              <a:lumOff val="40000"/>
+            </a:schemeClr>
+          </a:solidFill>
+          <a:ln>
+            <a:solidFill>
+              <a:schemeClr val="tx1"/>
+            </a:solidFill>
+          </a:ln>
+        </p:spPr>
+        <p:style>
+          <a:lnRef idx="2">
+            <a:schemeClr val="accent1">
+              <a:shade val="50000"/>
+            </a:schemeClr>
+          </a:lnRef>
+          <a:fillRef idx="1">
+            <a:schemeClr val="accent1"/>
+          </a:fillRef>
+          <a:effectRef idx="0">
+            <a:schemeClr val="accent1"/>
+          </a:effectRef>
+          <a:fontRef idx="minor">
+            <a:schemeClr val="lt1"/>
+          </a:fontRef>
+        </p:style>
+        <p:txBody>
+          <a:bodyPr rtlCol="0" anchor="ctr"/>
+          <a:lstStyle/>
+          <a:p>
+            <a:pPr algn="ctr"/>
+            <a:endParaRPr lang="es-CL"/>
+          </a:p>
+        </p:txBody>
+      </p:sp>
+      <p:sp>
+        <p:nvSpPr>
+          <p:cNvPr id="59" name="58 Rectángulo"/>
+          <p:cNvSpPr/>
+          <p:nvPr/>
+        </p:nvSpPr>
+        <p:spPr>
+          <a:xfrm>
+            <a:off x="571472" y="2428868"/>
+            <a:ext cx="428628" cy="500066"/>
+          </a:xfrm>
+          <a:prstGeom prst="rect">
+            <a:avLst/>
+          </a:prstGeom>
+          <a:solidFill>
+            <a:schemeClr val="accent6">
+              <a:lumMod val="60000"/>
+              <a:lumOff val="40000"/>
+            </a:schemeClr>
+          </a:solidFill>
+          <a:ln>
+            <a:solidFill>
+              <a:schemeClr val="tx1"/>
+            </a:solidFill>
+          </a:ln>
+        </p:spPr>
+        <p:style>
+          <a:lnRef idx="2">
+            <a:schemeClr val="accent1">
+              <a:shade val="50000"/>
+            </a:schemeClr>
+          </a:lnRef>
+          <a:fillRef idx="1">
+            <a:schemeClr val="accent1"/>
+          </a:fillRef>
+          <a:effectRef idx="0">
+            <a:schemeClr val="accent1"/>
+          </a:effectRef>
+          <a:fontRef idx="minor">
+            <a:schemeClr val="lt1"/>
+          </a:fontRef>
+        </p:style>
+        <p:txBody>
+          <a:bodyPr rtlCol="0" anchor="ctr"/>
+          <a:lstStyle/>
+          <a:p>
+            <a:pPr algn="ctr"/>
+            <a:endParaRPr lang="es-CL"/>
+          </a:p>
+        </p:txBody>
+      </p:sp>
+      <p:sp>
+        <p:nvSpPr>
+          <p:cNvPr id="60" name="59 Rectángulo"/>
+          <p:cNvSpPr/>
+          <p:nvPr/>
+        </p:nvSpPr>
+        <p:spPr>
+          <a:xfrm>
+            <a:off x="2714612" y="2928934"/>
+            <a:ext cx="428628" cy="500066"/>
+          </a:xfrm>
+          <a:prstGeom prst="rect">
+            <a:avLst/>
+          </a:prstGeom>
+          <a:solidFill>
             <a:schemeClr val="bg1"/>
           </a:solidFill>
           <a:ln>
@@ -24491,13 +24502,13 @@
       </p:sp>
       <p:sp>
         <p:nvSpPr>
-          <p:cNvPr id="59" name="58 Rectángulo"/>
-          <p:cNvSpPr/>
-          <p:nvPr/>
-        </p:nvSpPr>
-        <p:spPr>
-          <a:xfrm>
-            <a:off x="571472" y="2428868"/>
+          <p:cNvPr id="61" name="60 Rectángulo"/>
+          <p:cNvSpPr/>
+          <p:nvPr/>
+        </p:nvSpPr>
+        <p:spPr>
+          <a:xfrm>
+            <a:off x="571472" y="2928934"/>
             <a:ext cx="428628" cy="500066"/>
           </a:xfrm>
           <a:prstGeom prst="rect">
@@ -24539,102 +24550,6 @@
       </p:sp>
       <p:sp>
         <p:nvSpPr>
-          <p:cNvPr id="60" name="59 Rectángulo"/>
-          <p:cNvSpPr/>
-          <p:nvPr/>
-        </p:nvSpPr>
-        <p:spPr>
-          <a:xfrm>
-            <a:off x="2714612" y="2928934"/>
-            <a:ext cx="428628" cy="500066"/>
-          </a:xfrm>
-          <a:prstGeom prst="rect">
-            <a:avLst/>
-          </a:prstGeom>
-          <a:solidFill>
-            <a:schemeClr val="bg1"/>
-          </a:solidFill>
-          <a:ln>
-            <a:solidFill>
-              <a:schemeClr val="tx1"/>
-            </a:solidFill>
-          </a:ln>
-        </p:spPr>
-        <p:style>
-          <a:lnRef idx="2">
-            <a:schemeClr val="accent1">
-              <a:shade val="50000"/>
-            </a:schemeClr>
-          </a:lnRef>
-          <a:fillRef idx="1">
-            <a:schemeClr val="accent1"/>
-          </a:fillRef>
-          <a:effectRef idx="0">
-            <a:schemeClr val="accent1"/>
-          </a:effectRef>
-          <a:fontRef idx="minor">
-            <a:schemeClr val="lt1"/>
-          </a:fontRef>
-        </p:style>
-        <p:txBody>
-          <a:bodyPr rtlCol="0" anchor="ctr"/>
-          <a:lstStyle/>
-          <a:p>
-            <a:pPr algn="ctr"/>
-            <a:endParaRPr lang="es-CL"/>
-          </a:p>
-        </p:txBody>
-      </p:sp>
-      <p:sp>
-        <p:nvSpPr>
-          <p:cNvPr id="61" name="60 Rectángulo"/>
-          <p:cNvSpPr/>
-          <p:nvPr/>
-        </p:nvSpPr>
-        <p:spPr>
-          <a:xfrm>
-            <a:off x="571472" y="2928934"/>
-            <a:ext cx="428628" cy="500066"/>
-          </a:xfrm>
-          <a:prstGeom prst="rect">
-            <a:avLst/>
-          </a:prstGeom>
-          <a:solidFill>
-            <a:schemeClr val="bg1"/>
-          </a:solidFill>
-          <a:ln>
-            <a:solidFill>
-              <a:schemeClr val="tx1"/>
-            </a:solidFill>
-          </a:ln>
-        </p:spPr>
-        <p:style>
-          <a:lnRef idx="2">
-            <a:schemeClr val="accent1">
-              <a:shade val="50000"/>
-            </a:schemeClr>
-          </a:lnRef>
-          <a:fillRef idx="1">
-            <a:schemeClr val="accent1"/>
-          </a:fillRef>
-          <a:effectRef idx="0">
-            <a:schemeClr val="accent1"/>
-          </a:effectRef>
-          <a:fontRef idx="minor">
-            <a:schemeClr val="lt1"/>
-          </a:fontRef>
-        </p:style>
-        <p:txBody>
-          <a:bodyPr rtlCol="0" anchor="ctr"/>
-          <a:lstStyle/>
-          <a:p>
-            <a:pPr algn="ctr"/>
-            <a:endParaRPr lang="es-CL"/>
-          </a:p>
-        </p:txBody>
-      </p:sp>
-      <p:sp>
-        <p:nvSpPr>
           <p:cNvPr id="62" name="61 Rectángulo"/>
           <p:cNvSpPr/>
           <p:nvPr/>
@@ -24648,7 +24563,10 @@
             <a:avLst/>
           </a:prstGeom>
           <a:solidFill>
-            <a:schemeClr val="bg1"/>
+            <a:schemeClr val="accent6">
+              <a:lumMod val="60000"/>
+              <a:lumOff val="40000"/>
+            </a:schemeClr>
           </a:solidFill>
           <a:ln>
             <a:solidFill>
@@ -25255,286 +25173,6 @@
           </a:p>
         </p:txBody>
       </p:sp>
-      <p:grpSp>
-        <p:nvGrpSpPr>
-          <p:cNvPr id="87" name="86 Grupo"/>
-          <p:cNvGrpSpPr/>
-          <p:nvPr/>
-        </p:nvGrpSpPr>
-        <p:grpSpPr>
-          <a:xfrm>
-            <a:off x="1000100" y="2428868"/>
-            <a:ext cx="2143140" cy="1500198"/>
-            <a:chOff x="1000100" y="2428868"/>
-            <a:chExt cx="2143140" cy="1500198"/>
-          </a:xfrm>
-        </p:grpSpPr>
-        <p:sp>
-          <p:nvSpPr>
-            <p:cNvPr id="4" name="3 Rectángulo"/>
-            <p:cNvSpPr/>
-            <p:nvPr/>
-          </p:nvSpPr>
-          <p:spPr>
-            <a:xfrm>
-              <a:off x="1000100" y="2428868"/>
-              <a:ext cx="428628" cy="500066"/>
-            </a:xfrm>
-            <a:prstGeom prst="rect">
-              <a:avLst/>
-            </a:prstGeom>
-            <a:solidFill>
-              <a:schemeClr val="tx1">
-                <a:lumMod val="50000"/>
-                <a:lumOff val="50000"/>
-              </a:schemeClr>
-            </a:solidFill>
-            <a:ln>
-              <a:solidFill>
-                <a:schemeClr val="bg1">
-                  <a:lumMod val="85000"/>
-                </a:schemeClr>
-              </a:solidFill>
-            </a:ln>
-          </p:spPr>
-          <p:style>
-            <a:lnRef idx="2">
-              <a:schemeClr val="accent1">
-                <a:shade val="50000"/>
-              </a:schemeClr>
-            </a:lnRef>
-            <a:fillRef idx="1">
-              <a:schemeClr val="accent1"/>
-            </a:fillRef>
-            <a:effectRef idx="0">
-              <a:schemeClr val="accent1"/>
-            </a:effectRef>
-            <a:fontRef idx="minor">
-              <a:schemeClr val="lt1"/>
-            </a:fontRef>
-          </p:style>
-          <p:txBody>
-            <a:bodyPr rtlCol="0" anchor="ctr"/>
-            <a:lstStyle/>
-            <a:p>
-              <a:pPr algn="ctr"/>
-              <a:endParaRPr lang="es-CL"/>
-            </a:p>
-          </p:txBody>
-        </p:sp>
-        <p:sp>
-          <p:nvSpPr>
-            <p:cNvPr id="6" name="5 Rectángulo"/>
-            <p:cNvSpPr/>
-            <p:nvPr/>
-          </p:nvSpPr>
-          <p:spPr>
-            <a:xfrm>
-              <a:off x="1857356" y="2428868"/>
-              <a:ext cx="428628" cy="500066"/>
-            </a:xfrm>
-            <a:prstGeom prst="rect">
-              <a:avLst/>
-            </a:prstGeom>
-            <a:solidFill>
-              <a:schemeClr val="tx1">
-                <a:lumMod val="50000"/>
-                <a:lumOff val="50000"/>
-              </a:schemeClr>
-            </a:solidFill>
-            <a:ln>
-              <a:solidFill>
-                <a:schemeClr val="bg1">
-                  <a:lumMod val="85000"/>
-                </a:schemeClr>
-              </a:solidFill>
-            </a:ln>
-          </p:spPr>
-          <p:style>
-            <a:lnRef idx="2">
-              <a:schemeClr val="accent1">
-                <a:shade val="50000"/>
-              </a:schemeClr>
-            </a:lnRef>
-            <a:fillRef idx="1">
-              <a:schemeClr val="accent1"/>
-            </a:fillRef>
-            <a:effectRef idx="0">
-              <a:schemeClr val="accent1"/>
-            </a:effectRef>
-            <a:fontRef idx="minor">
-              <a:schemeClr val="lt1"/>
-            </a:fontRef>
-          </p:style>
-          <p:txBody>
-            <a:bodyPr rtlCol="0" anchor="ctr"/>
-            <a:lstStyle/>
-            <a:p>
-              <a:pPr algn="ctr"/>
-              <a:endParaRPr lang="es-CL"/>
-            </a:p>
-          </p:txBody>
-        </p:sp>
-        <p:sp>
-          <p:nvSpPr>
-            <p:cNvPr id="8" name="7 Rectángulo"/>
-            <p:cNvSpPr/>
-            <p:nvPr/>
-          </p:nvSpPr>
-          <p:spPr>
-            <a:xfrm>
-              <a:off x="1000100" y="2928934"/>
-              <a:ext cx="428628" cy="500066"/>
-            </a:xfrm>
-            <a:prstGeom prst="rect">
-              <a:avLst/>
-            </a:prstGeom>
-            <a:solidFill>
-              <a:schemeClr val="tx1">
-                <a:lumMod val="50000"/>
-                <a:lumOff val="50000"/>
-              </a:schemeClr>
-            </a:solidFill>
-            <a:ln>
-              <a:solidFill>
-                <a:schemeClr val="bg1">
-                  <a:lumMod val="85000"/>
-                </a:schemeClr>
-              </a:solidFill>
-            </a:ln>
-          </p:spPr>
-          <p:style>
-            <a:lnRef idx="2">
-              <a:schemeClr val="accent1">
-                <a:shade val="50000"/>
-              </a:schemeClr>
-            </a:lnRef>
-            <a:fillRef idx="1">
-              <a:schemeClr val="accent1"/>
-            </a:fillRef>
-            <a:effectRef idx="0">
-              <a:schemeClr val="accent1"/>
-            </a:effectRef>
-            <a:fontRef idx="minor">
-              <a:schemeClr val="lt1"/>
-            </a:fontRef>
-          </p:style>
-          <p:txBody>
-            <a:bodyPr rtlCol="0" anchor="ctr"/>
-            <a:lstStyle/>
-            <a:p>
-              <a:pPr algn="ctr"/>
-              <a:endParaRPr lang="es-CL"/>
-            </a:p>
-          </p:txBody>
-        </p:sp>
-        <p:sp>
-          <p:nvSpPr>
-            <p:cNvPr id="12" name="11 Rectángulo"/>
-            <p:cNvSpPr/>
-            <p:nvPr/>
-          </p:nvSpPr>
-          <p:spPr>
-            <a:xfrm>
-              <a:off x="1000100" y="3429000"/>
-              <a:ext cx="428628" cy="500066"/>
-            </a:xfrm>
-            <a:prstGeom prst="rect">
-              <a:avLst/>
-            </a:prstGeom>
-            <a:solidFill>
-              <a:schemeClr val="tx1">
-                <a:lumMod val="50000"/>
-                <a:lumOff val="50000"/>
-              </a:schemeClr>
-            </a:solidFill>
-            <a:ln>
-              <a:solidFill>
-                <a:schemeClr val="bg1">
-                  <a:lumMod val="85000"/>
-                </a:schemeClr>
-              </a:solidFill>
-            </a:ln>
-          </p:spPr>
-          <p:style>
-            <a:lnRef idx="2">
-              <a:schemeClr val="accent1">
-                <a:shade val="50000"/>
-              </a:schemeClr>
-            </a:lnRef>
-            <a:fillRef idx="1">
-              <a:schemeClr val="accent1"/>
-            </a:fillRef>
-            <a:effectRef idx="0">
-              <a:schemeClr val="accent1"/>
-            </a:effectRef>
-            <a:fontRef idx="minor">
-              <a:schemeClr val="lt1"/>
-            </a:fontRef>
-          </p:style>
-          <p:txBody>
-            <a:bodyPr rtlCol="0" anchor="ctr"/>
-            <a:lstStyle/>
-            <a:p>
-              <a:pPr algn="ctr"/>
-              <a:endParaRPr lang="es-CL"/>
-            </a:p>
-          </p:txBody>
-        </p:sp>
-        <p:sp>
-          <p:nvSpPr>
-            <p:cNvPr id="34" name="33 Rectángulo"/>
-            <p:cNvSpPr/>
-            <p:nvPr/>
-          </p:nvSpPr>
-          <p:spPr>
-            <a:xfrm>
-              <a:off x="2714612" y="2428868"/>
-              <a:ext cx="428628" cy="500066"/>
-            </a:xfrm>
-            <a:prstGeom prst="rect">
-              <a:avLst/>
-            </a:prstGeom>
-            <a:solidFill>
-              <a:schemeClr val="tx1">
-                <a:lumMod val="50000"/>
-                <a:lumOff val="50000"/>
-              </a:schemeClr>
-            </a:solidFill>
-            <a:ln>
-              <a:solidFill>
-                <a:schemeClr val="bg1">
-                  <a:lumMod val="85000"/>
-                </a:schemeClr>
-              </a:solidFill>
-            </a:ln>
-          </p:spPr>
-          <p:style>
-            <a:lnRef idx="2">
-              <a:schemeClr val="accent1">
-                <a:shade val="50000"/>
-              </a:schemeClr>
-            </a:lnRef>
-            <a:fillRef idx="1">
-              <a:schemeClr val="accent1"/>
-            </a:fillRef>
-            <a:effectRef idx="0">
-              <a:schemeClr val="accent1"/>
-            </a:effectRef>
-            <a:fontRef idx="minor">
-              <a:schemeClr val="lt1"/>
-            </a:fontRef>
-          </p:style>
-          <p:txBody>
-            <a:bodyPr rtlCol="0" anchor="ctr"/>
-            <a:lstStyle/>
-            <a:p>
-              <a:pPr algn="ctr"/>
-              <a:endParaRPr lang="es-CL"/>
-            </a:p>
-          </p:txBody>
-        </p:sp>
-      </p:grpSp>
       <p:sp>
         <p:nvSpPr>
           <p:cNvPr id="36" name="35 Rectángulo"/>
@@ -26987,6 +26625,322 @@
           </a:p>
         </p:txBody>
       </p:sp>
+      <p:grpSp>
+        <p:nvGrpSpPr>
+          <p:cNvPr id="69" name="86 Grupo">
+            <a:extLst>
+              <a:ext uri="{FF2B5EF4-FFF2-40B4-BE49-F238E27FC236}">
+                <a16:creationId xmlns:a16="http://schemas.microsoft.com/office/drawing/2014/main" id="{6539481B-E7E4-A443-87D4-DD8ED159B46C}"/>
+              </a:ext>
+            </a:extLst>
+          </p:cNvPr>
+          <p:cNvGrpSpPr/>
+          <p:nvPr/>
+        </p:nvGrpSpPr>
+        <p:grpSpPr>
+          <a:xfrm>
+            <a:off x="1000100" y="2428868"/>
+            <a:ext cx="2143140" cy="1500198"/>
+            <a:chOff x="1000100" y="2428868"/>
+            <a:chExt cx="2143140" cy="1500198"/>
+          </a:xfrm>
+        </p:grpSpPr>
+        <p:sp>
+          <p:nvSpPr>
+            <p:cNvPr id="70" name="3 Rectángulo">
+              <a:extLst>
+                <a:ext uri="{FF2B5EF4-FFF2-40B4-BE49-F238E27FC236}">
+                  <a16:creationId xmlns:a16="http://schemas.microsoft.com/office/drawing/2014/main" id="{2775D216-6497-D549-9200-3330CA00353D}"/>
+                </a:ext>
+              </a:extLst>
+            </p:cNvPr>
+            <p:cNvSpPr/>
+            <p:nvPr/>
+          </p:nvSpPr>
+          <p:spPr>
+            <a:xfrm>
+              <a:off x="1000100" y="2428868"/>
+              <a:ext cx="428628" cy="500066"/>
+            </a:xfrm>
+            <a:prstGeom prst="rect">
+              <a:avLst/>
+            </a:prstGeom>
+            <a:solidFill>
+              <a:schemeClr val="tx1">
+                <a:lumMod val="50000"/>
+                <a:lumOff val="50000"/>
+              </a:schemeClr>
+            </a:solidFill>
+            <a:ln>
+              <a:solidFill>
+                <a:schemeClr val="bg1">
+                  <a:lumMod val="85000"/>
+                </a:schemeClr>
+              </a:solidFill>
+            </a:ln>
+          </p:spPr>
+          <p:style>
+            <a:lnRef idx="2">
+              <a:schemeClr val="accent1">
+                <a:shade val="50000"/>
+              </a:schemeClr>
+            </a:lnRef>
+            <a:fillRef idx="1">
+              <a:schemeClr val="accent1"/>
+            </a:fillRef>
+            <a:effectRef idx="0">
+              <a:schemeClr val="accent1"/>
+            </a:effectRef>
+            <a:fontRef idx="minor">
+              <a:schemeClr val="lt1"/>
+            </a:fontRef>
+          </p:style>
+          <p:txBody>
+            <a:bodyPr rtlCol="0" anchor="ctr"/>
+            <a:lstStyle/>
+            <a:p>
+              <a:pPr algn="ctr"/>
+              <a:endParaRPr lang="es-CL"/>
+            </a:p>
+          </p:txBody>
+        </p:sp>
+        <p:sp>
+          <p:nvSpPr>
+            <p:cNvPr id="71" name="5 Rectángulo">
+              <a:extLst>
+                <a:ext uri="{FF2B5EF4-FFF2-40B4-BE49-F238E27FC236}">
+                  <a16:creationId xmlns:a16="http://schemas.microsoft.com/office/drawing/2014/main" id="{0B01EFB1-634E-8048-BFEB-CE9DD6177A34}"/>
+                </a:ext>
+              </a:extLst>
+            </p:cNvPr>
+            <p:cNvSpPr/>
+            <p:nvPr/>
+          </p:nvSpPr>
+          <p:spPr>
+            <a:xfrm>
+              <a:off x="1857356" y="2428868"/>
+              <a:ext cx="428628" cy="500066"/>
+            </a:xfrm>
+            <a:prstGeom prst="rect">
+              <a:avLst/>
+            </a:prstGeom>
+            <a:solidFill>
+              <a:schemeClr val="tx1">
+                <a:lumMod val="50000"/>
+                <a:lumOff val="50000"/>
+              </a:schemeClr>
+            </a:solidFill>
+            <a:ln>
+              <a:solidFill>
+                <a:schemeClr val="bg1">
+                  <a:lumMod val="85000"/>
+                </a:schemeClr>
+              </a:solidFill>
+            </a:ln>
+          </p:spPr>
+          <p:style>
+            <a:lnRef idx="2">
+              <a:schemeClr val="accent1">
+                <a:shade val="50000"/>
+              </a:schemeClr>
+            </a:lnRef>
+            <a:fillRef idx="1">
+              <a:schemeClr val="accent1"/>
+            </a:fillRef>
+            <a:effectRef idx="0">
+              <a:schemeClr val="accent1"/>
+            </a:effectRef>
+            <a:fontRef idx="minor">
+              <a:schemeClr val="lt1"/>
+            </a:fontRef>
+          </p:style>
+          <p:txBody>
+            <a:bodyPr rtlCol="0" anchor="ctr"/>
+            <a:lstStyle/>
+            <a:p>
+              <a:pPr algn="ctr"/>
+              <a:endParaRPr lang="es-CL"/>
+            </a:p>
+          </p:txBody>
+        </p:sp>
+        <p:sp>
+          <p:nvSpPr>
+            <p:cNvPr id="72" name="7 Rectángulo">
+              <a:extLst>
+                <a:ext uri="{FF2B5EF4-FFF2-40B4-BE49-F238E27FC236}">
+                  <a16:creationId xmlns:a16="http://schemas.microsoft.com/office/drawing/2014/main" id="{E20AA709-6FD7-F046-8E21-C03C1AC996FB}"/>
+                </a:ext>
+              </a:extLst>
+            </p:cNvPr>
+            <p:cNvSpPr/>
+            <p:nvPr/>
+          </p:nvSpPr>
+          <p:spPr>
+            <a:xfrm>
+              <a:off x="1000100" y="2928934"/>
+              <a:ext cx="428628" cy="500066"/>
+            </a:xfrm>
+            <a:prstGeom prst="rect">
+              <a:avLst/>
+            </a:prstGeom>
+            <a:solidFill>
+              <a:schemeClr val="tx1">
+                <a:lumMod val="50000"/>
+                <a:lumOff val="50000"/>
+              </a:schemeClr>
+            </a:solidFill>
+            <a:ln>
+              <a:solidFill>
+                <a:schemeClr val="bg1">
+                  <a:lumMod val="85000"/>
+                </a:schemeClr>
+              </a:solidFill>
+            </a:ln>
+          </p:spPr>
+          <p:style>
+            <a:lnRef idx="2">
+              <a:schemeClr val="accent1">
+                <a:shade val="50000"/>
+              </a:schemeClr>
+            </a:lnRef>
+            <a:fillRef idx="1">
+              <a:schemeClr val="accent1"/>
+            </a:fillRef>
+            <a:effectRef idx="0">
+              <a:schemeClr val="accent1"/>
+            </a:effectRef>
+            <a:fontRef idx="minor">
+              <a:schemeClr val="lt1"/>
+            </a:fontRef>
+          </p:style>
+          <p:txBody>
+            <a:bodyPr rtlCol="0" anchor="ctr"/>
+            <a:lstStyle/>
+            <a:p>
+              <a:pPr algn="ctr"/>
+              <a:endParaRPr lang="es-CL"/>
+            </a:p>
+          </p:txBody>
+        </p:sp>
+        <p:sp>
+          <p:nvSpPr>
+            <p:cNvPr id="73" name="11 Rectángulo">
+              <a:extLst>
+                <a:ext uri="{FF2B5EF4-FFF2-40B4-BE49-F238E27FC236}">
+                  <a16:creationId xmlns:a16="http://schemas.microsoft.com/office/drawing/2014/main" id="{ED8F552A-EBB0-CB4B-8CE4-BA0ACCFF353E}"/>
+                </a:ext>
+              </a:extLst>
+            </p:cNvPr>
+            <p:cNvSpPr/>
+            <p:nvPr/>
+          </p:nvSpPr>
+          <p:spPr>
+            <a:xfrm>
+              <a:off x="1000100" y="3429000"/>
+              <a:ext cx="428628" cy="500066"/>
+            </a:xfrm>
+            <a:prstGeom prst="rect">
+              <a:avLst/>
+            </a:prstGeom>
+            <a:solidFill>
+              <a:schemeClr val="tx1">
+                <a:lumMod val="50000"/>
+                <a:lumOff val="50000"/>
+              </a:schemeClr>
+            </a:solidFill>
+            <a:ln>
+              <a:solidFill>
+                <a:schemeClr val="bg1">
+                  <a:lumMod val="85000"/>
+                </a:schemeClr>
+              </a:solidFill>
+            </a:ln>
+          </p:spPr>
+          <p:style>
+            <a:lnRef idx="2">
+              <a:schemeClr val="accent1">
+                <a:shade val="50000"/>
+              </a:schemeClr>
+            </a:lnRef>
+            <a:fillRef idx="1">
+              <a:schemeClr val="accent1"/>
+            </a:fillRef>
+            <a:effectRef idx="0">
+              <a:schemeClr val="accent1"/>
+            </a:effectRef>
+            <a:fontRef idx="minor">
+              <a:schemeClr val="lt1"/>
+            </a:fontRef>
+          </p:style>
+          <p:txBody>
+            <a:bodyPr rtlCol="0" anchor="ctr"/>
+            <a:lstStyle/>
+            <a:p>
+              <a:pPr algn="ctr"/>
+              <a:endParaRPr lang="es-CL"/>
+            </a:p>
+          </p:txBody>
+        </p:sp>
+        <p:sp>
+          <p:nvSpPr>
+            <p:cNvPr id="74" name="33 Rectángulo">
+              <a:extLst>
+                <a:ext uri="{FF2B5EF4-FFF2-40B4-BE49-F238E27FC236}">
+                  <a16:creationId xmlns:a16="http://schemas.microsoft.com/office/drawing/2014/main" id="{11B0B288-8402-7F43-8821-679CB73286EC}"/>
+                </a:ext>
+              </a:extLst>
+            </p:cNvPr>
+            <p:cNvSpPr/>
+            <p:nvPr/>
+          </p:nvSpPr>
+          <p:spPr>
+            <a:xfrm>
+              <a:off x="2714612" y="2428868"/>
+              <a:ext cx="428628" cy="500066"/>
+            </a:xfrm>
+            <a:prstGeom prst="rect">
+              <a:avLst/>
+            </a:prstGeom>
+            <a:solidFill>
+              <a:schemeClr val="tx1">
+                <a:lumMod val="50000"/>
+                <a:lumOff val="50000"/>
+              </a:schemeClr>
+            </a:solidFill>
+            <a:ln>
+              <a:solidFill>
+                <a:schemeClr val="bg1">
+                  <a:lumMod val="85000"/>
+                </a:schemeClr>
+              </a:solidFill>
+            </a:ln>
+          </p:spPr>
+          <p:style>
+            <a:lnRef idx="2">
+              <a:schemeClr val="accent1">
+                <a:shade val="50000"/>
+              </a:schemeClr>
+            </a:lnRef>
+            <a:fillRef idx="1">
+              <a:schemeClr val="accent1"/>
+            </a:fillRef>
+            <a:effectRef idx="0">
+              <a:schemeClr val="accent1"/>
+            </a:effectRef>
+            <a:fontRef idx="minor">
+              <a:schemeClr val="lt1"/>
+            </a:fontRef>
+          </p:style>
+          <p:txBody>
+            <a:bodyPr rtlCol="0" anchor="ctr"/>
+            <a:lstStyle/>
+            <a:p>
+              <a:pPr algn="ctr"/>
+              <a:endParaRPr lang="es-CL"/>
+            </a:p>
+          </p:txBody>
+        </p:sp>
+      </p:grpSp>
     </p:spTree>
     <p:extLst>
       <p:ext uri="{BB962C8B-B14F-4D97-AF65-F5344CB8AC3E}">
@@ -27027,7 +26981,7 @@
                                       <p:cBhvr>
                                         <p:cTn id="6" dur="2000" fill="hold"/>
                                         <p:tgtEl>
-                                          <p:spTgt spid="87"/>
+                                          <p:spTgt spid="69"/>
                                         </p:tgtEl>
                                         <p:attrNameLst>
                                           <p:attrName>ppt_x</p:attrName>
@@ -27057,7 +27011,7 @@
                                       <p:cBhvr>
                                         <p:cTn id="9" dur="500"/>
                                         <p:tgtEl>
-                                          <p:spTgt spid="87"/>
+                                          <p:spTgt spid="69"/>
                                         </p:tgtEl>
                                       </p:cBhvr>
                                     </p:animEffect>
@@ -27069,7 +27023,7 @@
                                           </p:stCondLst>
                                         </p:cTn>
                                         <p:tgtEl>
-                                          <p:spTgt spid="87"/>
+                                          <p:spTgt spid="69"/>
                                         </p:tgtEl>
                                         <p:attrNameLst>
                                           <p:attrName>style.visibility</p:attrName>
@@ -27189,7 +27143,10 @@
             <a:avLst/>
           </a:prstGeom>
           <a:solidFill>
-            <a:schemeClr val="bg1"/>
+            <a:schemeClr val="accent6">
+              <a:lumMod val="60000"/>
+              <a:lumOff val="40000"/>
+            </a:schemeClr>
           </a:solidFill>
           <a:ln>
             <a:solidFill>
@@ -27237,7 +27194,10 @@
             <a:avLst/>
           </a:prstGeom>
           <a:solidFill>
-            <a:schemeClr val="bg1"/>
+            <a:schemeClr val="accent6">
+              <a:lumMod val="60000"/>
+              <a:lumOff val="40000"/>
+            </a:schemeClr>
           </a:solidFill>
           <a:ln>
             <a:solidFill>
@@ -27285,7 +27245,10 @@
             <a:avLst/>
           </a:prstGeom>
           <a:solidFill>
-            <a:schemeClr val="bg1"/>
+            <a:schemeClr val="accent6">
+              <a:lumMod val="60000"/>
+              <a:lumOff val="40000"/>
+            </a:schemeClr>
           </a:solidFill>
           <a:ln>
             <a:solidFill>
@@ -27333,7 +27296,10 @@
             <a:avLst/>
           </a:prstGeom>
           <a:solidFill>
-            <a:schemeClr val="bg1"/>
+            <a:schemeClr val="accent6">
+              <a:lumMod val="60000"/>
+              <a:lumOff val="40000"/>
+            </a:schemeClr>
           </a:solidFill>
           <a:ln>
             <a:solidFill>
@@ -27381,7 +27347,10 @@
             <a:avLst/>
           </a:prstGeom>
           <a:solidFill>
-            <a:schemeClr val="bg1"/>
+            <a:schemeClr val="accent6">
+              <a:lumMod val="60000"/>
+              <a:lumOff val="40000"/>
+            </a:schemeClr>
           </a:solidFill>
           <a:ln>
             <a:solidFill>
@@ -27429,7 +27398,10 @@
             <a:avLst/>
           </a:prstGeom>
           <a:solidFill>
-            <a:schemeClr val="bg1"/>
+            <a:schemeClr val="accent6">
+              <a:lumMod val="60000"/>
+              <a:lumOff val="40000"/>
+            </a:schemeClr>
           </a:solidFill>
           <a:ln>
             <a:solidFill>
@@ -27477,7 +27449,10 @@
             <a:avLst/>
           </a:prstGeom>
           <a:solidFill>
-            <a:schemeClr val="bg1"/>
+            <a:schemeClr val="accent6">
+              <a:lumMod val="60000"/>
+              <a:lumOff val="40000"/>
+            </a:schemeClr>
           </a:solidFill>
           <a:ln>
             <a:solidFill>
@@ -27525,7 +27500,10 @@
             <a:avLst/>
           </a:prstGeom>
           <a:solidFill>
-            <a:schemeClr val="bg1"/>
+            <a:schemeClr val="accent6">
+              <a:lumMod val="60000"/>
+              <a:lumOff val="40000"/>
+            </a:schemeClr>
           </a:solidFill>
           <a:ln>
             <a:solidFill>
@@ -27573,7 +27551,10 @@
             <a:avLst/>
           </a:prstGeom>
           <a:solidFill>
-            <a:schemeClr val="bg1"/>
+            <a:schemeClr val="accent6">
+              <a:lumMod val="60000"/>
+              <a:lumOff val="40000"/>
+            </a:schemeClr>
           </a:solidFill>
           <a:ln>
             <a:solidFill>
@@ -27621,7 +27602,10 @@
             <a:avLst/>
           </a:prstGeom>
           <a:solidFill>
-            <a:schemeClr val="bg1"/>
+            <a:schemeClr val="accent6">
+              <a:lumMod val="60000"/>
+              <a:lumOff val="40000"/>
+            </a:schemeClr>
           </a:solidFill>
           <a:ln>
             <a:solidFill>
@@ -27669,7 +27653,10 @@
             <a:avLst/>
           </a:prstGeom>
           <a:solidFill>
-            <a:schemeClr val="bg1"/>
+            <a:schemeClr val="accent6">
+              <a:lumMod val="60000"/>
+              <a:lumOff val="40000"/>
+            </a:schemeClr>
           </a:solidFill>
           <a:ln>
             <a:solidFill>
@@ -27717,7 +27704,10 @@
             <a:avLst/>
           </a:prstGeom>
           <a:solidFill>
-            <a:schemeClr val="bg1"/>
+            <a:schemeClr val="accent6">
+              <a:lumMod val="60000"/>
+              <a:lumOff val="40000"/>
+            </a:schemeClr>
           </a:solidFill>
           <a:ln>
             <a:solidFill>
@@ -27969,7 +27959,10 @@
             <a:avLst/>
           </a:prstGeom>
           <a:solidFill>
-            <a:schemeClr val="bg1"/>
+            <a:schemeClr val="accent6">
+              <a:lumMod val="60000"/>
+              <a:lumOff val="40000"/>
+            </a:schemeClr>
           </a:solidFill>
           <a:ln>
             <a:solidFill>
@@ -28017,7 +28010,10 @@
             <a:avLst/>
           </a:prstGeom>
           <a:solidFill>
-            <a:schemeClr val="bg1"/>
+            <a:schemeClr val="accent6">
+              <a:lumMod val="60000"/>
+              <a:lumOff val="40000"/>
+            </a:schemeClr>
           </a:solidFill>
           <a:ln>
             <a:solidFill>
@@ -28065,7 +28061,10 @@
             <a:avLst/>
           </a:prstGeom>
           <a:solidFill>
-            <a:schemeClr val="bg1"/>
+            <a:schemeClr val="accent6">
+              <a:lumMod val="60000"/>
+              <a:lumOff val="40000"/>
+            </a:schemeClr>
           </a:solidFill>
           <a:ln>
             <a:solidFill>
@@ -28113,7 +28112,10 @@
             <a:avLst/>
           </a:prstGeom>
           <a:solidFill>
-            <a:schemeClr val="bg1"/>
+            <a:schemeClr val="accent6">
+              <a:lumMod val="60000"/>
+              <a:lumOff val="40000"/>
+            </a:schemeClr>
           </a:solidFill>
           <a:ln>
             <a:solidFill>
@@ -28161,7 +28163,10 @@
             <a:avLst/>
           </a:prstGeom>
           <a:solidFill>
-            <a:schemeClr val="bg1"/>
+            <a:schemeClr val="accent6">
+              <a:lumMod val="60000"/>
+              <a:lumOff val="40000"/>
+            </a:schemeClr>
           </a:solidFill>
           <a:ln>
             <a:solidFill>
@@ -28209,7 +28214,10 @@
             <a:avLst/>
           </a:prstGeom>
           <a:solidFill>
-            <a:schemeClr val="bg1"/>
+            <a:schemeClr val="accent6">
+              <a:lumMod val="60000"/>
+              <a:lumOff val="40000"/>
+            </a:schemeClr>
           </a:solidFill>
           <a:ln>
             <a:solidFill>
@@ -28556,392 +28564,6 @@
           </a:p>
         </p:txBody>
       </p:sp>
-      <p:grpSp>
-        <p:nvGrpSpPr>
-          <p:cNvPr id="87" name="86 Grupo"/>
-          <p:cNvGrpSpPr/>
-          <p:nvPr/>
-        </p:nvGrpSpPr>
-        <p:grpSpPr>
-          <a:xfrm>
-            <a:off x="571472" y="2428868"/>
-            <a:ext cx="2571768" cy="1500198"/>
-            <a:chOff x="571472" y="2428868"/>
-            <a:chExt cx="2571768" cy="1500198"/>
-          </a:xfrm>
-        </p:grpSpPr>
-        <p:sp>
-          <p:nvSpPr>
-            <p:cNvPr id="5" name="4 Rectángulo"/>
-            <p:cNvSpPr/>
-            <p:nvPr/>
-          </p:nvSpPr>
-          <p:spPr>
-            <a:xfrm>
-              <a:off x="1428728" y="2428868"/>
-              <a:ext cx="428628" cy="500066"/>
-            </a:xfrm>
-            <a:prstGeom prst="rect">
-              <a:avLst/>
-            </a:prstGeom>
-            <a:solidFill>
-              <a:schemeClr val="tx1">
-                <a:lumMod val="75000"/>
-                <a:lumOff val="25000"/>
-              </a:schemeClr>
-            </a:solidFill>
-            <a:ln>
-              <a:solidFill>
-                <a:schemeClr val="bg1">
-                  <a:lumMod val="85000"/>
-                </a:schemeClr>
-              </a:solidFill>
-            </a:ln>
-          </p:spPr>
-          <p:style>
-            <a:lnRef idx="2">
-              <a:schemeClr val="accent1">
-                <a:shade val="50000"/>
-              </a:schemeClr>
-            </a:lnRef>
-            <a:fillRef idx="1">
-              <a:schemeClr val="accent1"/>
-            </a:fillRef>
-            <a:effectRef idx="0">
-              <a:schemeClr val="accent1"/>
-            </a:effectRef>
-            <a:fontRef idx="minor">
-              <a:schemeClr val="lt1"/>
-            </a:fontRef>
-          </p:style>
-          <p:txBody>
-            <a:bodyPr rtlCol="0" anchor="ctr"/>
-            <a:lstStyle/>
-            <a:p>
-              <a:pPr algn="ctr"/>
-              <a:endParaRPr lang="es-CL"/>
-            </a:p>
-          </p:txBody>
-        </p:sp>
-        <p:sp>
-          <p:nvSpPr>
-            <p:cNvPr id="10" name="9 Rectángulo"/>
-            <p:cNvSpPr/>
-            <p:nvPr/>
-          </p:nvSpPr>
-          <p:spPr>
-            <a:xfrm>
-              <a:off x="1857356" y="2928934"/>
-              <a:ext cx="428628" cy="500066"/>
-            </a:xfrm>
-            <a:prstGeom prst="rect">
-              <a:avLst/>
-            </a:prstGeom>
-            <a:solidFill>
-              <a:schemeClr val="tx1">
-                <a:lumMod val="75000"/>
-                <a:lumOff val="25000"/>
-              </a:schemeClr>
-            </a:solidFill>
-            <a:ln>
-              <a:solidFill>
-                <a:schemeClr val="bg1">
-                  <a:lumMod val="85000"/>
-                </a:schemeClr>
-              </a:solidFill>
-            </a:ln>
-          </p:spPr>
-          <p:style>
-            <a:lnRef idx="2">
-              <a:schemeClr val="accent1">
-                <a:shade val="50000"/>
-              </a:schemeClr>
-            </a:lnRef>
-            <a:fillRef idx="1">
-              <a:schemeClr val="accent1"/>
-            </a:fillRef>
-            <a:effectRef idx="0">
-              <a:schemeClr val="accent1"/>
-            </a:effectRef>
-            <a:fontRef idx="minor">
-              <a:schemeClr val="lt1"/>
-            </a:fontRef>
-          </p:style>
-          <p:txBody>
-            <a:bodyPr rtlCol="0" anchor="ctr"/>
-            <a:lstStyle/>
-            <a:p>
-              <a:pPr algn="ctr"/>
-              <a:endParaRPr lang="es-CL"/>
-            </a:p>
-          </p:txBody>
-        </p:sp>
-        <p:sp>
-          <p:nvSpPr>
-            <p:cNvPr id="11" name="10 Rectángulo"/>
-            <p:cNvSpPr/>
-            <p:nvPr/>
-          </p:nvSpPr>
-          <p:spPr>
-            <a:xfrm>
-              <a:off x="2285984" y="2928934"/>
-              <a:ext cx="428628" cy="500066"/>
-            </a:xfrm>
-            <a:prstGeom prst="rect">
-              <a:avLst/>
-            </a:prstGeom>
-            <a:solidFill>
-              <a:schemeClr val="tx1">
-                <a:lumMod val="75000"/>
-                <a:lumOff val="25000"/>
-              </a:schemeClr>
-            </a:solidFill>
-            <a:ln>
-              <a:solidFill>
-                <a:schemeClr val="bg1">
-                  <a:lumMod val="85000"/>
-                </a:schemeClr>
-              </a:solidFill>
-            </a:ln>
-          </p:spPr>
-          <p:style>
-            <a:lnRef idx="2">
-              <a:schemeClr val="accent1">
-                <a:shade val="50000"/>
-              </a:schemeClr>
-            </a:lnRef>
-            <a:fillRef idx="1">
-              <a:schemeClr val="accent1"/>
-            </a:fillRef>
-            <a:effectRef idx="0">
-              <a:schemeClr val="accent1"/>
-            </a:effectRef>
-            <a:fontRef idx="minor">
-              <a:schemeClr val="lt1"/>
-            </a:fontRef>
-          </p:style>
-          <p:txBody>
-            <a:bodyPr rtlCol="0" anchor="ctr"/>
-            <a:lstStyle/>
-            <a:p>
-              <a:pPr algn="ctr"/>
-              <a:endParaRPr lang="es-CL"/>
-            </a:p>
-          </p:txBody>
-        </p:sp>
-        <p:sp>
-          <p:nvSpPr>
-            <p:cNvPr id="15" name="14 Rectángulo"/>
-            <p:cNvSpPr/>
-            <p:nvPr/>
-          </p:nvSpPr>
-          <p:spPr>
-            <a:xfrm>
-              <a:off x="2285984" y="3429000"/>
-              <a:ext cx="428628" cy="500066"/>
-            </a:xfrm>
-            <a:prstGeom prst="rect">
-              <a:avLst/>
-            </a:prstGeom>
-            <a:solidFill>
-              <a:schemeClr val="tx1">
-                <a:lumMod val="75000"/>
-                <a:lumOff val="25000"/>
-              </a:schemeClr>
-            </a:solidFill>
-            <a:ln>
-              <a:solidFill>
-                <a:schemeClr val="bg1">
-                  <a:lumMod val="85000"/>
-                </a:schemeClr>
-              </a:solidFill>
-            </a:ln>
-          </p:spPr>
-          <p:style>
-            <a:lnRef idx="2">
-              <a:schemeClr val="accent1">
-                <a:shade val="50000"/>
-              </a:schemeClr>
-            </a:lnRef>
-            <a:fillRef idx="1">
-              <a:schemeClr val="accent1"/>
-            </a:fillRef>
-            <a:effectRef idx="0">
-              <a:schemeClr val="accent1"/>
-            </a:effectRef>
-            <a:fontRef idx="minor">
-              <a:schemeClr val="lt1"/>
-            </a:fontRef>
-          </p:style>
-          <p:txBody>
-            <a:bodyPr rtlCol="0" anchor="ctr"/>
-            <a:lstStyle/>
-            <a:p>
-              <a:pPr algn="ctr"/>
-              <a:endParaRPr lang="es-CL"/>
-            </a:p>
-          </p:txBody>
-        </p:sp>
-        <p:sp>
-          <p:nvSpPr>
-            <p:cNvPr id="36" name="35 Rectángulo"/>
-            <p:cNvSpPr/>
-            <p:nvPr/>
-          </p:nvSpPr>
-          <p:spPr>
-            <a:xfrm>
-              <a:off x="2714612" y="2928934"/>
-              <a:ext cx="428628" cy="500066"/>
-            </a:xfrm>
-            <a:prstGeom prst="rect">
-              <a:avLst/>
-            </a:prstGeom>
-            <a:solidFill>
-              <a:schemeClr val="tx1">
-                <a:lumMod val="75000"/>
-                <a:lumOff val="25000"/>
-              </a:schemeClr>
-            </a:solidFill>
-            <a:ln>
-              <a:solidFill>
-                <a:schemeClr val="bg1">
-                  <a:lumMod val="85000"/>
-                </a:schemeClr>
-              </a:solidFill>
-            </a:ln>
-          </p:spPr>
-          <p:style>
-            <a:lnRef idx="2">
-              <a:schemeClr val="accent1">
-                <a:shade val="50000"/>
-              </a:schemeClr>
-            </a:lnRef>
-            <a:fillRef idx="1">
-              <a:schemeClr val="accent1"/>
-            </a:fillRef>
-            <a:effectRef idx="0">
-              <a:schemeClr val="accent1"/>
-            </a:effectRef>
-            <a:fontRef idx="minor">
-              <a:schemeClr val="lt1"/>
-            </a:fontRef>
-          </p:style>
-          <p:txBody>
-            <a:bodyPr rtlCol="0" anchor="ctr"/>
-            <a:lstStyle/>
-            <a:p>
-              <a:pPr algn="ctr"/>
-              <a:endParaRPr lang="es-CL"/>
-            </a:p>
-          </p:txBody>
-        </p:sp>
-        <p:sp>
-          <p:nvSpPr>
-            <p:cNvPr id="37" name="36 Rectángulo"/>
-            <p:cNvSpPr/>
-            <p:nvPr/>
-          </p:nvSpPr>
-          <p:spPr>
-            <a:xfrm>
-              <a:off x="571472" y="2928934"/>
-              <a:ext cx="428628" cy="500066"/>
-            </a:xfrm>
-            <a:prstGeom prst="rect">
-              <a:avLst/>
-            </a:prstGeom>
-            <a:solidFill>
-              <a:schemeClr val="tx1">
-                <a:lumMod val="75000"/>
-                <a:lumOff val="25000"/>
-              </a:schemeClr>
-            </a:solidFill>
-            <a:ln>
-              <a:solidFill>
-                <a:schemeClr val="bg1">
-                  <a:lumMod val="85000"/>
-                </a:schemeClr>
-              </a:solidFill>
-            </a:ln>
-          </p:spPr>
-          <p:style>
-            <a:lnRef idx="2">
-              <a:schemeClr val="accent1">
-                <a:shade val="50000"/>
-              </a:schemeClr>
-            </a:lnRef>
-            <a:fillRef idx="1">
-              <a:schemeClr val="accent1"/>
-            </a:fillRef>
-            <a:effectRef idx="0">
-              <a:schemeClr val="accent1"/>
-            </a:effectRef>
-            <a:fontRef idx="minor">
-              <a:schemeClr val="lt1"/>
-            </a:fontRef>
-          </p:style>
-          <p:txBody>
-            <a:bodyPr rtlCol="0" anchor="ctr"/>
-            <a:lstStyle/>
-            <a:p>
-              <a:pPr algn="ctr"/>
-              <a:endParaRPr lang="es-CL"/>
-            </a:p>
-          </p:txBody>
-        </p:sp>
-        <p:sp>
-          <p:nvSpPr>
-            <p:cNvPr id="39" name="38 Rectángulo"/>
-            <p:cNvSpPr/>
-            <p:nvPr/>
-          </p:nvSpPr>
-          <p:spPr>
-            <a:xfrm>
-              <a:off x="571472" y="3429000"/>
-              <a:ext cx="428628" cy="500066"/>
-            </a:xfrm>
-            <a:prstGeom prst="rect">
-              <a:avLst/>
-            </a:prstGeom>
-            <a:solidFill>
-              <a:schemeClr val="tx1">
-                <a:lumMod val="75000"/>
-                <a:lumOff val="25000"/>
-              </a:schemeClr>
-            </a:solidFill>
-            <a:ln>
-              <a:solidFill>
-                <a:schemeClr val="bg1">
-                  <a:lumMod val="85000"/>
-                </a:schemeClr>
-              </a:solidFill>
-            </a:ln>
-          </p:spPr>
-          <p:style>
-            <a:lnRef idx="2">
-              <a:schemeClr val="accent1">
-                <a:shade val="50000"/>
-              </a:schemeClr>
-            </a:lnRef>
-            <a:fillRef idx="1">
-              <a:schemeClr val="accent1"/>
-            </a:fillRef>
-            <a:effectRef idx="0">
-              <a:schemeClr val="accent1"/>
-            </a:effectRef>
-            <a:fontRef idx="minor">
-              <a:schemeClr val="lt1"/>
-            </a:fontRef>
-          </p:style>
-          <p:txBody>
-            <a:bodyPr rtlCol="0" anchor="ctr"/>
-            <a:lstStyle/>
-            <a:p>
-              <a:pPr algn="ctr"/>
-              <a:endParaRPr lang="es-CL"/>
-            </a:p>
-          </p:txBody>
-        </p:sp>
-      </p:grpSp>
       <p:sp>
         <p:nvSpPr>
           <p:cNvPr id="40" name="39 Rectángulo"/>
@@ -30606,6 +30228,440 @@
           </a:p>
         </p:txBody>
       </p:sp>
+      <p:grpSp>
+        <p:nvGrpSpPr>
+          <p:cNvPr id="73" name="86 Grupo">
+            <a:extLst>
+              <a:ext uri="{FF2B5EF4-FFF2-40B4-BE49-F238E27FC236}">
+                <a16:creationId xmlns:a16="http://schemas.microsoft.com/office/drawing/2014/main" id="{4E80C3DC-C53E-FF4A-B6E1-5B2E4D113DEA}"/>
+              </a:ext>
+            </a:extLst>
+          </p:cNvPr>
+          <p:cNvGrpSpPr/>
+          <p:nvPr/>
+        </p:nvGrpSpPr>
+        <p:grpSpPr>
+          <a:xfrm>
+            <a:off x="571472" y="2428868"/>
+            <a:ext cx="2571768" cy="1500198"/>
+            <a:chOff x="571472" y="2428868"/>
+            <a:chExt cx="2571768" cy="1500198"/>
+          </a:xfrm>
+        </p:grpSpPr>
+        <p:sp>
+          <p:nvSpPr>
+            <p:cNvPr id="74" name="4 Rectángulo">
+              <a:extLst>
+                <a:ext uri="{FF2B5EF4-FFF2-40B4-BE49-F238E27FC236}">
+                  <a16:creationId xmlns:a16="http://schemas.microsoft.com/office/drawing/2014/main" id="{AF3ED375-348F-9348-9A2A-C6F42699D762}"/>
+                </a:ext>
+              </a:extLst>
+            </p:cNvPr>
+            <p:cNvSpPr/>
+            <p:nvPr/>
+          </p:nvSpPr>
+          <p:spPr>
+            <a:xfrm>
+              <a:off x="1428728" y="2428868"/>
+              <a:ext cx="428628" cy="500066"/>
+            </a:xfrm>
+            <a:prstGeom prst="rect">
+              <a:avLst/>
+            </a:prstGeom>
+            <a:solidFill>
+              <a:schemeClr val="tx1">
+                <a:lumMod val="75000"/>
+                <a:lumOff val="25000"/>
+              </a:schemeClr>
+            </a:solidFill>
+            <a:ln>
+              <a:solidFill>
+                <a:schemeClr val="bg1">
+                  <a:lumMod val="85000"/>
+                </a:schemeClr>
+              </a:solidFill>
+            </a:ln>
+          </p:spPr>
+          <p:style>
+            <a:lnRef idx="2">
+              <a:schemeClr val="accent1">
+                <a:shade val="50000"/>
+              </a:schemeClr>
+            </a:lnRef>
+            <a:fillRef idx="1">
+              <a:schemeClr val="accent1"/>
+            </a:fillRef>
+            <a:effectRef idx="0">
+              <a:schemeClr val="accent1"/>
+            </a:effectRef>
+            <a:fontRef idx="minor">
+              <a:schemeClr val="lt1"/>
+            </a:fontRef>
+          </p:style>
+          <p:txBody>
+            <a:bodyPr rtlCol="0" anchor="ctr"/>
+            <a:lstStyle/>
+            <a:p>
+              <a:pPr algn="ctr"/>
+              <a:endParaRPr lang="es-CL"/>
+            </a:p>
+          </p:txBody>
+        </p:sp>
+        <p:sp>
+          <p:nvSpPr>
+            <p:cNvPr id="75" name="9 Rectángulo">
+              <a:extLst>
+                <a:ext uri="{FF2B5EF4-FFF2-40B4-BE49-F238E27FC236}">
+                  <a16:creationId xmlns:a16="http://schemas.microsoft.com/office/drawing/2014/main" id="{52AF3D79-E155-B14C-BC6C-540ACCBF27D1}"/>
+                </a:ext>
+              </a:extLst>
+            </p:cNvPr>
+            <p:cNvSpPr/>
+            <p:nvPr/>
+          </p:nvSpPr>
+          <p:spPr>
+            <a:xfrm>
+              <a:off x="1857356" y="2928934"/>
+              <a:ext cx="428628" cy="500066"/>
+            </a:xfrm>
+            <a:prstGeom prst="rect">
+              <a:avLst/>
+            </a:prstGeom>
+            <a:solidFill>
+              <a:schemeClr val="tx1">
+                <a:lumMod val="75000"/>
+                <a:lumOff val="25000"/>
+              </a:schemeClr>
+            </a:solidFill>
+            <a:ln>
+              <a:solidFill>
+                <a:schemeClr val="bg1">
+                  <a:lumMod val="85000"/>
+                </a:schemeClr>
+              </a:solidFill>
+            </a:ln>
+          </p:spPr>
+          <p:style>
+            <a:lnRef idx="2">
+              <a:schemeClr val="accent1">
+                <a:shade val="50000"/>
+              </a:schemeClr>
+            </a:lnRef>
+            <a:fillRef idx="1">
+              <a:schemeClr val="accent1"/>
+            </a:fillRef>
+            <a:effectRef idx="0">
+              <a:schemeClr val="accent1"/>
+            </a:effectRef>
+            <a:fontRef idx="minor">
+              <a:schemeClr val="lt1"/>
+            </a:fontRef>
+          </p:style>
+          <p:txBody>
+            <a:bodyPr rtlCol="0" anchor="ctr"/>
+            <a:lstStyle/>
+            <a:p>
+              <a:pPr algn="ctr"/>
+              <a:endParaRPr lang="es-CL"/>
+            </a:p>
+          </p:txBody>
+        </p:sp>
+        <p:sp>
+          <p:nvSpPr>
+            <p:cNvPr id="76" name="10 Rectángulo">
+              <a:extLst>
+                <a:ext uri="{FF2B5EF4-FFF2-40B4-BE49-F238E27FC236}">
+                  <a16:creationId xmlns:a16="http://schemas.microsoft.com/office/drawing/2014/main" id="{C1CD2F02-51FD-C941-A8BE-7C8A4F3EB243}"/>
+                </a:ext>
+              </a:extLst>
+            </p:cNvPr>
+            <p:cNvSpPr/>
+            <p:nvPr/>
+          </p:nvSpPr>
+          <p:spPr>
+            <a:xfrm>
+              <a:off x="2285984" y="2928934"/>
+              <a:ext cx="428628" cy="500066"/>
+            </a:xfrm>
+            <a:prstGeom prst="rect">
+              <a:avLst/>
+            </a:prstGeom>
+            <a:solidFill>
+              <a:schemeClr val="tx1">
+                <a:lumMod val="75000"/>
+                <a:lumOff val="25000"/>
+              </a:schemeClr>
+            </a:solidFill>
+            <a:ln>
+              <a:solidFill>
+                <a:schemeClr val="bg1">
+                  <a:lumMod val="85000"/>
+                </a:schemeClr>
+              </a:solidFill>
+            </a:ln>
+          </p:spPr>
+          <p:style>
+            <a:lnRef idx="2">
+              <a:schemeClr val="accent1">
+                <a:shade val="50000"/>
+              </a:schemeClr>
+            </a:lnRef>
+            <a:fillRef idx="1">
+              <a:schemeClr val="accent1"/>
+            </a:fillRef>
+            <a:effectRef idx="0">
+              <a:schemeClr val="accent1"/>
+            </a:effectRef>
+            <a:fontRef idx="minor">
+              <a:schemeClr val="lt1"/>
+            </a:fontRef>
+          </p:style>
+          <p:txBody>
+            <a:bodyPr rtlCol="0" anchor="ctr"/>
+            <a:lstStyle/>
+            <a:p>
+              <a:pPr algn="ctr"/>
+              <a:endParaRPr lang="es-CL"/>
+            </a:p>
+          </p:txBody>
+        </p:sp>
+        <p:sp>
+          <p:nvSpPr>
+            <p:cNvPr id="77" name="14 Rectángulo">
+              <a:extLst>
+                <a:ext uri="{FF2B5EF4-FFF2-40B4-BE49-F238E27FC236}">
+                  <a16:creationId xmlns:a16="http://schemas.microsoft.com/office/drawing/2014/main" id="{6FD1D507-3DF1-9543-87EC-99A8D0885CFA}"/>
+                </a:ext>
+              </a:extLst>
+            </p:cNvPr>
+            <p:cNvSpPr/>
+            <p:nvPr/>
+          </p:nvSpPr>
+          <p:spPr>
+            <a:xfrm>
+              <a:off x="2285984" y="3429000"/>
+              <a:ext cx="428628" cy="500066"/>
+            </a:xfrm>
+            <a:prstGeom prst="rect">
+              <a:avLst/>
+            </a:prstGeom>
+            <a:solidFill>
+              <a:schemeClr val="tx1">
+                <a:lumMod val="75000"/>
+                <a:lumOff val="25000"/>
+              </a:schemeClr>
+            </a:solidFill>
+            <a:ln>
+              <a:solidFill>
+                <a:schemeClr val="bg1">
+                  <a:lumMod val="85000"/>
+                </a:schemeClr>
+              </a:solidFill>
+            </a:ln>
+          </p:spPr>
+          <p:style>
+            <a:lnRef idx="2">
+              <a:schemeClr val="accent1">
+                <a:shade val="50000"/>
+              </a:schemeClr>
+            </a:lnRef>
+            <a:fillRef idx="1">
+              <a:schemeClr val="accent1"/>
+            </a:fillRef>
+            <a:effectRef idx="0">
+              <a:schemeClr val="accent1"/>
+            </a:effectRef>
+            <a:fontRef idx="minor">
+              <a:schemeClr val="lt1"/>
+            </a:fontRef>
+          </p:style>
+          <p:txBody>
+            <a:bodyPr rtlCol="0" anchor="ctr"/>
+            <a:lstStyle/>
+            <a:p>
+              <a:pPr algn="ctr"/>
+              <a:endParaRPr lang="es-CL"/>
+            </a:p>
+          </p:txBody>
+        </p:sp>
+        <p:sp>
+          <p:nvSpPr>
+            <p:cNvPr id="78" name="35 Rectángulo">
+              <a:extLst>
+                <a:ext uri="{FF2B5EF4-FFF2-40B4-BE49-F238E27FC236}">
+                  <a16:creationId xmlns:a16="http://schemas.microsoft.com/office/drawing/2014/main" id="{250F21C4-1918-E449-A0D6-9D0D6CF458D1}"/>
+                </a:ext>
+              </a:extLst>
+            </p:cNvPr>
+            <p:cNvSpPr/>
+            <p:nvPr/>
+          </p:nvSpPr>
+          <p:spPr>
+            <a:xfrm>
+              <a:off x="2714612" y="2928934"/>
+              <a:ext cx="428628" cy="500066"/>
+            </a:xfrm>
+            <a:prstGeom prst="rect">
+              <a:avLst/>
+            </a:prstGeom>
+            <a:solidFill>
+              <a:schemeClr val="tx1">
+                <a:lumMod val="75000"/>
+                <a:lumOff val="25000"/>
+              </a:schemeClr>
+            </a:solidFill>
+            <a:ln>
+              <a:solidFill>
+                <a:schemeClr val="bg1">
+                  <a:lumMod val="85000"/>
+                </a:schemeClr>
+              </a:solidFill>
+            </a:ln>
+          </p:spPr>
+          <p:style>
+            <a:lnRef idx="2">
+              <a:schemeClr val="accent1">
+                <a:shade val="50000"/>
+              </a:schemeClr>
+            </a:lnRef>
+            <a:fillRef idx="1">
+              <a:schemeClr val="accent1"/>
+            </a:fillRef>
+            <a:effectRef idx="0">
+              <a:schemeClr val="accent1"/>
+            </a:effectRef>
+            <a:fontRef idx="minor">
+              <a:schemeClr val="lt1"/>
+            </a:fontRef>
+          </p:style>
+          <p:txBody>
+            <a:bodyPr rtlCol="0" anchor="ctr"/>
+            <a:lstStyle/>
+            <a:p>
+              <a:pPr algn="ctr"/>
+              <a:endParaRPr lang="es-CL"/>
+            </a:p>
+          </p:txBody>
+        </p:sp>
+        <p:sp>
+          <p:nvSpPr>
+            <p:cNvPr id="79" name="36 Rectángulo">
+              <a:extLst>
+                <a:ext uri="{FF2B5EF4-FFF2-40B4-BE49-F238E27FC236}">
+                  <a16:creationId xmlns:a16="http://schemas.microsoft.com/office/drawing/2014/main" id="{DEDA10D9-ACE7-8348-B936-DF9BD1E293AE}"/>
+                </a:ext>
+              </a:extLst>
+            </p:cNvPr>
+            <p:cNvSpPr/>
+            <p:nvPr/>
+          </p:nvSpPr>
+          <p:spPr>
+            <a:xfrm>
+              <a:off x="571472" y="2928934"/>
+              <a:ext cx="428628" cy="500066"/>
+            </a:xfrm>
+            <a:prstGeom prst="rect">
+              <a:avLst/>
+            </a:prstGeom>
+            <a:solidFill>
+              <a:schemeClr val="tx1">
+                <a:lumMod val="75000"/>
+                <a:lumOff val="25000"/>
+              </a:schemeClr>
+            </a:solidFill>
+            <a:ln>
+              <a:solidFill>
+                <a:schemeClr val="bg1">
+                  <a:lumMod val="85000"/>
+                </a:schemeClr>
+              </a:solidFill>
+            </a:ln>
+          </p:spPr>
+          <p:style>
+            <a:lnRef idx="2">
+              <a:schemeClr val="accent1">
+                <a:shade val="50000"/>
+              </a:schemeClr>
+            </a:lnRef>
+            <a:fillRef idx="1">
+              <a:schemeClr val="accent1"/>
+            </a:fillRef>
+            <a:effectRef idx="0">
+              <a:schemeClr val="accent1"/>
+            </a:effectRef>
+            <a:fontRef idx="minor">
+              <a:schemeClr val="lt1"/>
+            </a:fontRef>
+          </p:style>
+          <p:txBody>
+            <a:bodyPr rtlCol="0" anchor="ctr"/>
+            <a:lstStyle/>
+            <a:p>
+              <a:pPr algn="ctr"/>
+              <a:endParaRPr lang="es-CL"/>
+            </a:p>
+          </p:txBody>
+        </p:sp>
+        <p:sp>
+          <p:nvSpPr>
+            <p:cNvPr id="80" name="38 Rectángulo">
+              <a:extLst>
+                <a:ext uri="{FF2B5EF4-FFF2-40B4-BE49-F238E27FC236}">
+                  <a16:creationId xmlns:a16="http://schemas.microsoft.com/office/drawing/2014/main" id="{BF1F7AFC-3CC5-2B46-B831-0B9353DDA364}"/>
+                </a:ext>
+              </a:extLst>
+            </p:cNvPr>
+            <p:cNvSpPr/>
+            <p:nvPr/>
+          </p:nvSpPr>
+          <p:spPr>
+            <a:xfrm>
+              <a:off x="571472" y="3429000"/>
+              <a:ext cx="428628" cy="500066"/>
+            </a:xfrm>
+            <a:prstGeom prst="rect">
+              <a:avLst/>
+            </a:prstGeom>
+            <a:solidFill>
+              <a:schemeClr val="tx1">
+                <a:lumMod val="75000"/>
+                <a:lumOff val="25000"/>
+              </a:schemeClr>
+            </a:solidFill>
+            <a:ln>
+              <a:solidFill>
+                <a:schemeClr val="bg1">
+                  <a:lumMod val="85000"/>
+                </a:schemeClr>
+              </a:solidFill>
+            </a:ln>
+          </p:spPr>
+          <p:style>
+            <a:lnRef idx="2">
+              <a:schemeClr val="accent1">
+                <a:shade val="50000"/>
+              </a:schemeClr>
+            </a:lnRef>
+            <a:fillRef idx="1">
+              <a:schemeClr val="accent1"/>
+            </a:fillRef>
+            <a:effectRef idx="0">
+              <a:schemeClr val="accent1"/>
+            </a:effectRef>
+            <a:fontRef idx="minor">
+              <a:schemeClr val="lt1"/>
+            </a:fontRef>
+          </p:style>
+          <p:txBody>
+            <a:bodyPr rtlCol="0" anchor="ctr"/>
+            <a:lstStyle/>
+            <a:p>
+              <a:pPr algn="ctr"/>
+              <a:endParaRPr lang="es-CL"/>
+            </a:p>
+          </p:txBody>
+        </p:sp>
+      </p:grpSp>
     </p:spTree>
     <p:extLst>
       <p:ext uri="{BB962C8B-B14F-4D97-AF65-F5344CB8AC3E}">
@@ -30646,7 +30702,7 @@
                                       <p:cBhvr>
                                         <p:cTn id="6" dur="2000" fill="hold"/>
                                         <p:tgtEl>
-                                          <p:spTgt spid="87"/>
+                                          <p:spTgt spid="73"/>
                                         </p:tgtEl>
                                         <p:attrNameLst>
                                           <p:attrName>ppt_x</p:attrName>
@@ -30676,7 +30732,7 @@
                                       <p:cBhvr>
                                         <p:cTn id="9" dur="500"/>
                                         <p:tgtEl>
-                                          <p:spTgt spid="87"/>
+                                          <p:spTgt spid="73"/>
                                         </p:tgtEl>
                                       </p:cBhvr>
                                     </p:animEffect>
@@ -30688,7 +30744,7 @@
                                           </p:stCondLst>
                                         </p:cTn>
                                         <p:tgtEl>
-                                          <p:spTgt spid="87"/>
+                                          <p:spTgt spid="73"/>
                                         </p:tgtEl>
                                         <p:attrNameLst>
                                           <p:attrName>style.visibility</p:attrName>
@@ -30808,7 +30864,10 @@
             <a:avLst/>
           </a:prstGeom>
           <a:solidFill>
-            <a:schemeClr val="bg1"/>
+            <a:schemeClr val="accent6">
+              <a:lumMod val="60000"/>
+              <a:lumOff val="40000"/>
+            </a:schemeClr>
           </a:solidFill>
           <a:ln>
             <a:solidFill>
@@ -30856,7 +30915,10 @@
             <a:avLst/>
           </a:prstGeom>
           <a:solidFill>
-            <a:schemeClr val="bg1"/>
+            <a:schemeClr val="accent6">
+              <a:lumMod val="60000"/>
+              <a:lumOff val="40000"/>
+            </a:schemeClr>
           </a:solidFill>
           <a:ln>
             <a:solidFill>
@@ -30904,7 +30966,10 @@
             <a:avLst/>
           </a:prstGeom>
           <a:solidFill>
-            <a:schemeClr val="bg1"/>
+            <a:schemeClr val="accent6">
+              <a:lumMod val="60000"/>
+              <a:lumOff val="40000"/>
+            </a:schemeClr>
           </a:solidFill>
           <a:ln>
             <a:solidFill>
@@ -30952,7 +31017,10 @@
             <a:avLst/>
           </a:prstGeom>
           <a:solidFill>
-            <a:schemeClr val="bg1"/>
+            <a:schemeClr val="accent6">
+              <a:lumMod val="60000"/>
+              <a:lumOff val="40000"/>
+            </a:schemeClr>
           </a:solidFill>
           <a:ln>
             <a:solidFill>
@@ -31000,7 +31068,10 @@
             <a:avLst/>
           </a:prstGeom>
           <a:solidFill>
-            <a:schemeClr val="bg1"/>
+            <a:schemeClr val="accent6">
+              <a:lumMod val="60000"/>
+              <a:lumOff val="40000"/>
+            </a:schemeClr>
           </a:solidFill>
           <a:ln>
             <a:solidFill>
@@ -31048,7 +31119,10 @@
             <a:avLst/>
           </a:prstGeom>
           <a:solidFill>
-            <a:schemeClr val="bg1"/>
+            <a:schemeClr val="accent6">
+              <a:lumMod val="60000"/>
+              <a:lumOff val="40000"/>
+            </a:schemeClr>
           </a:solidFill>
           <a:ln>
             <a:solidFill>
@@ -31096,7 +31170,10 @@
             <a:avLst/>
           </a:prstGeom>
           <a:solidFill>
-            <a:schemeClr val="bg1"/>
+            <a:schemeClr val="accent6">
+              <a:lumMod val="60000"/>
+              <a:lumOff val="40000"/>
+            </a:schemeClr>
           </a:solidFill>
           <a:ln>
             <a:solidFill>
@@ -31144,7 +31221,10 @@
             <a:avLst/>
           </a:prstGeom>
           <a:solidFill>
-            <a:schemeClr val="bg1"/>
+            <a:schemeClr val="accent6">
+              <a:lumMod val="60000"/>
+              <a:lumOff val="40000"/>
+            </a:schemeClr>
           </a:solidFill>
           <a:ln>
             <a:solidFill>
@@ -31192,7 +31272,10 @@
             <a:avLst/>
           </a:prstGeom>
           <a:solidFill>
-            <a:schemeClr val="bg1"/>
+            <a:schemeClr val="accent6">
+              <a:lumMod val="60000"/>
+              <a:lumOff val="40000"/>
+            </a:schemeClr>
           </a:solidFill>
           <a:ln>
             <a:solidFill>
@@ -31240,7 +31323,10 @@
             <a:avLst/>
           </a:prstGeom>
           <a:solidFill>
-            <a:schemeClr val="bg1"/>
+            <a:schemeClr val="accent6">
+              <a:lumMod val="60000"/>
+              <a:lumOff val="40000"/>
+            </a:schemeClr>
           </a:solidFill>
           <a:ln>
             <a:solidFill>
@@ -31288,7 +31374,10 @@
             <a:avLst/>
           </a:prstGeom>
           <a:solidFill>
-            <a:schemeClr val="bg1"/>
+            <a:schemeClr val="accent6">
+              <a:lumMod val="60000"/>
+              <a:lumOff val="40000"/>
+            </a:schemeClr>
           </a:solidFill>
           <a:ln>
             <a:solidFill>
@@ -31336,7 +31425,10 @@
             <a:avLst/>
           </a:prstGeom>
           <a:solidFill>
-            <a:schemeClr val="bg1"/>
+            <a:schemeClr val="accent6">
+              <a:lumMod val="60000"/>
+              <a:lumOff val="40000"/>
+            </a:schemeClr>
           </a:solidFill>
           <a:ln>
             <a:solidFill>
@@ -31384,7 +31476,10 @@
             <a:avLst/>
           </a:prstGeom>
           <a:solidFill>
-            <a:schemeClr val="bg1"/>
+            <a:schemeClr val="accent6">
+              <a:lumMod val="60000"/>
+              <a:lumOff val="40000"/>
+            </a:schemeClr>
           </a:solidFill>
           <a:ln>
             <a:solidFill>
@@ -31432,7 +31527,10 @@
             <a:avLst/>
           </a:prstGeom>
           <a:solidFill>
-            <a:schemeClr val="bg1"/>
+            <a:schemeClr val="accent6">
+              <a:lumMod val="60000"/>
+              <a:lumOff val="40000"/>
+            </a:schemeClr>
           </a:solidFill>
           <a:ln>
             <a:solidFill>
@@ -31480,7 +31578,10 @@
             <a:avLst/>
           </a:prstGeom>
           <a:solidFill>
-            <a:schemeClr val="bg1"/>
+            <a:schemeClr val="accent6">
+              <a:lumMod val="60000"/>
+              <a:lumOff val="40000"/>
+            </a:schemeClr>
           </a:solidFill>
           <a:ln>
             <a:solidFill>
@@ -31528,7 +31629,10 @@
             <a:avLst/>
           </a:prstGeom>
           <a:solidFill>
-            <a:schemeClr val="bg1"/>
+            <a:schemeClr val="accent6">
+              <a:lumMod val="60000"/>
+              <a:lumOff val="40000"/>
+            </a:schemeClr>
           </a:solidFill>
           <a:ln>
             <a:solidFill>
@@ -31576,7 +31680,10 @@
             <a:avLst/>
           </a:prstGeom>
           <a:solidFill>
-            <a:schemeClr val="bg1"/>
+            <a:schemeClr val="accent6">
+              <a:lumMod val="60000"/>
+              <a:lumOff val="40000"/>
+            </a:schemeClr>
           </a:solidFill>
           <a:ln>
             <a:solidFill>
@@ -31624,7 +31731,10 @@
             <a:avLst/>
           </a:prstGeom>
           <a:solidFill>
-            <a:schemeClr val="bg1"/>
+            <a:schemeClr val="accent6">
+              <a:lumMod val="60000"/>
+              <a:lumOff val="40000"/>
+            </a:schemeClr>
           </a:solidFill>
           <a:ln>
             <a:solidFill>
@@ -31672,7 +31782,10 @@
             <a:avLst/>
           </a:prstGeom>
           <a:solidFill>
-            <a:schemeClr val="bg1"/>
+            <a:schemeClr val="accent6">
+              <a:lumMod val="60000"/>
+              <a:lumOff val="40000"/>
+            </a:schemeClr>
           </a:solidFill>
           <a:ln>
             <a:solidFill>
@@ -31720,7 +31833,10 @@
             <a:avLst/>
           </a:prstGeom>
           <a:solidFill>
-            <a:schemeClr val="bg1"/>
+            <a:schemeClr val="accent6">
+              <a:lumMod val="60000"/>
+              <a:lumOff val="40000"/>
+            </a:schemeClr>
           </a:solidFill>
           <a:ln>
             <a:solidFill>
@@ -31768,7 +31884,10 @@
             <a:avLst/>
           </a:prstGeom>
           <a:solidFill>
-            <a:schemeClr val="bg1"/>
+            <a:schemeClr val="accent6">
+              <a:lumMod val="60000"/>
+              <a:lumOff val="40000"/>
+            </a:schemeClr>
           </a:solidFill>
           <a:ln>
             <a:solidFill>
@@ -31816,7 +31935,10 @@
             <a:avLst/>
           </a:prstGeom>
           <a:solidFill>
-            <a:schemeClr val="bg1"/>
+            <a:schemeClr val="accent6">
+              <a:lumMod val="60000"/>
+              <a:lumOff val="40000"/>
+            </a:schemeClr>
           </a:solidFill>
           <a:ln>
             <a:solidFill>
@@ -31864,7 +31986,10 @@
             <a:avLst/>
           </a:prstGeom>
           <a:solidFill>
-            <a:schemeClr val="bg1"/>
+            <a:schemeClr val="accent6">
+              <a:lumMod val="60000"/>
+              <a:lumOff val="40000"/>
+            </a:schemeClr>
           </a:solidFill>
           <a:ln>
             <a:solidFill>
@@ -31912,7 +32037,10 @@
             <a:avLst/>
           </a:prstGeom>
           <a:solidFill>
-            <a:schemeClr val="bg1"/>
+            <a:schemeClr val="accent6">
+              <a:lumMod val="60000"/>
+              <a:lumOff val="40000"/>
+            </a:schemeClr>
           </a:solidFill>
           <a:ln>
             <a:solidFill>
@@ -33799,7 +33927,13 @@
       </p:sp>
       <p:grpSp>
         <p:nvGrpSpPr>
-          <p:cNvPr id="89" name="88 Grupo"/>
+          <p:cNvPr id="70" name="88 Grupo">
+            <a:extLst>
+              <a:ext uri="{FF2B5EF4-FFF2-40B4-BE49-F238E27FC236}">
+                <a16:creationId xmlns:a16="http://schemas.microsoft.com/office/drawing/2014/main" id="{6AF9D976-339B-6B4A-905D-24D8D3D01C33}"/>
+              </a:ext>
+            </a:extLst>
+          </p:cNvPr>
           <p:cNvGrpSpPr/>
           <p:nvPr/>
         </p:nvGrpSpPr>
@@ -33819,7 +33953,13 @@
         </p:grpSpPr>
         <p:sp>
           <p:nvSpPr>
-            <p:cNvPr id="90" name="89 Rectángulo"/>
+            <p:cNvPr id="71" name="89 Rectángulo">
+              <a:extLst>
+                <a:ext uri="{FF2B5EF4-FFF2-40B4-BE49-F238E27FC236}">
+                  <a16:creationId xmlns:a16="http://schemas.microsoft.com/office/drawing/2014/main" id="{C9675B27-F32D-8146-BC49-2B802AFA8793}"/>
+                </a:ext>
+              </a:extLst>
+            </p:cNvPr>
             <p:cNvSpPr/>
             <p:nvPr/>
           </p:nvSpPr>
@@ -33867,7 +34007,13 @@
         </p:sp>
         <p:sp>
           <p:nvSpPr>
-            <p:cNvPr id="91" name="90 Rectángulo"/>
+            <p:cNvPr id="72" name="90 Rectángulo">
+              <a:extLst>
+                <a:ext uri="{FF2B5EF4-FFF2-40B4-BE49-F238E27FC236}">
+                  <a16:creationId xmlns:a16="http://schemas.microsoft.com/office/drawing/2014/main" id="{3355CCD0-4028-0D47-95FC-1756ED10553C}"/>
+                </a:ext>
+              </a:extLst>
+            </p:cNvPr>
             <p:cNvSpPr/>
             <p:nvPr/>
           </p:nvSpPr>
@@ -33915,7 +34061,13 @@
         </p:sp>
         <p:sp>
           <p:nvSpPr>
-            <p:cNvPr id="92" name="91 Rectángulo"/>
+            <p:cNvPr id="73" name="91 Rectángulo">
+              <a:extLst>
+                <a:ext uri="{FF2B5EF4-FFF2-40B4-BE49-F238E27FC236}">
+                  <a16:creationId xmlns:a16="http://schemas.microsoft.com/office/drawing/2014/main" id="{38D61950-49B1-D24B-8B39-1E4B5163299D}"/>
+                </a:ext>
+              </a:extLst>
+            </p:cNvPr>
             <p:cNvSpPr/>
             <p:nvPr/>
           </p:nvSpPr>
@@ -33963,7 +34115,13 @@
         </p:sp>
         <p:sp>
           <p:nvSpPr>
-            <p:cNvPr id="93" name="92 Rectángulo"/>
+            <p:cNvPr id="74" name="92 Rectángulo">
+              <a:extLst>
+                <a:ext uri="{FF2B5EF4-FFF2-40B4-BE49-F238E27FC236}">
+                  <a16:creationId xmlns:a16="http://schemas.microsoft.com/office/drawing/2014/main" id="{6A447C41-87AF-F84A-8D0D-B86710074557}"/>
+                </a:ext>
+              </a:extLst>
+            </p:cNvPr>
             <p:cNvSpPr/>
             <p:nvPr/>
           </p:nvSpPr>
@@ -34011,7 +34169,13 @@
         </p:sp>
         <p:sp>
           <p:nvSpPr>
-            <p:cNvPr id="94" name="93 Rectángulo"/>
+            <p:cNvPr id="75" name="93 Rectángulo">
+              <a:extLst>
+                <a:ext uri="{FF2B5EF4-FFF2-40B4-BE49-F238E27FC236}">
+                  <a16:creationId xmlns:a16="http://schemas.microsoft.com/office/drawing/2014/main" id="{43873D0C-CB73-0640-AF26-E3142E47FF97}"/>
+                </a:ext>
+              </a:extLst>
+            </p:cNvPr>
             <p:cNvSpPr/>
             <p:nvPr/>
           </p:nvSpPr>
@@ -34059,7 +34223,13 @@
         </p:sp>
         <p:sp>
           <p:nvSpPr>
-            <p:cNvPr id="95" name="94 Rectángulo"/>
+            <p:cNvPr id="76" name="94 Rectángulo">
+              <a:extLst>
+                <a:ext uri="{FF2B5EF4-FFF2-40B4-BE49-F238E27FC236}">
+                  <a16:creationId xmlns:a16="http://schemas.microsoft.com/office/drawing/2014/main" id="{FF8D6320-B100-5242-9D7A-EC250E5A7E82}"/>
+                </a:ext>
+              </a:extLst>
+            </p:cNvPr>
             <p:cNvSpPr/>
             <p:nvPr/>
           </p:nvSpPr>
@@ -34146,7 +34316,7 @@
                                       <p:cBhvr>
                                         <p:cTn id="6" dur="2000" fill="hold"/>
                                         <p:tgtEl>
-                                          <p:spTgt spid="89"/>
+                                          <p:spTgt spid="70"/>
                                         </p:tgtEl>
                                         <p:attrNameLst>
                                           <p:attrName>ppt_x</p:attrName>
@@ -34176,7 +34346,7 @@
                                       <p:cBhvr>
                                         <p:cTn id="9" dur="500"/>
                                         <p:tgtEl>
-                                          <p:spTgt spid="89"/>
+                                          <p:spTgt spid="70"/>
                                         </p:tgtEl>
                                       </p:cBhvr>
                                     </p:animEffect>
@@ -34188,7 +34358,7 @@
                                           </p:stCondLst>
                                         </p:cTn>
                                         <p:tgtEl>
-                                          <p:spTgt spid="89"/>
+                                          <p:spTgt spid="70"/>
                                         </p:tgtEl>
                                         <p:attrNameLst>
                                           <p:attrName>style.visibility</p:attrName>

--- a/clases/Cap03_Mejoramiento_Espacio/presentations/IMG03_Histogramas.pptx
+++ b/clases/Cap03_Mejoramiento_Espacio/presentations/IMG03_Histogramas.pptx
@@ -225,7 +225,7 @@
             <a:fld id="{F14E9589-7AAA-4AB6-B000-D241955E3CEB}" type="datetimeFigureOut">
               <a:rPr lang="en-US" smtClean="0"/>
               <a:pPr/>
-              <a:t>9/6/21</a:t>
+              <a:t>8/30/22</a:t>
             </a:fld>
             <a:endParaRPr lang="en-US"/>
           </a:p>
@@ -1547,7 +1547,7 @@
             <a:fld id="{47F4E713-0B4D-43FC-B3C6-08305E8BB356}" type="datetimeFigureOut">
               <a:rPr lang="es-CL" smtClean="0"/>
               <a:pPr/>
-              <a:t>06-09-21</a:t>
+              <a:t>30-08-22</a:t>
             </a:fld>
             <a:endParaRPr lang="es-CL"/>
           </a:p>
@@ -1714,7 +1714,7 @@
             <a:fld id="{47F4E713-0B4D-43FC-B3C6-08305E8BB356}" type="datetimeFigureOut">
               <a:rPr lang="es-CL" smtClean="0"/>
               <a:pPr/>
-              <a:t>06-09-21</a:t>
+              <a:t>30-08-22</a:t>
             </a:fld>
             <a:endParaRPr lang="es-CL"/>
           </a:p>
@@ -1891,7 +1891,7 @@
             <a:fld id="{47F4E713-0B4D-43FC-B3C6-08305E8BB356}" type="datetimeFigureOut">
               <a:rPr lang="es-CL" smtClean="0"/>
               <a:pPr/>
-              <a:t>06-09-21</a:t>
+              <a:t>30-08-22</a:t>
             </a:fld>
             <a:endParaRPr lang="es-CL"/>
           </a:p>
@@ -2058,7 +2058,7 @@
             <a:fld id="{47F4E713-0B4D-43FC-B3C6-08305E8BB356}" type="datetimeFigureOut">
               <a:rPr lang="es-CL" smtClean="0"/>
               <a:pPr/>
-              <a:t>06-09-21</a:t>
+              <a:t>30-08-22</a:t>
             </a:fld>
             <a:endParaRPr lang="es-CL"/>
           </a:p>
@@ -2301,7 +2301,7 @@
             <a:fld id="{47F4E713-0B4D-43FC-B3C6-08305E8BB356}" type="datetimeFigureOut">
               <a:rPr lang="es-CL" smtClean="0"/>
               <a:pPr/>
-              <a:t>06-09-21</a:t>
+              <a:t>30-08-22</a:t>
             </a:fld>
             <a:endParaRPr lang="es-CL"/>
           </a:p>
@@ -2586,7 +2586,7 @@
             <a:fld id="{47F4E713-0B4D-43FC-B3C6-08305E8BB356}" type="datetimeFigureOut">
               <a:rPr lang="es-CL" smtClean="0"/>
               <a:pPr/>
-              <a:t>06-09-21</a:t>
+              <a:t>30-08-22</a:t>
             </a:fld>
             <a:endParaRPr lang="es-CL"/>
           </a:p>
@@ -3005,7 +3005,7 @@
             <a:fld id="{47F4E713-0B4D-43FC-B3C6-08305E8BB356}" type="datetimeFigureOut">
               <a:rPr lang="es-CL" smtClean="0"/>
               <a:pPr/>
-              <a:t>06-09-21</a:t>
+              <a:t>30-08-22</a:t>
             </a:fld>
             <a:endParaRPr lang="es-CL"/>
           </a:p>
@@ -3120,7 +3120,7 @@
             <a:fld id="{47F4E713-0B4D-43FC-B3C6-08305E8BB356}" type="datetimeFigureOut">
               <a:rPr lang="es-CL" smtClean="0"/>
               <a:pPr/>
-              <a:t>06-09-21</a:t>
+              <a:t>30-08-22</a:t>
             </a:fld>
             <a:endParaRPr lang="es-CL"/>
           </a:p>
@@ -3212,7 +3212,7 @@
             <a:fld id="{47F4E713-0B4D-43FC-B3C6-08305E8BB356}" type="datetimeFigureOut">
               <a:rPr lang="es-CL" smtClean="0"/>
               <a:pPr/>
-              <a:t>06-09-21</a:t>
+              <a:t>30-08-22</a:t>
             </a:fld>
             <a:endParaRPr lang="es-CL"/>
           </a:p>
@@ -3486,7 +3486,7 @@
             <a:fld id="{47F4E713-0B4D-43FC-B3C6-08305E8BB356}" type="datetimeFigureOut">
               <a:rPr lang="es-CL" smtClean="0"/>
               <a:pPr/>
-              <a:t>06-09-21</a:t>
+              <a:t>30-08-22</a:t>
             </a:fld>
             <a:endParaRPr lang="es-CL"/>
           </a:p>
@@ -3736,7 +3736,7 @@
             <a:fld id="{47F4E713-0B4D-43FC-B3C6-08305E8BB356}" type="datetimeFigureOut">
               <a:rPr lang="es-CL" smtClean="0"/>
               <a:pPr/>
-              <a:t>06-09-21</a:t>
+              <a:t>30-08-22</a:t>
             </a:fld>
             <a:endParaRPr lang="es-CL"/>
           </a:p>
@@ -3946,7 +3946,7 @@
             <a:fld id="{47F4E713-0B4D-43FC-B3C6-08305E8BB356}" type="datetimeFigureOut">
               <a:rPr lang="es-CL" smtClean="0"/>
               <a:pPr/>
-              <a:t>06-09-21</a:t>
+              <a:t>30-08-22</a:t>
             </a:fld>
             <a:endParaRPr lang="es-CL"/>
           </a:p>
@@ -4667,6 +4667,17 @@
           <a:p>
             <a:pPr algn="ctr"/>
             <a:r>
+              <a:rPr lang="es-CL" sz="1200">
+                <a:solidFill>
+                  <a:schemeClr val="bg1">
+                    <a:lumMod val="75000"/>
+                  </a:schemeClr>
+                </a:solidFill>
+                <a:latin typeface="Trebuchet MS" pitchFamily="34" charset="0"/>
+              </a:rPr>
+              <a:t>Departamento </a:t>
+            </a:r>
+            <a:r>
               <a:rPr lang="es-CL" sz="1200" dirty="0">
                 <a:solidFill>
                   <a:schemeClr val="bg1">
@@ -4675,7 +4686,7 @@
                 </a:solidFill>
                 <a:latin typeface="Trebuchet MS" pitchFamily="34" charset="0"/>
               </a:rPr>
-              <a:t>Departmento de Ciencia de la Computación</a:t>
+              <a:t>de Ciencia de la Computación</a:t>
             </a:r>
           </a:p>
           <a:p>
@@ -4703,27 +4714,8 @@
                 </a:solidFill>
                 <a:latin typeface="Trebuchet MS" pitchFamily="34" charset="0"/>
               </a:rPr>
-              <a:t>Universidad Católica </a:t>
+              <a:t>Universidad Católica de Chile</a:t>
             </a:r>
-            <a:r>
-              <a:rPr lang="es-CL" sz="1200">
-                <a:solidFill>
-                  <a:schemeClr val="bg1">
-                    <a:lumMod val="75000"/>
-                  </a:schemeClr>
-                </a:solidFill>
-                <a:latin typeface="Trebuchet MS" pitchFamily="34" charset="0"/>
-              </a:rPr>
-              <a:t>de Chile</a:t>
-            </a:r>
-            <a:endParaRPr lang="es-CL" sz="1200" dirty="0">
-              <a:solidFill>
-                <a:schemeClr val="bg1">
-                  <a:lumMod val="75000"/>
-                </a:schemeClr>
-              </a:solidFill>
-              <a:latin typeface="Trebuchet MS" pitchFamily="34" charset="0"/>
-            </a:endParaRPr>
           </a:p>
         </p:txBody>
       </p:sp>
